--- a/redox.pptx
+++ b/redox.pptx
@@ -9,6 +9,8 @@
     <p:sldId id="257" r:id="rId3"/>
     <p:sldId id="259" r:id="rId4"/>
     <p:sldId id="258" r:id="rId5"/>
+    <p:sldId id="260" r:id="rId6"/>
+    <p:sldId id="261" r:id="rId7"/>
   </p:sldIdLst>
   <p:sldSz cx="12192000" cy="6858000"/>
   <p:notesSz cx="6858000" cy="9144000"/>
@@ -113,10 +115,6 @@
     </p:ext>
   </p:extLst>
 </p:presentation>
-</file>
-
-<file path=ppt/revisionInfo.xml><?xml version="1.0" encoding="utf-8"?>
-<p1510:revInfo xmlns:a="http://schemas.openxmlformats.org/drawingml/2006/main" xmlns:r="http://schemas.openxmlformats.org/officeDocument/2006/relationships" xmlns:p1510="http://schemas.microsoft.com/office/powerpoint/2015/10/main"/>
 </file>
 
 <file path=ppt/slideLayouts/slideLayout1.xml><?xml version="1.0" encoding="utf-8"?>
@@ -5988,6 +5986,307 @@
           </a:p>
         </p:txBody>
       </p:sp>
+      <p:grpSp>
+        <p:nvGrpSpPr>
+          <p:cNvPr id="16" name="Group 15">
+            <a:extLst>
+              <a:ext uri="{FF2B5EF4-FFF2-40B4-BE49-F238E27FC236}">
+                <a16:creationId xmlns:a16="http://schemas.microsoft.com/office/drawing/2014/main" id="{A35905C8-D04D-449F-A3DB-E6DDDD0E539C}"/>
+              </a:ext>
+            </a:extLst>
+          </p:cNvPr>
+          <p:cNvGrpSpPr/>
+          <p:nvPr/>
+        </p:nvGrpSpPr>
+        <p:grpSpPr>
+          <a:xfrm>
+            <a:off x="0" y="5936848"/>
+            <a:ext cx="3966267" cy="930288"/>
+            <a:chOff x="0" y="5936848"/>
+            <a:chExt cx="3966267" cy="930288"/>
+          </a:xfrm>
+        </p:grpSpPr>
+        <p:sp>
+          <p:nvSpPr>
+            <p:cNvPr id="19" name="Title 1">
+              <a:extLst>
+                <a:ext uri="{FF2B5EF4-FFF2-40B4-BE49-F238E27FC236}">
+                  <a16:creationId xmlns:a16="http://schemas.microsoft.com/office/drawing/2014/main" id="{EA737B53-6F1D-423F-AD8B-E69D7BD0D311}"/>
+                </a:ext>
+              </a:extLst>
+            </p:cNvPr>
+            <p:cNvSpPr txBox="1">
+              <a:spLocks/>
+            </p:cNvSpPr>
+            <p:nvPr/>
+          </p:nvSpPr>
+          <p:spPr>
+            <a:xfrm>
+              <a:off x="679509" y="5936848"/>
+              <a:ext cx="3286758" cy="422754"/>
+            </a:xfrm>
+            <a:prstGeom prst="rect">
+              <a:avLst/>
+            </a:prstGeom>
+            <a:effectLst/>
+          </p:spPr>
+          <p:txBody>
+            <a:bodyPr vert="horz" lIns="91440" tIns="45720" rIns="91440" bIns="45720" rtlCol="0" anchor="b">
+              <a:noAutofit/>
+            </a:bodyPr>
+            <a:lstStyle>
+              <a:lvl1pPr algn="l" defTabSz="457200" rtl="0" eaLnBrk="1" latinLnBrk="0" hangingPunct="1">
+                <a:spcBef>
+                  <a:spcPct val="0"/>
+                </a:spcBef>
+                <a:buNone/>
+                <a:defRPr sz="4800" kern="1200" cap="all">
+                  <a:ln w="3175" cmpd="sng">
+                    <a:noFill/>
+                  </a:ln>
+                  <a:solidFill>
+                    <a:schemeClr val="tx1"/>
+                  </a:solidFill>
+                  <a:effectLst/>
+                  <a:latin typeface="+mj-lt"/>
+                  <a:ea typeface="+mj-ea"/>
+                  <a:cs typeface="+mj-cs"/>
+                </a:defRPr>
+              </a:lvl1pPr>
+              <a:lvl2pPr eaLnBrk="1" hangingPunct="1">
+                <a:defRPr>
+                  <a:solidFill>
+                    <a:schemeClr val="tx2"/>
+                  </a:solidFill>
+                </a:defRPr>
+              </a:lvl2pPr>
+              <a:lvl3pPr eaLnBrk="1" hangingPunct="1">
+                <a:defRPr>
+                  <a:solidFill>
+                    <a:schemeClr val="tx2"/>
+                  </a:solidFill>
+                </a:defRPr>
+              </a:lvl3pPr>
+              <a:lvl4pPr eaLnBrk="1" hangingPunct="1">
+                <a:defRPr>
+                  <a:solidFill>
+                    <a:schemeClr val="tx2"/>
+                  </a:solidFill>
+                </a:defRPr>
+              </a:lvl4pPr>
+              <a:lvl5pPr eaLnBrk="1" hangingPunct="1">
+                <a:defRPr>
+                  <a:solidFill>
+                    <a:schemeClr val="tx2"/>
+                  </a:solidFill>
+                </a:defRPr>
+              </a:lvl5pPr>
+              <a:lvl6pPr eaLnBrk="1" hangingPunct="1">
+                <a:defRPr>
+                  <a:solidFill>
+                    <a:schemeClr val="tx2"/>
+                  </a:solidFill>
+                </a:defRPr>
+              </a:lvl6pPr>
+              <a:lvl7pPr eaLnBrk="1" hangingPunct="1">
+                <a:defRPr>
+                  <a:solidFill>
+                    <a:schemeClr val="tx2"/>
+                  </a:solidFill>
+                </a:defRPr>
+              </a:lvl7pPr>
+              <a:lvl8pPr eaLnBrk="1" hangingPunct="1">
+                <a:defRPr>
+                  <a:solidFill>
+                    <a:schemeClr val="tx2"/>
+                  </a:solidFill>
+                </a:defRPr>
+              </a:lvl8pPr>
+              <a:lvl9pPr eaLnBrk="1" hangingPunct="1">
+                <a:defRPr>
+                  <a:solidFill>
+                    <a:schemeClr val="tx2"/>
+                  </a:solidFill>
+                </a:defRPr>
+              </a:lvl9pPr>
+            </a:lstStyle>
+            <a:p>
+              <a:pPr algn="r"/>
+              <a:r>
+                <a:rPr lang="he-IL" sz="2400" dirty="0">
+                  <a:latin typeface="Calibri Light" panose="020F0302020204030204" pitchFamily="34" charset="0"/>
+                  <a:cs typeface="Calibri Light" panose="020F0302020204030204" pitchFamily="34" charset="0"/>
+                </a:rPr>
+                <a:t>סרוק להורדת האפליקציה</a:t>
+              </a:r>
+              <a:endParaRPr lang="en-US" sz="2400" dirty="0">
+                <a:latin typeface="Calibri Light" panose="020F0302020204030204" pitchFamily="34" charset="0"/>
+                <a:cs typeface="Calibri Light" panose="020F0302020204030204" pitchFamily="34" charset="0"/>
+              </a:endParaRPr>
+            </a:p>
+          </p:txBody>
+        </p:sp>
+        <p:pic>
+          <p:nvPicPr>
+            <p:cNvPr id="22" name="Picture 21">
+              <a:extLst>
+                <a:ext uri="{FF2B5EF4-FFF2-40B4-BE49-F238E27FC236}">
+                  <a16:creationId xmlns:a16="http://schemas.microsoft.com/office/drawing/2014/main" id="{B7631689-41DA-4C96-9A21-755CAD92D0A6}"/>
+                </a:ext>
+              </a:extLst>
+            </p:cNvPr>
+            <p:cNvPicPr>
+              <a:picLocks noChangeAspect="1"/>
+            </p:cNvPicPr>
+            <p:nvPr/>
+          </p:nvPicPr>
+          <p:blipFill>
+            <a:blip r:embed="rId12"/>
+            <a:stretch>
+              <a:fillRect/>
+            </a:stretch>
+          </p:blipFill>
+          <p:spPr>
+            <a:xfrm>
+              <a:off x="0" y="6035355"/>
+              <a:ext cx="822645" cy="822645"/>
+            </a:xfrm>
+            <a:prstGeom prst="rect">
+              <a:avLst/>
+            </a:prstGeom>
+          </p:spPr>
+        </p:pic>
+        <p:sp>
+          <p:nvSpPr>
+            <p:cNvPr id="25" name="Title 1">
+              <a:extLst>
+                <a:ext uri="{FF2B5EF4-FFF2-40B4-BE49-F238E27FC236}">
+                  <a16:creationId xmlns:a16="http://schemas.microsoft.com/office/drawing/2014/main" id="{43A016E9-D8D0-426E-9EC7-C7E52E959D15}"/>
+                </a:ext>
+              </a:extLst>
+            </p:cNvPr>
+            <p:cNvSpPr txBox="1">
+              <a:spLocks/>
+            </p:cNvSpPr>
+            <p:nvPr/>
+          </p:nvSpPr>
+          <p:spPr>
+            <a:xfrm>
+              <a:off x="899211" y="6294521"/>
+              <a:ext cx="3067055" cy="572615"/>
+            </a:xfrm>
+            <a:prstGeom prst="rect">
+              <a:avLst/>
+            </a:prstGeom>
+            <a:effectLst/>
+          </p:spPr>
+          <p:txBody>
+            <a:bodyPr vert="horz" lIns="91440" tIns="45720" rIns="91440" bIns="45720" rtlCol="0" anchor="b">
+              <a:noAutofit/>
+            </a:bodyPr>
+            <a:lstStyle>
+              <a:lvl1pPr algn="l" defTabSz="457200" rtl="0" eaLnBrk="1" latinLnBrk="0" hangingPunct="1">
+                <a:spcBef>
+                  <a:spcPct val="0"/>
+                </a:spcBef>
+                <a:buNone/>
+                <a:defRPr sz="4800" kern="1200" cap="all">
+                  <a:ln w="3175" cmpd="sng">
+                    <a:noFill/>
+                  </a:ln>
+                  <a:solidFill>
+                    <a:schemeClr val="tx1"/>
+                  </a:solidFill>
+                  <a:effectLst/>
+                  <a:latin typeface="+mj-lt"/>
+                  <a:ea typeface="+mj-ea"/>
+                  <a:cs typeface="+mj-cs"/>
+                </a:defRPr>
+              </a:lvl1pPr>
+              <a:lvl2pPr eaLnBrk="1" hangingPunct="1">
+                <a:defRPr>
+                  <a:solidFill>
+                    <a:schemeClr val="tx2"/>
+                  </a:solidFill>
+                </a:defRPr>
+              </a:lvl2pPr>
+              <a:lvl3pPr eaLnBrk="1" hangingPunct="1">
+                <a:defRPr>
+                  <a:solidFill>
+                    <a:schemeClr val="tx2"/>
+                  </a:solidFill>
+                </a:defRPr>
+              </a:lvl3pPr>
+              <a:lvl4pPr eaLnBrk="1" hangingPunct="1">
+                <a:defRPr>
+                  <a:solidFill>
+                    <a:schemeClr val="tx2"/>
+                  </a:solidFill>
+                </a:defRPr>
+              </a:lvl4pPr>
+              <a:lvl5pPr eaLnBrk="1" hangingPunct="1">
+                <a:defRPr>
+                  <a:solidFill>
+                    <a:schemeClr val="tx2"/>
+                  </a:solidFill>
+                </a:defRPr>
+              </a:lvl5pPr>
+              <a:lvl6pPr eaLnBrk="1" hangingPunct="1">
+                <a:defRPr>
+                  <a:solidFill>
+                    <a:schemeClr val="tx2"/>
+                  </a:solidFill>
+                </a:defRPr>
+              </a:lvl6pPr>
+              <a:lvl7pPr eaLnBrk="1" hangingPunct="1">
+                <a:defRPr>
+                  <a:solidFill>
+                    <a:schemeClr val="tx2"/>
+                  </a:solidFill>
+                </a:defRPr>
+              </a:lvl7pPr>
+              <a:lvl8pPr eaLnBrk="1" hangingPunct="1">
+                <a:defRPr>
+                  <a:solidFill>
+                    <a:schemeClr val="tx2"/>
+                  </a:solidFill>
+                </a:defRPr>
+              </a:lvl8pPr>
+              <a:lvl9pPr eaLnBrk="1" hangingPunct="1">
+                <a:defRPr>
+                  <a:solidFill>
+                    <a:schemeClr val="tx2"/>
+                  </a:solidFill>
+                </a:defRPr>
+              </a:lvl9pPr>
+            </a:lstStyle>
+            <a:p>
+              <a:pPr algn="r"/>
+              <a:r>
+                <a:rPr lang="he-IL" sz="1600" dirty="0">
+                  <a:latin typeface="Calibri Light" panose="020F0302020204030204" pitchFamily="34" charset="0"/>
+                  <a:cs typeface="Calibri Light" panose="020F0302020204030204" pitchFamily="34" charset="0"/>
+                </a:rPr>
+                <a:t>10 החתמות חינם</a:t>
+              </a:r>
+            </a:p>
+            <a:p>
+              <a:pPr algn="r"/>
+              <a:r>
+                <a:rPr lang="he-IL" sz="1600" dirty="0">
+                  <a:latin typeface="Calibri Light" panose="020F0302020204030204" pitchFamily="34" charset="0"/>
+                  <a:cs typeface="Calibri Light" panose="020F0302020204030204" pitchFamily="34" charset="0"/>
+                </a:rPr>
+                <a:t>10% הנחה לנרשמים בכנס</a:t>
+              </a:r>
+              <a:endParaRPr lang="en-US" sz="1600" dirty="0">
+                <a:latin typeface="Calibri Light" panose="020F0302020204030204" pitchFamily="34" charset="0"/>
+                <a:cs typeface="Calibri Light" panose="020F0302020204030204" pitchFamily="34" charset="0"/>
+              </a:endParaRPr>
+            </a:p>
+          </p:txBody>
+        </p:sp>
+      </p:grpSp>
     </p:spTree>
     <p:extLst>
       <p:ext uri="{BB962C8B-B14F-4D97-AF65-F5344CB8AC3E}">
@@ -6753,6 +7052,307 @@
           </a:p>
         </p:txBody>
       </p:sp>
+      <p:grpSp>
+        <p:nvGrpSpPr>
+          <p:cNvPr id="13" name="Group 12">
+            <a:extLst>
+              <a:ext uri="{FF2B5EF4-FFF2-40B4-BE49-F238E27FC236}">
+                <a16:creationId xmlns:a16="http://schemas.microsoft.com/office/drawing/2014/main" id="{B7E96704-09EC-4B23-B203-5DC2DA8C7723}"/>
+              </a:ext>
+            </a:extLst>
+          </p:cNvPr>
+          <p:cNvGrpSpPr/>
+          <p:nvPr/>
+        </p:nvGrpSpPr>
+        <p:grpSpPr>
+          <a:xfrm>
+            <a:off x="0" y="5936848"/>
+            <a:ext cx="3966267" cy="930288"/>
+            <a:chOff x="0" y="5936848"/>
+            <a:chExt cx="3966267" cy="930288"/>
+          </a:xfrm>
+        </p:grpSpPr>
+        <p:sp>
+          <p:nvSpPr>
+            <p:cNvPr id="14" name="Title 1">
+              <a:extLst>
+                <a:ext uri="{FF2B5EF4-FFF2-40B4-BE49-F238E27FC236}">
+                  <a16:creationId xmlns:a16="http://schemas.microsoft.com/office/drawing/2014/main" id="{AA3E4DAF-F581-4133-B4E9-7533822269B1}"/>
+                </a:ext>
+              </a:extLst>
+            </p:cNvPr>
+            <p:cNvSpPr txBox="1">
+              <a:spLocks/>
+            </p:cNvSpPr>
+            <p:nvPr/>
+          </p:nvSpPr>
+          <p:spPr>
+            <a:xfrm>
+              <a:off x="679509" y="5936848"/>
+              <a:ext cx="3286758" cy="422754"/>
+            </a:xfrm>
+            <a:prstGeom prst="rect">
+              <a:avLst/>
+            </a:prstGeom>
+            <a:effectLst/>
+          </p:spPr>
+          <p:txBody>
+            <a:bodyPr vert="horz" lIns="91440" tIns="45720" rIns="91440" bIns="45720" rtlCol="0" anchor="b">
+              <a:noAutofit/>
+            </a:bodyPr>
+            <a:lstStyle>
+              <a:lvl1pPr algn="l" defTabSz="457200" rtl="0" eaLnBrk="1" latinLnBrk="0" hangingPunct="1">
+                <a:spcBef>
+                  <a:spcPct val="0"/>
+                </a:spcBef>
+                <a:buNone/>
+                <a:defRPr sz="4800" kern="1200" cap="all">
+                  <a:ln w="3175" cmpd="sng">
+                    <a:noFill/>
+                  </a:ln>
+                  <a:solidFill>
+                    <a:schemeClr val="tx1"/>
+                  </a:solidFill>
+                  <a:effectLst/>
+                  <a:latin typeface="+mj-lt"/>
+                  <a:ea typeface="+mj-ea"/>
+                  <a:cs typeface="+mj-cs"/>
+                </a:defRPr>
+              </a:lvl1pPr>
+              <a:lvl2pPr eaLnBrk="1" hangingPunct="1">
+                <a:defRPr>
+                  <a:solidFill>
+                    <a:schemeClr val="tx2"/>
+                  </a:solidFill>
+                </a:defRPr>
+              </a:lvl2pPr>
+              <a:lvl3pPr eaLnBrk="1" hangingPunct="1">
+                <a:defRPr>
+                  <a:solidFill>
+                    <a:schemeClr val="tx2"/>
+                  </a:solidFill>
+                </a:defRPr>
+              </a:lvl3pPr>
+              <a:lvl4pPr eaLnBrk="1" hangingPunct="1">
+                <a:defRPr>
+                  <a:solidFill>
+                    <a:schemeClr val="tx2"/>
+                  </a:solidFill>
+                </a:defRPr>
+              </a:lvl4pPr>
+              <a:lvl5pPr eaLnBrk="1" hangingPunct="1">
+                <a:defRPr>
+                  <a:solidFill>
+                    <a:schemeClr val="tx2"/>
+                  </a:solidFill>
+                </a:defRPr>
+              </a:lvl5pPr>
+              <a:lvl6pPr eaLnBrk="1" hangingPunct="1">
+                <a:defRPr>
+                  <a:solidFill>
+                    <a:schemeClr val="tx2"/>
+                  </a:solidFill>
+                </a:defRPr>
+              </a:lvl6pPr>
+              <a:lvl7pPr eaLnBrk="1" hangingPunct="1">
+                <a:defRPr>
+                  <a:solidFill>
+                    <a:schemeClr val="tx2"/>
+                  </a:solidFill>
+                </a:defRPr>
+              </a:lvl7pPr>
+              <a:lvl8pPr eaLnBrk="1" hangingPunct="1">
+                <a:defRPr>
+                  <a:solidFill>
+                    <a:schemeClr val="tx2"/>
+                  </a:solidFill>
+                </a:defRPr>
+              </a:lvl8pPr>
+              <a:lvl9pPr eaLnBrk="1" hangingPunct="1">
+                <a:defRPr>
+                  <a:solidFill>
+                    <a:schemeClr val="tx2"/>
+                  </a:solidFill>
+                </a:defRPr>
+              </a:lvl9pPr>
+            </a:lstStyle>
+            <a:p>
+              <a:pPr algn="r"/>
+              <a:r>
+                <a:rPr lang="he-IL" sz="2400" dirty="0">
+                  <a:latin typeface="Calibri Light" panose="020F0302020204030204" pitchFamily="34" charset="0"/>
+                  <a:cs typeface="Calibri Light" panose="020F0302020204030204" pitchFamily="34" charset="0"/>
+                </a:rPr>
+                <a:t>סרוק להורדת האפליקציה</a:t>
+              </a:r>
+              <a:endParaRPr lang="en-US" sz="2400" dirty="0">
+                <a:latin typeface="Calibri Light" panose="020F0302020204030204" pitchFamily="34" charset="0"/>
+                <a:cs typeface="Calibri Light" panose="020F0302020204030204" pitchFamily="34" charset="0"/>
+              </a:endParaRPr>
+            </a:p>
+          </p:txBody>
+        </p:sp>
+        <p:pic>
+          <p:nvPicPr>
+            <p:cNvPr id="15" name="Picture 14">
+              <a:extLst>
+                <a:ext uri="{FF2B5EF4-FFF2-40B4-BE49-F238E27FC236}">
+                  <a16:creationId xmlns:a16="http://schemas.microsoft.com/office/drawing/2014/main" id="{4658E128-EE57-40A4-B363-AACCDDFF0709}"/>
+                </a:ext>
+              </a:extLst>
+            </p:cNvPr>
+            <p:cNvPicPr>
+              <a:picLocks noChangeAspect="1"/>
+            </p:cNvPicPr>
+            <p:nvPr/>
+          </p:nvPicPr>
+          <p:blipFill>
+            <a:blip r:embed="rId6"/>
+            <a:stretch>
+              <a:fillRect/>
+            </a:stretch>
+          </p:blipFill>
+          <p:spPr>
+            <a:xfrm>
+              <a:off x="0" y="6035355"/>
+              <a:ext cx="822645" cy="822645"/>
+            </a:xfrm>
+            <a:prstGeom prst="rect">
+              <a:avLst/>
+            </a:prstGeom>
+          </p:spPr>
+        </p:pic>
+        <p:sp>
+          <p:nvSpPr>
+            <p:cNvPr id="16" name="Title 1">
+              <a:extLst>
+                <a:ext uri="{FF2B5EF4-FFF2-40B4-BE49-F238E27FC236}">
+                  <a16:creationId xmlns:a16="http://schemas.microsoft.com/office/drawing/2014/main" id="{E4021C28-FFD4-4D96-BEDB-CBADA2D147E6}"/>
+                </a:ext>
+              </a:extLst>
+            </p:cNvPr>
+            <p:cNvSpPr txBox="1">
+              <a:spLocks/>
+            </p:cNvSpPr>
+            <p:nvPr/>
+          </p:nvSpPr>
+          <p:spPr>
+            <a:xfrm>
+              <a:off x="899211" y="6294521"/>
+              <a:ext cx="3067055" cy="572615"/>
+            </a:xfrm>
+            <a:prstGeom prst="rect">
+              <a:avLst/>
+            </a:prstGeom>
+            <a:effectLst/>
+          </p:spPr>
+          <p:txBody>
+            <a:bodyPr vert="horz" lIns="91440" tIns="45720" rIns="91440" bIns="45720" rtlCol="0" anchor="b">
+              <a:noAutofit/>
+            </a:bodyPr>
+            <a:lstStyle>
+              <a:lvl1pPr algn="l" defTabSz="457200" rtl="0" eaLnBrk="1" latinLnBrk="0" hangingPunct="1">
+                <a:spcBef>
+                  <a:spcPct val="0"/>
+                </a:spcBef>
+                <a:buNone/>
+                <a:defRPr sz="4800" kern="1200" cap="all">
+                  <a:ln w="3175" cmpd="sng">
+                    <a:noFill/>
+                  </a:ln>
+                  <a:solidFill>
+                    <a:schemeClr val="tx1"/>
+                  </a:solidFill>
+                  <a:effectLst/>
+                  <a:latin typeface="+mj-lt"/>
+                  <a:ea typeface="+mj-ea"/>
+                  <a:cs typeface="+mj-cs"/>
+                </a:defRPr>
+              </a:lvl1pPr>
+              <a:lvl2pPr eaLnBrk="1" hangingPunct="1">
+                <a:defRPr>
+                  <a:solidFill>
+                    <a:schemeClr val="tx2"/>
+                  </a:solidFill>
+                </a:defRPr>
+              </a:lvl2pPr>
+              <a:lvl3pPr eaLnBrk="1" hangingPunct="1">
+                <a:defRPr>
+                  <a:solidFill>
+                    <a:schemeClr val="tx2"/>
+                  </a:solidFill>
+                </a:defRPr>
+              </a:lvl3pPr>
+              <a:lvl4pPr eaLnBrk="1" hangingPunct="1">
+                <a:defRPr>
+                  <a:solidFill>
+                    <a:schemeClr val="tx2"/>
+                  </a:solidFill>
+                </a:defRPr>
+              </a:lvl4pPr>
+              <a:lvl5pPr eaLnBrk="1" hangingPunct="1">
+                <a:defRPr>
+                  <a:solidFill>
+                    <a:schemeClr val="tx2"/>
+                  </a:solidFill>
+                </a:defRPr>
+              </a:lvl5pPr>
+              <a:lvl6pPr eaLnBrk="1" hangingPunct="1">
+                <a:defRPr>
+                  <a:solidFill>
+                    <a:schemeClr val="tx2"/>
+                  </a:solidFill>
+                </a:defRPr>
+              </a:lvl6pPr>
+              <a:lvl7pPr eaLnBrk="1" hangingPunct="1">
+                <a:defRPr>
+                  <a:solidFill>
+                    <a:schemeClr val="tx2"/>
+                  </a:solidFill>
+                </a:defRPr>
+              </a:lvl7pPr>
+              <a:lvl8pPr eaLnBrk="1" hangingPunct="1">
+                <a:defRPr>
+                  <a:solidFill>
+                    <a:schemeClr val="tx2"/>
+                  </a:solidFill>
+                </a:defRPr>
+              </a:lvl8pPr>
+              <a:lvl9pPr eaLnBrk="1" hangingPunct="1">
+                <a:defRPr>
+                  <a:solidFill>
+                    <a:schemeClr val="tx2"/>
+                  </a:solidFill>
+                </a:defRPr>
+              </a:lvl9pPr>
+            </a:lstStyle>
+            <a:p>
+              <a:pPr algn="r"/>
+              <a:r>
+                <a:rPr lang="he-IL" sz="1600" dirty="0">
+                  <a:latin typeface="Calibri Light" panose="020F0302020204030204" pitchFamily="34" charset="0"/>
+                  <a:cs typeface="Calibri Light" panose="020F0302020204030204" pitchFamily="34" charset="0"/>
+                </a:rPr>
+                <a:t>10 החתמות חינם</a:t>
+              </a:r>
+            </a:p>
+            <a:p>
+              <a:pPr algn="r"/>
+              <a:r>
+                <a:rPr lang="he-IL" sz="1600" dirty="0">
+                  <a:latin typeface="Calibri Light" panose="020F0302020204030204" pitchFamily="34" charset="0"/>
+                  <a:cs typeface="Calibri Light" panose="020F0302020204030204" pitchFamily="34" charset="0"/>
+                </a:rPr>
+                <a:t>10% הנחה לנרשמים בכנס</a:t>
+              </a:r>
+              <a:endParaRPr lang="en-US" sz="1600" dirty="0">
+                <a:latin typeface="Calibri Light" panose="020F0302020204030204" pitchFamily="34" charset="0"/>
+                <a:cs typeface="Calibri Light" panose="020F0302020204030204" pitchFamily="34" charset="0"/>
+              </a:endParaRPr>
+            </a:p>
+          </p:txBody>
+        </p:sp>
+      </p:grpSp>
     </p:spTree>
     <p:extLst>
       <p:ext uri="{BB962C8B-B14F-4D97-AF65-F5344CB8AC3E}">
@@ -7589,126 +8189,6 @@
           </a:prstGeom>
         </p:spPr>
       </p:pic>
-      <p:sp>
-        <p:nvSpPr>
-          <p:cNvPr id="19" name="Title 1">
-            <a:extLst>
-              <a:ext uri="{FF2B5EF4-FFF2-40B4-BE49-F238E27FC236}">
-                <a16:creationId xmlns:a16="http://schemas.microsoft.com/office/drawing/2014/main" id="{9B74F4C8-58A9-41FD-B490-723573058E57}"/>
-              </a:ext>
-            </a:extLst>
-          </p:cNvPr>
-          <p:cNvSpPr txBox="1">
-            <a:spLocks/>
-          </p:cNvSpPr>
-          <p:nvPr/>
-        </p:nvSpPr>
-        <p:spPr>
-          <a:xfrm>
-            <a:off x="394455" y="4625207"/>
-            <a:ext cx="1349603" cy="779991"/>
-          </a:xfrm>
-          <a:prstGeom prst="rect">
-            <a:avLst/>
-          </a:prstGeom>
-          <a:effectLst/>
-        </p:spPr>
-        <p:txBody>
-          <a:bodyPr vert="horz" lIns="91440" tIns="45720" rIns="91440" bIns="45720" rtlCol="0" anchor="b">
-            <a:noAutofit/>
-          </a:bodyPr>
-          <a:lstStyle>
-            <a:lvl1pPr algn="l" defTabSz="457200" rtl="0" eaLnBrk="1" latinLnBrk="0" hangingPunct="1">
-              <a:spcBef>
-                <a:spcPct val="0"/>
-              </a:spcBef>
-              <a:buNone/>
-              <a:defRPr sz="4800" kern="1200" cap="all">
-                <a:ln w="3175" cmpd="sng">
-                  <a:noFill/>
-                </a:ln>
-                <a:solidFill>
-                  <a:schemeClr val="tx1"/>
-                </a:solidFill>
-                <a:effectLst/>
-                <a:latin typeface="+mj-lt"/>
-                <a:ea typeface="+mj-ea"/>
-                <a:cs typeface="+mj-cs"/>
-              </a:defRPr>
-            </a:lvl1pPr>
-            <a:lvl2pPr eaLnBrk="1" hangingPunct="1">
-              <a:defRPr>
-                <a:solidFill>
-                  <a:schemeClr val="tx2"/>
-                </a:solidFill>
-              </a:defRPr>
-            </a:lvl2pPr>
-            <a:lvl3pPr eaLnBrk="1" hangingPunct="1">
-              <a:defRPr>
-                <a:solidFill>
-                  <a:schemeClr val="tx2"/>
-                </a:solidFill>
-              </a:defRPr>
-            </a:lvl3pPr>
-            <a:lvl4pPr eaLnBrk="1" hangingPunct="1">
-              <a:defRPr>
-                <a:solidFill>
-                  <a:schemeClr val="tx2"/>
-                </a:solidFill>
-              </a:defRPr>
-            </a:lvl4pPr>
-            <a:lvl5pPr eaLnBrk="1" hangingPunct="1">
-              <a:defRPr>
-                <a:solidFill>
-                  <a:schemeClr val="tx2"/>
-                </a:solidFill>
-              </a:defRPr>
-            </a:lvl5pPr>
-            <a:lvl6pPr eaLnBrk="1" hangingPunct="1">
-              <a:defRPr>
-                <a:solidFill>
-                  <a:schemeClr val="tx2"/>
-                </a:solidFill>
-              </a:defRPr>
-            </a:lvl6pPr>
-            <a:lvl7pPr eaLnBrk="1" hangingPunct="1">
-              <a:defRPr>
-                <a:solidFill>
-                  <a:schemeClr val="tx2"/>
-                </a:solidFill>
-              </a:defRPr>
-            </a:lvl7pPr>
-            <a:lvl8pPr eaLnBrk="1" hangingPunct="1">
-              <a:defRPr>
-                <a:solidFill>
-                  <a:schemeClr val="tx2"/>
-                </a:solidFill>
-              </a:defRPr>
-            </a:lvl8pPr>
-            <a:lvl9pPr eaLnBrk="1" hangingPunct="1">
-              <a:defRPr>
-                <a:solidFill>
-                  <a:schemeClr val="tx2"/>
-                </a:solidFill>
-              </a:defRPr>
-            </a:lvl9pPr>
-          </a:lstStyle>
-          <a:p>
-            <a:pPr algn="ctr"/>
-            <a:r>
-              <a:rPr lang="he-IL" sz="2400" dirty="0">
-                <a:latin typeface="Calibri Light" panose="020F0302020204030204" pitchFamily="34" charset="0"/>
-                <a:cs typeface="Calibri Light" panose="020F0302020204030204" pitchFamily="34" charset="0"/>
-              </a:rPr>
-              <a:t>חדשני וירוק</a:t>
-            </a:r>
-            <a:endParaRPr lang="en-US" sz="2400" dirty="0">
-              <a:latin typeface="Calibri Light" panose="020F0302020204030204" pitchFamily="34" charset="0"/>
-              <a:cs typeface="Calibri Light" panose="020F0302020204030204" pitchFamily="34" charset="0"/>
-            </a:endParaRPr>
-          </a:p>
-        </p:txBody>
-      </p:sp>
       <p:pic>
         <p:nvPicPr>
           <p:cNvPr id="25" name="Graphic 24">
@@ -7937,6 +8417,427 @@
           </a:p>
         </p:txBody>
       </p:sp>
+      <p:sp>
+        <p:nvSpPr>
+          <p:cNvPr id="20" name="Title 1">
+            <a:extLst>
+              <a:ext uri="{FF2B5EF4-FFF2-40B4-BE49-F238E27FC236}">
+                <a16:creationId xmlns:a16="http://schemas.microsoft.com/office/drawing/2014/main" id="{6C27B6E7-F599-463F-B790-E7A8FE277F1D}"/>
+              </a:ext>
+            </a:extLst>
+          </p:cNvPr>
+          <p:cNvSpPr txBox="1">
+            <a:spLocks/>
+          </p:cNvSpPr>
+          <p:nvPr/>
+        </p:nvSpPr>
+        <p:spPr>
+          <a:xfrm>
+            <a:off x="400689" y="4590662"/>
+            <a:ext cx="1349603" cy="779991"/>
+          </a:xfrm>
+          <a:prstGeom prst="rect">
+            <a:avLst/>
+          </a:prstGeom>
+          <a:effectLst/>
+        </p:spPr>
+        <p:txBody>
+          <a:bodyPr vert="horz" lIns="91440" tIns="45720" rIns="91440" bIns="45720" rtlCol="0" anchor="b">
+            <a:noAutofit/>
+          </a:bodyPr>
+          <a:lstStyle>
+            <a:lvl1pPr algn="l" defTabSz="457200" rtl="0" eaLnBrk="1" latinLnBrk="0" hangingPunct="1">
+              <a:spcBef>
+                <a:spcPct val="0"/>
+              </a:spcBef>
+              <a:buNone/>
+              <a:defRPr sz="4800" kern="1200" cap="all">
+                <a:ln w="3175" cmpd="sng">
+                  <a:noFill/>
+                </a:ln>
+                <a:solidFill>
+                  <a:schemeClr val="tx1"/>
+                </a:solidFill>
+                <a:effectLst/>
+                <a:latin typeface="+mj-lt"/>
+                <a:ea typeface="+mj-ea"/>
+                <a:cs typeface="+mj-cs"/>
+              </a:defRPr>
+            </a:lvl1pPr>
+            <a:lvl2pPr eaLnBrk="1" hangingPunct="1">
+              <a:defRPr>
+                <a:solidFill>
+                  <a:schemeClr val="tx2"/>
+                </a:solidFill>
+              </a:defRPr>
+            </a:lvl2pPr>
+            <a:lvl3pPr eaLnBrk="1" hangingPunct="1">
+              <a:defRPr>
+                <a:solidFill>
+                  <a:schemeClr val="tx2"/>
+                </a:solidFill>
+              </a:defRPr>
+            </a:lvl3pPr>
+            <a:lvl4pPr eaLnBrk="1" hangingPunct="1">
+              <a:defRPr>
+                <a:solidFill>
+                  <a:schemeClr val="tx2"/>
+                </a:solidFill>
+              </a:defRPr>
+            </a:lvl4pPr>
+            <a:lvl5pPr eaLnBrk="1" hangingPunct="1">
+              <a:defRPr>
+                <a:solidFill>
+                  <a:schemeClr val="tx2"/>
+                </a:solidFill>
+              </a:defRPr>
+            </a:lvl5pPr>
+            <a:lvl6pPr eaLnBrk="1" hangingPunct="1">
+              <a:defRPr>
+                <a:solidFill>
+                  <a:schemeClr val="tx2"/>
+                </a:solidFill>
+              </a:defRPr>
+            </a:lvl6pPr>
+            <a:lvl7pPr eaLnBrk="1" hangingPunct="1">
+              <a:defRPr>
+                <a:solidFill>
+                  <a:schemeClr val="tx2"/>
+                </a:solidFill>
+              </a:defRPr>
+            </a:lvl7pPr>
+            <a:lvl8pPr eaLnBrk="1" hangingPunct="1">
+              <a:defRPr>
+                <a:solidFill>
+                  <a:schemeClr val="tx2"/>
+                </a:solidFill>
+              </a:defRPr>
+            </a:lvl8pPr>
+            <a:lvl9pPr eaLnBrk="1" hangingPunct="1">
+              <a:defRPr>
+                <a:solidFill>
+                  <a:schemeClr val="tx2"/>
+                </a:solidFill>
+              </a:defRPr>
+            </a:lvl9pPr>
+          </a:lstStyle>
+          <a:p>
+            <a:pPr algn="ctr"/>
+            <a:r>
+              <a:rPr lang="he-IL" sz="2400" dirty="0">
+                <a:latin typeface="Calibri Light" panose="020F0302020204030204" pitchFamily="34" charset="0"/>
+                <a:cs typeface="Calibri Light" panose="020F0302020204030204" pitchFamily="34" charset="0"/>
+              </a:rPr>
+              <a:t>חדשני וירוק</a:t>
+            </a:r>
+            <a:endParaRPr lang="en-US" sz="2400" dirty="0">
+              <a:latin typeface="Calibri Light" panose="020F0302020204030204" pitchFamily="34" charset="0"/>
+              <a:cs typeface="Calibri Light" panose="020F0302020204030204" pitchFamily="34" charset="0"/>
+            </a:endParaRPr>
+          </a:p>
+        </p:txBody>
+      </p:sp>
+      <p:grpSp>
+        <p:nvGrpSpPr>
+          <p:cNvPr id="26" name="Group 25">
+            <a:extLst>
+              <a:ext uri="{FF2B5EF4-FFF2-40B4-BE49-F238E27FC236}">
+                <a16:creationId xmlns:a16="http://schemas.microsoft.com/office/drawing/2014/main" id="{8C3D42B2-987C-4873-8E8F-C26C55E7BA82}"/>
+              </a:ext>
+            </a:extLst>
+          </p:cNvPr>
+          <p:cNvGrpSpPr/>
+          <p:nvPr/>
+        </p:nvGrpSpPr>
+        <p:grpSpPr>
+          <a:xfrm>
+            <a:off x="0" y="5936848"/>
+            <a:ext cx="3966267" cy="930288"/>
+            <a:chOff x="0" y="5936848"/>
+            <a:chExt cx="3966267" cy="930288"/>
+          </a:xfrm>
+        </p:grpSpPr>
+        <p:sp>
+          <p:nvSpPr>
+            <p:cNvPr id="28" name="Title 1">
+              <a:extLst>
+                <a:ext uri="{FF2B5EF4-FFF2-40B4-BE49-F238E27FC236}">
+                  <a16:creationId xmlns:a16="http://schemas.microsoft.com/office/drawing/2014/main" id="{47FADB26-7933-4A49-AEF4-F49BDBB2DB9A}"/>
+                </a:ext>
+              </a:extLst>
+            </p:cNvPr>
+            <p:cNvSpPr txBox="1">
+              <a:spLocks/>
+            </p:cNvSpPr>
+            <p:nvPr/>
+          </p:nvSpPr>
+          <p:spPr>
+            <a:xfrm>
+              <a:off x="679509" y="5936848"/>
+              <a:ext cx="3286758" cy="422754"/>
+            </a:xfrm>
+            <a:prstGeom prst="rect">
+              <a:avLst/>
+            </a:prstGeom>
+            <a:effectLst/>
+          </p:spPr>
+          <p:txBody>
+            <a:bodyPr vert="horz" lIns="91440" tIns="45720" rIns="91440" bIns="45720" rtlCol="0" anchor="b">
+              <a:noAutofit/>
+            </a:bodyPr>
+            <a:lstStyle>
+              <a:lvl1pPr algn="l" defTabSz="457200" rtl="0" eaLnBrk="1" latinLnBrk="0" hangingPunct="1">
+                <a:spcBef>
+                  <a:spcPct val="0"/>
+                </a:spcBef>
+                <a:buNone/>
+                <a:defRPr sz="4800" kern="1200" cap="all">
+                  <a:ln w="3175" cmpd="sng">
+                    <a:noFill/>
+                  </a:ln>
+                  <a:solidFill>
+                    <a:schemeClr val="tx1"/>
+                  </a:solidFill>
+                  <a:effectLst/>
+                  <a:latin typeface="+mj-lt"/>
+                  <a:ea typeface="+mj-ea"/>
+                  <a:cs typeface="+mj-cs"/>
+                </a:defRPr>
+              </a:lvl1pPr>
+              <a:lvl2pPr eaLnBrk="1" hangingPunct="1">
+                <a:defRPr>
+                  <a:solidFill>
+                    <a:schemeClr val="tx2"/>
+                  </a:solidFill>
+                </a:defRPr>
+              </a:lvl2pPr>
+              <a:lvl3pPr eaLnBrk="1" hangingPunct="1">
+                <a:defRPr>
+                  <a:solidFill>
+                    <a:schemeClr val="tx2"/>
+                  </a:solidFill>
+                </a:defRPr>
+              </a:lvl3pPr>
+              <a:lvl4pPr eaLnBrk="1" hangingPunct="1">
+                <a:defRPr>
+                  <a:solidFill>
+                    <a:schemeClr val="tx2"/>
+                  </a:solidFill>
+                </a:defRPr>
+              </a:lvl4pPr>
+              <a:lvl5pPr eaLnBrk="1" hangingPunct="1">
+                <a:defRPr>
+                  <a:solidFill>
+                    <a:schemeClr val="tx2"/>
+                  </a:solidFill>
+                </a:defRPr>
+              </a:lvl5pPr>
+              <a:lvl6pPr eaLnBrk="1" hangingPunct="1">
+                <a:defRPr>
+                  <a:solidFill>
+                    <a:schemeClr val="tx2"/>
+                  </a:solidFill>
+                </a:defRPr>
+              </a:lvl6pPr>
+              <a:lvl7pPr eaLnBrk="1" hangingPunct="1">
+                <a:defRPr>
+                  <a:solidFill>
+                    <a:schemeClr val="tx2"/>
+                  </a:solidFill>
+                </a:defRPr>
+              </a:lvl7pPr>
+              <a:lvl8pPr eaLnBrk="1" hangingPunct="1">
+                <a:defRPr>
+                  <a:solidFill>
+                    <a:schemeClr val="tx2"/>
+                  </a:solidFill>
+                </a:defRPr>
+              </a:lvl8pPr>
+              <a:lvl9pPr eaLnBrk="1" hangingPunct="1">
+                <a:defRPr>
+                  <a:solidFill>
+                    <a:schemeClr val="tx2"/>
+                  </a:solidFill>
+                </a:defRPr>
+              </a:lvl9pPr>
+            </a:lstStyle>
+            <a:p>
+              <a:pPr algn="r"/>
+              <a:r>
+                <a:rPr lang="he-IL" sz="2400" dirty="0">
+                  <a:latin typeface="Calibri Light" panose="020F0302020204030204" pitchFamily="34" charset="0"/>
+                  <a:cs typeface="Calibri Light" panose="020F0302020204030204" pitchFamily="34" charset="0"/>
+                </a:rPr>
+                <a:t>סרוק להורדת האפליקציה</a:t>
+              </a:r>
+              <a:endParaRPr lang="en-US" sz="2400" dirty="0">
+                <a:latin typeface="Calibri Light" panose="020F0302020204030204" pitchFamily="34" charset="0"/>
+                <a:cs typeface="Calibri Light" panose="020F0302020204030204" pitchFamily="34" charset="0"/>
+              </a:endParaRPr>
+            </a:p>
+          </p:txBody>
+        </p:sp>
+        <p:pic>
+          <p:nvPicPr>
+            <p:cNvPr id="29" name="Picture 28">
+              <a:extLst>
+                <a:ext uri="{FF2B5EF4-FFF2-40B4-BE49-F238E27FC236}">
+                  <a16:creationId xmlns:a16="http://schemas.microsoft.com/office/drawing/2014/main" id="{9C62EEA0-5725-40DA-8E23-32FD139F171A}"/>
+                </a:ext>
+              </a:extLst>
+            </p:cNvPr>
+            <p:cNvPicPr>
+              <a:picLocks noChangeAspect="1"/>
+            </p:cNvPicPr>
+            <p:nvPr/>
+          </p:nvPicPr>
+          <p:blipFill>
+            <a:blip r:embed="rId16"/>
+            <a:stretch>
+              <a:fillRect/>
+            </a:stretch>
+          </p:blipFill>
+          <p:spPr>
+            <a:xfrm>
+              <a:off x="0" y="6035355"/>
+              <a:ext cx="822645" cy="822645"/>
+            </a:xfrm>
+            <a:prstGeom prst="rect">
+              <a:avLst/>
+            </a:prstGeom>
+          </p:spPr>
+        </p:pic>
+        <p:sp>
+          <p:nvSpPr>
+            <p:cNvPr id="30" name="Title 1">
+              <a:extLst>
+                <a:ext uri="{FF2B5EF4-FFF2-40B4-BE49-F238E27FC236}">
+                  <a16:creationId xmlns:a16="http://schemas.microsoft.com/office/drawing/2014/main" id="{0BBB4781-FC99-4044-B10D-83DBD3D0D5A4}"/>
+                </a:ext>
+              </a:extLst>
+            </p:cNvPr>
+            <p:cNvSpPr txBox="1">
+              <a:spLocks/>
+            </p:cNvSpPr>
+            <p:nvPr/>
+          </p:nvSpPr>
+          <p:spPr>
+            <a:xfrm>
+              <a:off x="899211" y="6294521"/>
+              <a:ext cx="3067055" cy="572615"/>
+            </a:xfrm>
+            <a:prstGeom prst="rect">
+              <a:avLst/>
+            </a:prstGeom>
+            <a:effectLst/>
+          </p:spPr>
+          <p:txBody>
+            <a:bodyPr vert="horz" lIns="91440" tIns="45720" rIns="91440" bIns="45720" rtlCol="0" anchor="b">
+              <a:noAutofit/>
+            </a:bodyPr>
+            <a:lstStyle>
+              <a:lvl1pPr algn="l" defTabSz="457200" rtl="0" eaLnBrk="1" latinLnBrk="0" hangingPunct="1">
+                <a:spcBef>
+                  <a:spcPct val="0"/>
+                </a:spcBef>
+                <a:buNone/>
+                <a:defRPr sz="4800" kern="1200" cap="all">
+                  <a:ln w="3175" cmpd="sng">
+                    <a:noFill/>
+                  </a:ln>
+                  <a:solidFill>
+                    <a:schemeClr val="tx1"/>
+                  </a:solidFill>
+                  <a:effectLst/>
+                  <a:latin typeface="+mj-lt"/>
+                  <a:ea typeface="+mj-ea"/>
+                  <a:cs typeface="+mj-cs"/>
+                </a:defRPr>
+              </a:lvl1pPr>
+              <a:lvl2pPr eaLnBrk="1" hangingPunct="1">
+                <a:defRPr>
+                  <a:solidFill>
+                    <a:schemeClr val="tx2"/>
+                  </a:solidFill>
+                </a:defRPr>
+              </a:lvl2pPr>
+              <a:lvl3pPr eaLnBrk="1" hangingPunct="1">
+                <a:defRPr>
+                  <a:solidFill>
+                    <a:schemeClr val="tx2"/>
+                  </a:solidFill>
+                </a:defRPr>
+              </a:lvl3pPr>
+              <a:lvl4pPr eaLnBrk="1" hangingPunct="1">
+                <a:defRPr>
+                  <a:solidFill>
+                    <a:schemeClr val="tx2"/>
+                  </a:solidFill>
+                </a:defRPr>
+              </a:lvl4pPr>
+              <a:lvl5pPr eaLnBrk="1" hangingPunct="1">
+                <a:defRPr>
+                  <a:solidFill>
+                    <a:schemeClr val="tx2"/>
+                  </a:solidFill>
+                </a:defRPr>
+              </a:lvl5pPr>
+              <a:lvl6pPr eaLnBrk="1" hangingPunct="1">
+                <a:defRPr>
+                  <a:solidFill>
+                    <a:schemeClr val="tx2"/>
+                  </a:solidFill>
+                </a:defRPr>
+              </a:lvl6pPr>
+              <a:lvl7pPr eaLnBrk="1" hangingPunct="1">
+                <a:defRPr>
+                  <a:solidFill>
+                    <a:schemeClr val="tx2"/>
+                  </a:solidFill>
+                </a:defRPr>
+              </a:lvl7pPr>
+              <a:lvl8pPr eaLnBrk="1" hangingPunct="1">
+                <a:defRPr>
+                  <a:solidFill>
+                    <a:schemeClr val="tx2"/>
+                  </a:solidFill>
+                </a:defRPr>
+              </a:lvl8pPr>
+              <a:lvl9pPr eaLnBrk="1" hangingPunct="1">
+                <a:defRPr>
+                  <a:solidFill>
+                    <a:schemeClr val="tx2"/>
+                  </a:solidFill>
+                </a:defRPr>
+              </a:lvl9pPr>
+            </a:lstStyle>
+            <a:p>
+              <a:pPr algn="r"/>
+              <a:r>
+                <a:rPr lang="he-IL" sz="1600" dirty="0">
+                  <a:latin typeface="Calibri Light" panose="020F0302020204030204" pitchFamily="34" charset="0"/>
+                  <a:cs typeface="Calibri Light" panose="020F0302020204030204" pitchFamily="34" charset="0"/>
+                </a:rPr>
+                <a:t>10 החתמות חינם</a:t>
+              </a:r>
+            </a:p>
+            <a:p>
+              <a:pPr algn="r"/>
+              <a:r>
+                <a:rPr lang="he-IL" sz="1600" dirty="0">
+                  <a:latin typeface="Calibri Light" panose="020F0302020204030204" pitchFamily="34" charset="0"/>
+                  <a:cs typeface="Calibri Light" panose="020F0302020204030204" pitchFamily="34" charset="0"/>
+                </a:rPr>
+                <a:t>10% הנחה לנרשמים בכנס</a:t>
+              </a:r>
+              <a:endParaRPr lang="en-US" sz="1600" dirty="0">
+                <a:latin typeface="Calibri Light" panose="020F0302020204030204" pitchFamily="34" charset="0"/>
+                <a:cs typeface="Calibri Light" panose="020F0302020204030204" pitchFamily="34" charset="0"/>
+              </a:endParaRPr>
+            </a:p>
+          </p:txBody>
+        </p:sp>
+      </p:grpSp>
     </p:spTree>
     <p:extLst>
       <p:ext uri="{BB962C8B-B14F-4D97-AF65-F5344CB8AC3E}">
@@ -8005,8 +8906,8 @@
         </p:nvSpPr>
         <p:spPr>
           <a:xfrm>
-            <a:off x="261257" y="612307"/>
-            <a:ext cx="11571091" cy="2018926"/>
+            <a:off x="899211" y="637953"/>
+            <a:ext cx="7745058" cy="1195838"/>
           </a:xfrm>
         </p:spPr>
         <p:txBody>
@@ -8016,19 +8917,327 @@
           <a:lstStyle/>
           <a:p>
             <a:pPr algn="ctr" rtl="1"/>
-            <a:endParaRPr lang="en-US" sz="8800" dirty="0">
+            <a:r>
+              <a:rPr lang="he-IL" sz="6600" dirty="0">
+                <a:latin typeface="Calibri Light" panose="020F0302020204030204" pitchFamily="34" charset="0"/>
+                <a:cs typeface="Calibri Light" panose="020F0302020204030204" pitchFamily="34" charset="0"/>
+              </a:rPr>
+              <a:t>החתמה דיגיטלית</a:t>
+            </a:r>
+            <a:endParaRPr lang="en-US" sz="6600" dirty="0">
               <a:latin typeface="Calibri Light" panose="020F0302020204030204" pitchFamily="34" charset="0"/>
               <a:cs typeface="Calibri Light" panose="020F0302020204030204" pitchFamily="34" charset="0"/>
             </a:endParaRPr>
           </a:p>
         </p:txBody>
       </p:sp>
-      <p:sp>
-        <p:nvSpPr>
-          <p:cNvPr id="24" name="Title 1">
+      <p:grpSp>
+        <p:nvGrpSpPr>
+          <p:cNvPr id="3" name="Group 2">
             <a:extLst>
               <a:ext uri="{FF2B5EF4-FFF2-40B4-BE49-F238E27FC236}">
-                <a16:creationId xmlns:a16="http://schemas.microsoft.com/office/drawing/2014/main" id="{B0224EF9-FCA5-480F-8CF0-93DB7996C7B5}"/>
+                <a16:creationId xmlns:a16="http://schemas.microsoft.com/office/drawing/2014/main" id="{3FB285A1-CBCE-43EA-9F14-4340E1273418}"/>
+              </a:ext>
+            </a:extLst>
+          </p:cNvPr>
+          <p:cNvGrpSpPr/>
+          <p:nvPr/>
+        </p:nvGrpSpPr>
+        <p:grpSpPr>
+          <a:xfrm>
+            <a:off x="0" y="5936848"/>
+            <a:ext cx="3966267" cy="930288"/>
+            <a:chOff x="0" y="5936848"/>
+            <a:chExt cx="3966267" cy="930288"/>
+          </a:xfrm>
+        </p:grpSpPr>
+        <p:sp>
+          <p:nvSpPr>
+            <p:cNvPr id="9" name="Title 1">
+              <a:extLst>
+                <a:ext uri="{FF2B5EF4-FFF2-40B4-BE49-F238E27FC236}">
+                  <a16:creationId xmlns:a16="http://schemas.microsoft.com/office/drawing/2014/main" id="{9DFCF825-1E80-4155-B89F-20352DDD42EE}"/>
+                </a:ext>
+              </a:extLst>
+            </p:cNvPr>
+            <p:cNvSpPr txBox="1">
+              <a:spLocks/>
+            </p:cNvSpPr>
+            <p:nvPr/>
+          </p:nvSpPr>
+          <p:spPr>
+            <a:xfrm>
+              <a:off x="679509" y="5936848"/>
+              <a:ext cx="3286758" cy="422754"/>
+            </a:xfrm>
+            <a:prstGeom prst="rect">
+              <a:avLst/>
+            </a:prstGeom>
+            <a:effectLst/>
+          </p:spPr>
+          <p:txBody>
+            <a:bodyPr vert="horz" lIns="91440" tIns="45720" rIns="91440" bIns="45720" rtlCol="0" anchor="b">
+              <a:noAutofit/>
+            </a:bodyPr>
+            <a:lstStyle>
+              <a:lvl1pPr algn="l" defTabSz="457200" rtl="0" eaLnBrk="1" latinLnBrk="0" hangingPunct="1">
+                <a:spcBef>
+                  <a:spcPct val="0"/>
+                </a:spcBef>
+                <a:buNone/>
+                <a:defRPr sz="4800" kern="1200" cap="all">
+                  <a:ln w="3175" cmpd="sng">
+                    <a:noFill/>
+                  </a:ln>
+                  <a:solidFill>
+                    <a:schemeClr val="tx1"/>
+                  </a:solidFill>
+                  <a:effectLst/>
+                  <a:latin typeface="+mj-lt"/>
+                  <a:ea typeface="+mj-ea"/>
+                  <a:cs typeface="+mj-cs"/>
+                </a:defRPr>
+              </a:lvl1pPr>
+              <a:lvl2pPr eaLnBrk="1" hangingPunct="1">
+                <a:defRPr>
+                  <a:solidFill>
+                    <a:schemeClr val="tx2"/>
+                  </a:solidFill>
+                </a:defRPr>
+              </a:lvl2pPr>
+              <a:lvl3pPr eaLnBrk="1" hangingPunct="1">
+                <a:defRPr>
+                  <a:solidFill>
+                    <a:schemeClr val="tx2"/>
+                  </a:solidFill>
+                </a:defRPr>
+              </a:lvl3pPr>
+              <a:lvl4pPr eaLnBrk="1" hangingPunct="1">
+                <a:defRPr>
+                  <a:solidFill>
+                    <a:schemeClr val="tx2"/>
+                  </a:solidFill>
+                </a:defRPr>
+              </a:lvl4pPr>
+              <a:lvl5pPr eaLnBrk="1" hangingPunct="1">
+                <a:defRPr>
+                  <a:solidFill>
+                    <a:schemeClr val="tx2"/>
+                  </a:solidFill>
+                </a:defRPr>
+              </a:lvl5pPr>
+              <a:lvl6pPr eaLnBrk="1" hangingPunct="1">
+                <a:defRPr>
+                  <a:solidFill>
+                    <a:schemeClr val="tx2"/>
+                  </a:solidFill>
+                </a:defRPr>
+              </a:lvl6pPr>
+              <a:lvl7pPr eaLnBrk="1" hangingPunct="1">
+                <a:defRPr>
+                  <a:solidFill>
+                    <a:schemeClr val="tx2"/>
+                  </a:solidFill>
+                </a:defRPr>
+              </a:lvl7pPr>
+              <a:lvl8pPr eaLnBrk="1" hangingPunct="1">
+                <a:defRPr>
+                  <a:solidFill>
+                    <a:schemeClr val="tx2"/>
+                  </a:solidFill>
+                </a:defRPr>
+              </a:lvl8pPr>
+              <a:lvl9pPr eaLnBrk="1" hangingPunct="1">
+                <a:defRPr>
+                  <a:solidFill>
+                    <a:schemeClr val="tx2"/>
+                  </a:solidFill>
+                </a:defRPr>
+              </a:lvl9pPr>
+            </a:lstStyle>
+            <a:p>
+              <a:pPr algn="r"/>
+              <a:r>
+                <a:rPr lang="he-IL" sz="2400" dirty="0">
+                  <a:latin typeface="Calibri Light" panose="020F0302020204030204" pitchFamily="34" charset="0"/>
+                  <a:cs typeface="Calibri Light" panose="020F0302020204030204" pitchFamily="34" charset="0"/>
+                </a:rPr>
+                <a:t>סרוק להורדת האפליקציה</a:t>
+              </a:r>
+              <a:endParaRPr lang="en-US" sz="2400" dirty="0">
+                <a:latin typeface="Calibri Light" panose="020F0302020204030204" pitchFamily="34" charset="0"/>
+                <a:cs typeface="Calibri Light" panose="020F0302020204030204" pitchFamily="34" charset="0"/>
+              </a:endParaRPr>
+            </a:p>
+          </p:txBody>
+        </p:sp>
+        <p:pic>
+          <p:nvPicPr>
+            <p:cNvPr id="10" name="Picture 9">
+              <a:extLst>
+                <a:ext uri="{FF2B5EF4-FFF2-40B4-BE49-F238E27FC236}">
+                  <a16:creationId xmlns:a16="http://schemas.microsoft.com/office/drawing/2014/main" id="{AE6F4AAB-65B4-4686-A5F0-2E862D57CFCC}"/>
+                </a:ext>
+              </a:extLst>
+            </p:cNvPr>
+            <p:cNvPicPr>
+              <a:picLocks noChangeAspect="1"/>
+            </p:cNvPicPr>
+            <p:nvPr/>
+          </p:nvPicPr>
+          <p:blipFill>
+            <a:blip r:embed="rId2"/>
+            <a:stretch>
+              <a:fillRect/>
+            </a:stretch>
+          </p:blipFill>
+          <p:spPr>
+            <a:xfrm>
+              <a:off x="0" y="6035355"/>
+              <a:ext cx="822645" cy="822645"/>
+            </a:xfrm>
+            <a:prstGeom prst="rect">
+              <a:avLst/>
+            </a:prstGeom>
+          </p:spPr>
+        </p:pic>
+        <p:sp>
+          <p:nvSpPr>
+            <p:cNvPr id="11" name="Title 1">
+              <a:extLst>
+                <a:ext uri="{FF2B5EF4-FFF2-40B4-BE49-F238E27FC236}">
+                  <a16:creationId xmlns:a16="http://schemas.microsoft.com/office/drawing/2014/main" id="{56D85B73-4236-4F21-AE55-ED4605F6634D}"/>
+                </a:ext>
+              </a:extLst>
+            </p:cNvPr>
+            <p:cNvSpPr txBox="1">
+              <a:spLocks/>
+            </p:cNvSpPr>
+            <p:nvPr/>
+          </p:nvSpPr>
+          <p:spPr>
+            <a:xfrm>
+              <a:off x="899211" y="6294521"/>
+              <a:ext cx="3067055" cy="572615"/>
+            </a:xfrm>
+            <a:prstGeom prst="rect">
+              <a:avLst/>
+            </a:prstGeom>
+            <a:effectLst/>
+          </p:spPr>
+          <p:txBody>
+            <a:bodyPr vert="horz" lIns="91440" tIns="45720" rIns="91440" bIns="45720" rtlCol="0" anchor="b">
+              <a:noAutofit/>
+            </a:bodyPr>
+            <a:lstStyle>
+              <a:lvl1pPr algn="l" defTabSz="457200" rtl="0" eaLnBrk="1" latinLnBrk="0" hangingPunct="1">
+                <a:spcBef>
+                  <a:spcPct val="0"/>
+                </a:spcBef>
+                <a:buNone/>
+                <a:defRPr sz="4800" kern="1200" cap="all">
+                  <a:ln w="3175" cmpd="sng">
+                    <a:noFill/>
+                  </a:ln>
+                  <a:solidFill>
+                    <a:schemeClr val="tx1"/>
+                  </a:solidFill>
+                  <a:effectLst/>
+                  <a:latin typeface="+mj-lt"/>
+                  <a:ea typeface="+mj-ea"/>
+                  <a:cs typeface="+mj-cs"/>
+                </a:defRPr>
+              </a:lvl1pPr>
+              <a:lvl2pPr eaLnBrk="1" hangingPunct="1">
+                <a:defRPr>
+                  <a:solidFill>
+                    <a:schemeClr val="tx2"/>
+                  </a:solidFill>
+                </a:defRPr>
+              </a:lvl2pPr>
+              <a:lvl3pPr eaLnBrk="1" hangingPunct="1">
+                <a:defRPr>
+                  <a:solidFill>
+                    <a:schemeClr val="tx2"/>
+                  </a:solidFill>
+                </a:defRPr>
+              </a:lvl3pPr>
+              <a:lvl4pPr eaLnBrk="1" hangingPunct="1">
+                <a:defRPr>
+                  <a:solidFill>
+                    <a:schemeClr val="tx2"/>
+                  </a:solidFill>
+                </a:defRPr>
+              </a:lvl4pPr>
+              <a:lvl5pPr eaLnBrk="1" hangingPunct="1">
+                <a:defRPr>
+                  <a:solidFill>
+                    <a:schemeClr val="tx2"/>
+                  </a:solidFill>
+                </a:defRPr>
+              </a:lvl5pPr>
+              <a:lvl6pPr eaLnBrk="1" hangingPunct="1">
+                <a:defRPr>
+                  <a:solidFill>
+                    <a:schemeClr val="tx2"/>
+                  </a:solidFill>
+                </a:defRPr>
+              </a:lvl6pPr>
+              <a:lvl7pPr eaLnBrk="1" hangingPunct="1">
+                <a:defRPr>
+                  <a:solidFill>
+                    <a:schemeClr val="tx2"/>
+                  </a:solidFill>
+                </a:defRPr>
+              </a:lvl7pPr>
+              <a:lvl8pPr eaLnBrk="1" hangingPunct="1">
+                <a:defRPr>
+                  <a:solidFill>
+                    <a:schemeClr val="tx2"/>
+                  </a:solidFill>
+                </a:defRPr>
+              </a:lvl8pPr>
+              <a:lvl9pPr eaLnBrk="1" hangingPunct="1">
+                <a:defRPr>
+                  <a:solidFill>
+                    <a:schemeClr val="tx2"/>
+                  </a:solidFill>
+                </a:defRPr>
+              </a:lvl9pPr>
+            </a:lstStyle>
+            <a:p>
+              <a:pPr algn="r"/>
+              <a:r>
+                <a:rPr lang="he-IL" sz="1600" dirty="0">
+                  <a:latin typeface="Calibri Light" panose="020F0302020204030204" pitchFamily="34" charset="0"/>
+                  <a:cs typeface="Calibri Light" panose="020F0302020204030204" pitchFamily="34" charset="0"/>
+                </a:rPr>
+                <a:t>10 החתמות חינם</a:t>
+              </a:r>
+            </a:p>
+            <a:p>
+              <a:pPr algn="r"/>
+              <a:r>
+                <a:rPr lang="he-IL" sz="1600" dirty="0">
+                  <a:latin typeface="Calibri Light" panose="020F0302020204030204" pitchFamily="34" charset="0"/>
+                  <a:cs typeface="Calibri Light" panose="020F0302020204030204" pitchFamily="34" charset="0"/>
+                </a:rPr>
+                <a:t>10% הנחה לנרשמים בכנס</a:t>
+              </a:r>
+              <a:endParaRPr lang="en-US" sz="1600" dirty="0">
+                <a:latin typeface="Calibri Light" panose="020F0302020204030204" pitchFamily="34" charset="0"/>
+                <a:cs typeface="Calibri Light" panose="020F0302020204030204" pitchFamily="34" charset="0"/>
+              </a:endParaRPr>
+            </a:p>
+          </p:txBody>
+        </p:sp>
+      </p:grpSp>
+      <p:sp>
+        <p:nvSpPr>
+          <p:cNvPr id="13" name="Title 1">
+            <a:extLst>
+              <a:ext uri="{FF2B5EF4-FFF2-40B4-BE49-F238E27FC236}">
+                <a16:creationId xmlns:a16="http://schemas.microsoft.com/office/drawing/2014/main" id="{C4A36E4D-886D-4174-A880-108CEBB73B4D}"/>
               </a:ext>
             </a:extLst>
           </p:cNvPr>
@@ -8039,8 +9248,8 @@
         </p:nvSpPr>
         <p:spPr>
           <a:xfrm>
-            <a:off x="-644430" y="6193792"/>
-            <a:ext cx="4015891" cy="522513"/>
+            <a:off x="2879035" y="1832174"/>
+            <a:ext cx="4497356" cy="718579"/>
           </a:xfrm>
           <a:prstGeom prst="rect">
             <a:avLst/>
@@ -8128,27 +9337,387 @@
             </a:lvl9pPr>
           </a:lstStyle>
           <a:p>
-            <a:pPr algn="ctr"/>
+            <a:pPr algn="r"/>
             <a:r>
-              <a:rPr lang="he-IL" sz="3200" dirty="0">
+              <a:rPr lang="he-IL" sz="4000" dirty="0">
                 <a:latin typeface="Calibri Light" panose="020F0302020204030204" pitchFamily="34" charset="0"/>
                 <a:cs typeface="Calibri Light" panose="020F0302020204030204" pitchFamily="34" charset="0"/>
               </a:rPr>
-              <a:t>המגמה ברורה ...</a:t>
+              <a:t>מהיר, פשוט ואמין</a:t>
             </a:r>
-            <a:endParaRPr lang="en-US" sz="3200" dirty="0">
+            <a:endParaRPr lang="en-US" sz="4000" dirty="0">
               <a:latin typeface="Calibri Light" panose="020F0302020204030204" pitchFamily="34" charset="0"/>
               <a:cs typeface="Calibri Light" panose="020F0302020204030204" pitchFamily="34" charset="0"/>
             </a:endParaRPr>
           </a:p>
         </p:txBody>
       </p:sp>
+      <p:sp>
+        <p:nvSpPr>
+          <p:cNvPr id="14" name="Title 1">
+            <a:extLst>
+              <a:ext uri="{FF2B5EF4-FFF2-40B4-BE49-F238E27FC236}">
+                <a16:creationId xmlns:a16="http://schemas.microsoft.com/office/drawing/2014/main" id="{9A3CB04B-D300-4F96-B614-A4F95DD8CE23}"/>
+              </a:ext>
+            </a:extLst>
+          </p:cNvPr>
+          <p:cNvSpPr txBox="1">
+            <a:spLocks/>
+          </p:cNvSpPr>
+          <p:nvPr/>
+        </p:nvSpPr>
+        <p:spPr>
+          <a:xfrm>
+            <a:off x="3193774" y="2729948"/>
+            <a:ext cx="4182617" cy="875164"/>
+          </a:xfrm>
+          <a:prstGeom prst="rect">
+            <a:avLst/>
+          </a:prstGeom>
+          <a:effectLst/>
+        </p:spPr>
+        <p:txBody>
+          <a:bodyPr vert="horz" lIns="91440" tIns="45720" rIns="91440" bIns="45720" rtlCol="0" anchor="b">
+            <a:noAutofit/>
+          </a:bodyPr>
+          <a:lstStyle>
+            <a:lvl1pPr algn="l" defTabSz="457200" rtl="0" eaLnBrk="1" latinLnBrk="0" hangingPunct="1">
+              <a:spcBef>
+                <a:spcPct val="0"/>
+              </a:spcBef>
+              <a:buNone/>
+              <a:defRPr sz="4800" kern="1200" cap="all">
+                <a:ln w="3175" cmpd="sng">
+                  <a:noFill/>
+                </a:ln>
+                <a:solidFill>
+                  <a:schemeClr val="tx1"/>
+                </a:solidFill>
+                <a:effectLst/>
+                <a:latin typeface="+mj-lt"/>
+                <a:ea typeface="+mj-ea"/>
+                <a:cs typeface="+mj-cs"/>
+              </a:defRPr>
+            </a:lvl1pPr>
+            <a:lvl2pPr eaLnBrk="1" hangingPunct="1">
+              <a:defRPr>
+                <a:solidFill>
+                  <a:schemeClr val="tx2"/>
+                </a:solidFill>
+              </a:defRPr>
+            </a:lvl2pPr>
+            <a:lvl3pPr eaLnBrk="1" hangingPunct="1">
+              <a:defRPr>
+                <a:solidFill>
+                  <a:schemeClr val="tx2"/>
+                </a:solidFill>
+              </a:defRPr>
+            </a:lvl3pPr>
+            <a:lvl4pPr eaLnBrk="1" hangingPunct="1">
+              <a:defRPr>
+                <a:solidFill>
+                  <a:schemeClr val="tx2"/>
+                </a:solidFill>
+              </a:defRPr>
+            </a:lvl4pPr>
+            <a:lvl5pPr eaLnBrk="1" hangingPunct="1">
+              <a:defRPr>
+                <a:solidFill>
+                  <a:schemeClr val="tx2"/>
+                </a:solidFill>
+              </a:defRPr>
+            </a:lvl5pPr>
+            <a:lvl6pPr eaLnBrk="1" hangingPunct="1">
+              <a:defRPr>
+                <a:solidFill>
+                  <a:schemeClr val="tx2"/>
+                </a:solidFill>
+              </a:defRPr>
+            </a:lvl6pPr>
+            <a:lvl7pPr eaLnBrk="1" hangingPunct="1">
+              <a:defRPr>
+                <a:solidFill>
+                  <a:schemeClr val="tx2"/>
+                </a:solidFill>
+              </a:defRPr>
+            </a:lvl7pPr>
+            <a:lvl8pPr eaLnBrk="1" hangingPunct="1">
+              <a:defRPr>
+                <a:solidFill>
+                  <a:schemeClr val="tx2"/>
+                </a:solidFill>
+              </a:defRPr>
+            </a:lvl8pPr>
+            <a:lvl9pPr eaLnBrk="1" hangingPunct="1">
+              <a:defRPr>
+                <a:solidFill>
+                  <a:schemeClr val="tx2"/>
+                </a:solidFill>
+              </a:defRPr>
+            </a:lvl9pPr>
+          </a:lstStyle>
+          <a:p>
+            <a:pPr algn="r" rtl="1"/>
+            <a:r>
+              <a:rPr lang="he-IL" sz="2000" dirty="0">
+                <a:latin typeface="Calibri Light" panose="020F0302020204030204" pitchFamily="34" charset="0"/>
+                <a:cs typeface="Calibri Light" panose="020F0302020204030204" pitchFamily="34" charset="0"/>
+              </a:rPr>
+              <a:t>בחירת נכס / לקוח מרשימה – ללא טעיות כתיב, ללא צורף לכתוב מחדש כל פעם.</a:t>
+            </a:r>
+            <a:endParaRPr lang="en-US" sz="2000" dirty="0">
+              <a:latin typeface="Calibri Light" panose="020F0302020204030204" pitchFamily="34" charset="0"/>
+              <a:cs typeface="Calibri Light" panose="020F0302020204030204" pitchFamily="34" charset="0"/>
+            </a:endParaRPr>
+          </a:p>
+        </p:txBody>
+      </p:sp>
+      <p:sp>
+        <p:nvSpPr>
+          <p:cNvPr id="15" name="Title 1">
+            <a:extLst>
+              <a:ext uri="{FF2B5EF4-FFF2-40B4-BE49-F238E27FC236}">
+                <a16:creationId xmlns:a16="http://schemas.microsoft.com/office/drawing/2014/main" id="{A4DD7AA6-A9E9-4725-B683-FCF2AFC12722}"/>
+              </a:ext>
+            </a:extLst>
+          </p:cNvPr>
+          <p:cNvSpPr txBox="1">
+            <a:spLocks/>
+          </p:cNvSpPr>
+          <p:nvPr/>
+        </p:nvSpPr>
+        <p:spPr>
+          <a:xfrm>
+            <a:off x="3193773" y="3605112"/>
+            <a:ext cx="4182617" cy="875164"/>
+          </a:xfrm>
+          <a:prstGeom prst="rect">
+            <a:avLst/>
+          </a:prstGeom>
+          <a:effectLst/>
+        </p:spPr>
+        <p:txBody>
+          <a:bodyPr vert="horz" lIns="91440" tIns="45720" rIns="91440" bIns="45720" rtlCol="0" anchor="b">
+            <a:noAutofit/>
+          </a:bodyPr>
+          <a:lstStyle>
+            <a:lvl1pPr algn="l" defTabSz="457200" rtl="0" eaLnBrk="1" latinLnBrk="0" hangingPunct="1">
+              <a:spcBef>
+                <a:spcPct val="0"/>
+              </a:spcBef>
+              <a:buNone/>
+              <a:defRPr sz="4800" kern="1200" cap="all">
+                <a:ln w="3175" cmpd="sng">
+                  <a:noFill/>
+                </a:ln>
+                <a:solidFill>
+                  <a:schemeClr val="tx1"/>
+                </a:solidFill>
+                <a:effectLst/>
+                <a:latin typeface="+mj-lt"/>
+                <a:ea typeface="+mj-ea"/>
+                <a:cs typeface="+mj-cs"/>
+              </a:defRPr>
+            </a:lvl1pPr>
+            <a:lvl2pPr eaLnBrk="1" hangingPunct="1">
+              <a:defRPr>
+                <a:solidFill>
+                  <a:schemeClr val="tx2"/>
+                </a:solidFill>
+              </a:defRPr>
+            </a:lvl2pPr>
+            <a:lvl3pPr eaLnBrk="1" hangingPunct="1">
+              <a:defRPr>
+                <a:solidFill>
+                  <a:schemeClr val="tx2"/>
+                </a:solidFill>
+              </a:defRPr>
+            </a:lvl3pPr>
+            <a:lvl4pPr eaLnBrk="1" hangingPunct="1">
+              <a:defRPr>
+                <a:solidFill>
+                  <a:schemeClr val="tx2"/>
+                </a:solidFill>
+              </a:defRPr>
+            </a:lvl4pPr>
+            <a:lvl5pPr eaLnBrk="1" hangingPunct="1">
+              <a:defRPr>
+                <a:solidFill>
+                  <a:schemeClr val="tx2"/>
+                </a:solidFill>
+              </a:defRPr>
+            </a:lvl5pPr>
+            <a:lvl6pPr eaLnBrk="1" hangingPunct="1">
+              <a:defRPr>
+                <a:solidFill>
+                  <a:schemeClr val="tx2"/>
+                </a:solidFill>
+              </a:defRPr>
+            </a:lvl6pPr>
+            <a:lvl7pPr eaLnBrk="1" hangingPunct="1">
+              <a:defRPr>
+                <a:solidFill>
+                  <a:schemeClr val="tx2"/>
+                </a:solidFill>
+              </a:defRPr>
+            </a:lvl7pPr>
+            <a:lvl8pPr eaLnBrk="1" hangingPunct="1">
+              <a:defRPr>
+                <a:solidFill>
+                  <a:schemeClr val="tx2"/>
+                </a:solidFill>
+              </a:defRPr>
+            </a:lvl8pPr>
+            <a:lvl9pPr eaLnBrk="1" hangingPunct="1">
+              <a:defRPr>
+                <a:solidFill>
+                  <a:schemeClr val="tx2"/>
+                </a:solidFill>
+              </a:defRPr>
+            </a:lvl9pPr>
+          </a:lstStyle>
+          <a:p>
+            <a:pPr algn="r" rtl="1"/>
+            <a:r>
+              <a:rPr lang="he-IL" sz="2000" dirty="0">
+                <a:latin typeface="Calibri Light" panose="020F0302020204030204" pitchFamily="34" charset="0"/>
+                <a:cs typeface="Calibri Light" panose="020F0302020204030204" pitchFamily="34" charset="0"/>
+              </a:rPr>
+              <a:t>הפנקס לא נגמר, לא מתעוות ולא נשכח – יש סמארטפון? יש החתמה!</a:t>
+            </a:r>
+            <a:endParaRPr lang="en-US" sz="2000" dirty="0">
+              <a:latin typeface="Calibri Light" panose="020F0302020204030204" pitchFamily="34" charset="0"/>
+              <a:cs typeface="Calibri Light" panose="020F0302020204030204" pitchFamily="34" charset="0"/>
+            </a:endParaRPr>
+          </a:p>
+        </p:txBody>
+      </p:sp>
+      <p:sp>
+        <p:nvSpPr>
+          <p:cNvPr id="16" name="Title 1">
+            <a:extLst>
+              <a:ext uri="{FF2B5EF4-FFF2-40B4-BE49-F238E27FC236}">
+                <a16:creationId xmlns:a16="http://schemas.microsoft.com/office/drawing/2014/main" id="{2927A884-5D37-4132-9A84-14428EF7656D}"/>
+              </a:ext>
+            </a:extLst>
+          </p:cNvPr>
+          <p:cNvSpPr txBox="1">
+            <a:spLocks/>
+          </p:cNvSpPr>
+          <p:nvPr/>
+        </p:nvSpPr>
+        <p:spPr>
+          <a:xfrm>
+            <a:off x="3193772" y="4512234"/>
+            <a:ext cx="4182617" cy="875164"/>
+          </a:xfrm>
+          <a:prstGeom prst="rect">
+            <a:avLst/>
+          </a:prstGeom>
+          <a:effectLst/>
+        </p:spPr>
+        <p:txBody>
+          <a:bodyPr vert="horz" lIns="91440" tIns="45720" rIns="91440" bIns="45720" rtlCol="0" anchor="b">
+            <a:noAutofit/>
+          </a:bodyPr>
+          <a:lstStyle>
+            <a:lvl1pPr algn="l" defTabSz="457200" rtl="0" eaLnBrk="1" latinLnBrk="0" hangingPunct="1">
+              <a:spcBef>
+                <a:spcPct val="0"/>
+              </a:spcBef>
+              <a:buNone/>
+              <a:defRPr sz="4800" kern="1200" cap="all">
+                <a:ln w="3175" cmpd="sng">
+                  <a:noFill/>
+                </a:ln>
+                <a:solidFill>
+                  <a:schemeClr val="tx1"/>
+                </a:solidFill>
+                <a:effectLst/>
+                <a:latin typeface="+mj-lt"/>
+                <a:ea typeface="+mj-ea"/>
+                <a:cs typeface="+mj-cs"/>
+              </a:defRPr>
+            </a:lvl1pPr>
+            <a:lvl2pPr eaLnBrk="1" hangingPunct="1">
+              <a:defRPr>
+                <a:solidFill>
+                  <a:schemeClr val="tx2"/>
+                </a:solidFill>
+              </a:defRPr>
+            </a:lvl2pPr>
+            <a:lvl3pPr eaLnBrk="1" hangingPunct="1">
+              <a:defRPr>
+                <a:solidFill>
+                  <a:schemeClr val="tx2"/>
+                </a:solidFill>
+              </a:defRPr>
+            </a:lvl3pPr>
+            <a:lvl4pPr eaLnBrk="1" hangingPunct="1">
+              <a:defRPr>
+                <a:solidFill>
+                  <a:schemeClr val="tx2"/>
+                </a:solidFill>
+              </a:defRPr>
+            </a:lvl4pPr>
+            <a:lvl5pPr eaLnBrk="1" hangingPunct="1">
+              <a:defRPr>
+                <a:solidFill>
+                  <a:schemeClr val="tx2"/>
+                </a:solidFill>
+              </a:defRPr>
+            </a:lvl5pPr>
+            <a:lvl6pPr eaLnBrk="1" hangingPunct="1">
+              <a:defRPr>
+                <a:solidFill>
+                  <a:schemeClr val="tx2"/>
+                </a:solidFill>
+              </a:defRPr>
+            </a:lvl6pPr>
+            <a:lvl7pPr eaLnBrk="1" hangingPunct="1">
+              <a:defRPr>
+                <a:solidFill>
+                  <a:schemeClr val="tx2"/>
+                </a:solidFill>
+              </a:defRPr>
+            </a:lvl7pPr>
+            <a:lvl8pPr eaLnBrk="1" hangingPunct="1">
+              <a:defRPr>
+                <a:solidFill>
+                  <a:schemeClr val="tx2"/>
+                </a:solidFill>
+              </a:defRPr>
+            </a:lvl8pPr>
+            <a:lvl9pPr eaLnBrk="1" hangingPunct="1">
+              <a:defRPr>
+                <a:solidFill>
+                  <a:schemeClr val="tx2"/>
+                </a:solidFill>
+              </a:defRPr>
+            </a:lvl9pPr>
+          </a:lstStyle>
+          <a:p>
+            <a:pPr algn="r" rtl="1"/>
+            <a:r>
+              <a:rPr lang="he-IL" sz="2000" dirty="0">
+                <a:latin typeface="Calibri Light" panose="020F0302020204030204" pitchFamily="34" charset="0"/>
+                <a:cs typeface="Calibri Light" panose="020F0302020204030204" pitchFamily="34" charset="0"/>
+              </a:rPr>
+              <a:t>איתור הסכמים בחיפוש מהיר ע"פ כל פרמטר של הנכס / לקוח, ישירות מהנייד</a:t>
+            </a:r>
+            <a:endParaRPr lang="en-US" sz="2000" dirty="0">
+              <a:latin typeface="Calibri Light" panose="020F0302020204030204" pitchFamily="34" charset="0"/>
+              <a:cs typeface="Calibri Light" panose="020F0302020204030204" pitchFamily="34" charset="0"/>
+            </a:endParaRPr>
+          </a:p>
+        </p:txBody>
+      </p:sp>
       <p:pic>
         <p:nvPicPr>
-          <p:cNvPr id="4" name="Graphic 3">
+          <p:cNvPr id="7" name="Picture 6" descr="A screenshot of a cell phone&#10;&#10;Description generated with very high confidence">
             <a:extLst>
               <a:ext uri="{FF2B5EF4-FFF2-40B4-BE49-F238E27FC236}">
-                <a16:creationId xmlns:a16="http://schemas.microsoft.com/office/drawing/2014/main" id="{A1A4D48C-4FFB-4B80-8CD3-8C1479E9C4A1}"/>
+                <a16:creationId xmlns:a16="http://schemas.microsoft.com/office/drawing/2014/main" id="{3A3ED71C-E14E-4C33-A3C0-4DD455D3E7D6}"/>
               </a:ext>
             </a:extLst>
           </p:cNvPr>
@@ -8157,34 +9726,901 @@
           </p:cNvPicPr>
           <p:nvPr/>
         </p:nvPicPr>
-        <p:blipFill>
-          <a:blip r:embed="rId2">
-            <a:extLst>
-              <a:ext uri="{96DAC541-7B7A-43D3-8B79-37D633B846F1}">
-                <asvg:svgBlip xmlns:asvg="http://schemas.microsoft.com/office/drawing/2016/SVG/main" r:embed="rId3"/>
-              </a:ext>
-            </a:extLst>
-          </a:blip>
-          <a:stretch>
-            <a:fillRect/>
-          </a:stretch>
+        <p:blipFill rotWithShape="1">
+          <a:blip r:embed="rId3"/>
+          <a:srcRect t="9302" b="9302"/>
+          <a:stretch/>
         </p:blipFill>
         <p:spPr>
           <a:xfrm>
-            <a:off x="9627951" y="3931190"/>
-            <a:ext cx="1587443" cy="1587443"/>
+            <a:off x="8125609" y="637953"/>
+            <a:ext cx="3167180" cy="5582095"/>
           </a:xfrm>
           <a:prstGeom prst="rect">
             <a:avLst/>
           </a:prstGeom>
         </p:spPr>
       </p:pic>
+    </p:spTree>
+    <p:extLst>
+      <p:ext uri="{BB962C8B-B14F-4D97-AF65-F5344CB8AC3E}">
+        <p14:creationId xmlns:p14="http://schemas.microsoft.com/office/powerpoint/2010/main" val="3144012772"/>
+      </p:ext>
+    </p:extLst>
+  </p:cSld>
+  <p:clrMapOvr>
+    <a:masterClrMapping/>
+  </p:clrMapOvr>
+</p:sld>
+</file>
+
+<file path=ppt/slides/slide5.xml><?xml version="1.0" encoding="utf-8"?>
+<p:sld xmlns:a="http://schemas.openxmlformats.org/drawingml/2006/main" xmlns:r="http://schemas.openxmlformats.org/officeDocument/2006/relationships" xmlns:p="http://schemas.openxmlformats.org/presentationml/2006/main">
+  <p:cSld>
+    <p:bg>
+      <p:bgPr>
+        <a:gradFill rotWithShape="1">
+          <a:gsLst>
+            <a:gs pos="10000">
+              <a:srgbClr val="077BB0"/>
+            </a:gs>
+            <a:gs pos="100000">
+              <a:schemeClr val="bg2">
+                <a:shade val="96000"/>
+                <a:satMod val="120000"/>
+                <a:lumMod val="90000"/>
+              </a:schemeClr>
+            </a:gs>
+          </a:gsLst>
+          <a:lin ang="6120000" scaled="1"/>
+        </a:gradFill>
+        <a:effectLst/>
+      </p:bgPr>
+    </p:bg>
+    <p:spTree>
+      <p:nvGrpSpPr>
+        <p:cNvPr id="1" name=""/>
+        <p:cNvGrpSpPr/>
+        <p:nvPr/>
+      </p:nvGrpSpPr>
+      <p:grpSpPr>
+        <a:xfrm>
+          <a:off x="0" y="0"/>
+          <a:ext cx="0" cy="0"/>
+          <a:chOff x="0" y="0"/>
+          <a:chExt cx="0" cy="0"/>
+        </a:xfrm>
+      </p:grpSpPr>
+      <p:sp>
+        <p:nvSpPr>
+          <p:cNvPr id="2" name="Title 1">
+            <a:extLst>
+              <a:ext uri="{FF2B5EF4-FFF2-40B4-BE49-F238E27FC236}">
+                <a16:creationId xmlns:a16="http://schemas.microsoft.com/office/drawing/2014/main" id="{075139A1-47D1-4DFF-9ED2-090E7EA273ED}"/>
+              </a:ext>
+            </a:extLst>
+          </p:cNvPr>
+          <p:cNvSpPr>
+            <a:spLocks noGrp="1"/>
+          </p:cNvSpPr>
+          <p:nvPr>
+            <p:ph type="ctrTitle"/>
+          </p:nvPr>
+        </p:nvSpPr>
+        <p:spPr>
+          <a:xfrm>
+            <a:off x="899211" y="637953"/>
+            <a:ext cx="6477178" cy="1195838"/>
+          </a:xfrm>
+        </p:spPr>
+        <p:txBody>
+          <a:bodyPr>
+            <a:normAutofit/>
+          </a:bodyPr>
+          <a:lstStyle/>
+          <a:p>
+            <a:pPr algn="r" rtl="1"/>
+            <a:r>
+              <a:rPr lang="he-IL" sz="6600" dirty="0">
+                <a:latin typeface="Calibri Light" panose="020F0302020204030204" pitchFamily="34" charset="0"/>
+                <a:cs typeface="Calibri Light" panose="020F0302020204030204" pitchFamily="34" charset="0"/>
+              </a:rPr>
+              <a:t>מסמך מעוצב וממותג</a:t>
+            </a:r>
+            <a:endParaRPr lang="en-US" sz="6600" dirty="0">
+              <a:latin typeface="Calibri Light" panose="020F0302020204030204" pitchFamily="34" charset="0"/>
+              <a:cs typeface="Calibri Light" panose="020F0302020204030204" pitchFamily="34" charset="0"/>
+            </a:endParaRPr>
+          </a:p>
+        </p:txBody>
+      </p:sp>
+      <p:grpSp>
+        <p:nvGrpSpPr>
+          <p:cNvPr id="3" name="Group 2">
+            <a:extLst>
+              <a:ext uri="{FF2B5EF4-FFF2-40B4-BE49-F238E27FC236}">
+                <a16:creationId xmlns:a16="http://schemas.microsoft.com/office/drawing/2014/main" id="{3FB285A1-CBCE-43EA-9F14-4340E1273418}"/>
+              </a:ext>
+            </a:extLst>
+          </p:cNvPr>
+          <p:cNvGrpSpPr/>
+          <p:nvPr/>
+        </p:nvGrpSpPr>
+        <p:grpSpPr>
+          <a:xfrm>
+            <a:off x="0" y="5936848"/>
+            <a:ext cx="3966267" cy="930288"/>
+            <a:chOff x="0" y="5936848"/>
+            <a:chExt cx="3966267" cy="930288"/>
+          </a:xfrm>
+        </p:grpSpPr>
+        <p:sp>
+          <p:nvSpPr>
+            <p:cNvPr id="9" name="Title 1">
+              <a:extLst>
+                <a:ext uri="{FF2B5EF4-FFF2-40B4-BE49-F238E27FC236}">
+                  <a16:creationId xmlns:a16="http://schemas.microsoft.com/office/drawing/2014/main" id="{9DFCF825-1E80-4155-B89F-20352DDD42EE}"/>
+                </a:ext>
+              </a:extLst>
+            </p:cNvPr>
+            <p:cNvSpPr txBox="1">
+              <a:spLocks/>
+            </p:cNvSpPr>
+            <p:nvPr/>
+          </p:nvSpPr>
+          <p:spPr>
+            <a:xfrm>
+              <a:off x="679509" y="5936848"/>
+              <a:ext cx="3286758" cy="422754"/>
+            </a:xfrm>
+            <a:prstGeom prst="rect">
+              <a:avLst/>
+            </a:prstGeom>
+            <a:effectLst/>
+          </p:spPr>
+          <p:txBody>
+            <a:bodyPr vert="horz" lIns="91440" tIns="45720" rIns="91440" bIns="45720" rtlCol="0" anchor="b">
+              <a:noAutofit/>
+            </a:bodyPr>
+            <a:lstStyle>
+              <a:lvl1pPr algn="l" defTabSz="457200" rtl="0" eaLnBrk="1" latinLnBrk="0" hangingPunct="1">
+                <a:spcBef>
+                  <a:spcPct val="0"/>
+                </a:spcBef>
+                <a:buNone/>
+                <a:defRPr sz="4800" kern="1200" cap="all">
+                  <a:ln w="3175" cmpd="sng">
+                    <a:noFill/>
+                  </a:ln>
+                  <a:solidFill>
+                    <a:schemeClr val="tx1"/>
+                  </a:solidFill>
+                  <a:effectLst/>
+                  <a:latin typeface="+mj-lt"/>
+                  <a:ea typeface="+mj-ea"/>
+                  <a:cs typeface="+mj-cs"/>
+                </a:defRPr>
+              </a:lvl1pPr>
+              <a:lvl2pPr eaLnBrk="1" hangingPunct="1">
+                <a:defRPr>
+                  <a:solidFill>
+                    <a:schemeClr val="tx2"/>
+                  </a:solidFill>
+                </a:defRPr>
+              </a:lvl2pPr>
+              <a:lvl3pPr eaLnBrk="1" hangingPunct="1">
+                <a:defRPr>
+                  <a:solidFill>
+                    <a:schemeClr val="tx2"/>
+                  </a:solidFill>
+                </a:defRPr>
+              </a:lvl3pPr>
+              <a:lvl4pPr eaLnBrk="1" hangingPunct="1">
+                <a:defRPr>
+                  <a:solidFill>
+                    <a:schemeClr val="tx2"/>
+                  </a:solidFill>
+                </a:defRPr>
+              </a:lvl4pPr>
+              <a:lvl5pPr eaLnBrk="1" hangingPunct="1">
+                <a:defRPr>
+                  <a:solidFill>
+                    <a:schemeClr val="tx2"/>
+                  </a:solidFill>
+                </a:defRPr>
+              </a:lvl5pPr>
+              <a:lvl6pPr eaLnBrk="1" hangingPunct="1">
+                <a:defRPr>
+                  <a:solidFill>
+                    <a:schemeClr val="tx2"/>
+                  </a:solidFill>
+                </a:defRPr>
+              </a:lvl6pPr>
+              <a:lvl7pPr eaLnBrk="1" hangingPunct="1">
+                <a:defRPr>
+                  <a:solidFill>
+                    <a:schemeClr val="tx2"/>
+                  </a:solidFill>
+                </a:defRPr>
+              </a:lvl7pPr>
+              <a:lvl8pPr eaLnBrk="1" hangingPunct="1">
+                <a:defRPr>
+                  <a:solidFill>
+                    <a:schemeClr val="tx2"/>
+                  </a:solidFill>
+                </a:defRPr>
+              </a:lvl8pPr>
+              <a:lvl9pPr eaLnBrk="1" hangingPunct="1">
+                <a:defRPr>
+                  <a:solidFill>
+                    <a:schemeClr val="tx2"/>
+                  </a:solidFill>
+                </a:defRPr>
+              </a:lvl9pPr>
+            </a:lstStyle>
+            <a:p>
+              <a:pPr algn="r"/>
+              <a:r>
+                <a:rPr lang="he-IL" sz="2400" dirty="0">
+                  <a:latin typeface="Calibri Light" panose="020F0302020204030204" pitchFamily="34" charset="0"/>
+                  <a:cs typeface="Calibri Light" panose="020F0302020204030204" pitchFamily="34" charset="0"/>
+                </a:rPr>
+                <a:t>סרוק להורדת האפליקציה</a:t>
+              </a:r>
+              <a:endParaRPr lang="en-US" sz="2400" dirty="0">
+                <a:latin typeface="Calibri Light" panose="020F0302020204030204" pitchFamily="34" charset="0"/>
+                <a:cs typeface="Calibri Light" panose="020F0302020204030204" pitchFamily="34" charset="0"/>
+              </a:endParaRPr>
+            </a:p>
+          </p:txBody>
+        </p:sp>
+        <p:pic>
+          <p:nvPicPr>
+            <p:cNvPr id="10" name="Picture 9">
+              <a:extLst>
+                <a:ext uri="{FF2B5EF4-FFF2-40B4-BE49-F238E27FC236}">
+                  <a16:creationId xmlns:a16="http://schemas.microsoft.com/office/drawing/2014/main" id="{AE6F4AAB-65B4-4686-A5F0-2E862D57CFCC}"/>
+                </a:ext>
+              </a:extLst>
+            </p:cNvPr>
+            <p:cNvPicPr>
+              <a:picLocks noChangeAspect="1"/>
+            </p:cNvPicPr>
+            <p:nvPr/>
+          </p:nvPicPr>
+          <p:blipFill>
+            <a:blip r:embed="rId2"/>
+            <a:stretch>
+              <a:fillRect/>
+            </a:stretch>
+          </p:blipFill>
+          <p:spPr>
+            <a:xfrm>
+              <a:off x="0" y="6035355"/>
+              <a:ext cx="822645" cy="822645"/>
+            </a:xfrm>
+            <a:prstGeom prst="rect">
+              <a:avLst/>
+            </a:prstGeom>
+          </p:spPr>
+        </p:pic>
+        <p:sp>
+          <p:nvSpPr>
+            <p:cNvPr id="11" name="Title 1">
+              <a:extLst>
+                <a:ext uri="{FF2B5EF4-FFF2-40B4-BE49-F238E27FC236}">
+                  <a16:creationId xmlns:a16="http://schemas.microsoft.com/office/drawing/2014/main" id="{56D85B73-4236-4F21-AE55-ED4605F6634D}"/>
+                </a:ext>
+              </a:extLst>
+            </p:cNvPr>
+            <p:cNvSpPr txBox="1">
+              <a:spLocks/>
+            </p:cNvSpPr>
+            <p:nvPr/>
+          </p:nvSpPr>
+          <p:spPr>
+            <a:xfrm>
+              <a:off x="899211" y="6294521"/>
+              <a:ext cx="3067055" cy="572615"/>
+            </a:xfrm>
+            <a:prstGeom prst="rect">
+              <a:avLst/>
+            </a:prstGeom>
+            <a:effectLst/>
+          </p:spPr>
+          <p:txBody>
+            <a:bodyPr vert="horz" lIns="91440" tIns="45720" rIns="91440" bIns="45720" rtlCol="0" anchor="b">
+              <a:noAutofit/>
+            </a:bodyPr>
+            <a:lstStyle>
+              <a:lvl1pPr algn="l" defTabSz="457200" rtl="0" eaLnBrk="1" latinLnBrk="0" hangingPunct="1">
+                <a:spcBef>
+                  <a:spcPct val="0"/>
+                </a:spcBef>
+                <a:buNone/>
+                <a:defRPr sz="4800" kern="1200" cap="all">
+                  <a:ln w="3175" cmpd="sng">
+                    <a:noFill/>
+                  </a:ln>
+                  <a:solidFill>
+                    <a:schemeClr val="tx1"/>
+                  </a:solidFill>
+                  <a:effectLst/>
+                  <a:latin typeface="+mj-lt"/>
+                  <a:ea typeface="+mj-ea"/>
+                  <a:cs typeface="+mj-cs"/>
+                </a:defRPr>
+              </a:lvl1pPr>
+              <a:lvl2pPr eaLnBrk="1" hangingPunct="1">
+                <a:defRPr>
+                  <a:solidFill>
+                    <a:schemeClr val="tx2"/>
+                  </a:solidFill>
+                </a:defRPr>
+              </a:lvl2pPr>
+              <a:lvl3pPr eaLnBrk="1" hangingPunct="1">
+                <a:defRPr>
+                  <a:solidFill>
+                    <a:schemeClr val="tx2"/>
+                  </a:solidFill>
+                </a:defRPr>
+              </a:lvl3pPr>
+              <a:lvl4pPr eaLnBrk="1" hangingPunct="1">
+                <a:defRPr>
+                  <a:solidFill>
+                    <a:schemeClr val="tx2"/>
+                  </a:solidFill>
+                </a:defRPr>
+              </a:lvl4pPr>
+              <a:lvl5pPr eaLnBrk="1" hangingPunct="1">
+                <a:defRPr>
+                  <a:solidFill>
+                    <a:schemeClr val="tx2"/>
+                  </a:solidFill>
+                </a:defRPr>
+              </a:lvl5pPr>
+              <a:lvl6pPr eaLnBrk="1" hangingPunct="1">
+                <a:defRPr>
+                  <a:solidFill>
+                    <a:schemeClr val="tx2"/>
+                  </a:solidFill>
+                </a:defRPr>
+              </a:lvl6pPr>
+              <a:lvl7pPr eaLnBrk="1" hangingPunct="1">
+                <a:defRPr>
+                  <a:solidFill>
+                    <a:schemeClr val="tx2"/>
+                  </a:solidFill>
+                </a:defRPr>
+              </a:lvl7pPr>
+              <a:lvl8pPr eaLnBrk="1" hangingPunct="1">
+                <a:defRPr>
+                  <a:solidFill>
+                    <a:schemeClr val="tx2"/>
+                  </a:solidFill>
+                </a:defRPr>
+              </a:lvl8pPr>
+              <a:lvl9pPr eaLnBrk="1" hangingPunct="1">
+                <a:defRPr>
+                  <a:solidFill>
+                    <a:schemeClr val="tx2"/>
+                  </a:solidFill>
+                </a:defRPr>
+              </a:lvl9pPr>
+            </a:lstStyle>
+            <a:p>
+              <a:pPr algn="r"/>
+              <a:r>
+                <a:rPr lang="he-IL" sz="1600" dirty="0">
+                  <a:latin typeface="Calibri Light" panose="020F0302020204030204" pitchFamily="34" charset="0"/>
+                  <a:cs typeface="Calibri Light" panose="020F0302020204030204" pitchFamily="34" charset="0"/>
+                </a:rPr>
+                <a:t>10 החתמות חינם</a:t>
+              </a:r>
+            </a:p>
+            <a:p>
+              <a:pPr algn="r"/>
+              <a:r>
+                <a:rPr lang="he-IL" sz="1600" dirty="0">
+                  <a:latin typeface="Calibri Light" panose="020F0302020204030204" pitchFamily="34" charset="0"/>
+                  <a:cs typeface="Calibri Light" panose="020F0302020204030204" pitchFamily="34" charset="0"/>
+                </a:rPr>
+                <a:t>10% הנחה לנרשמים בכנס</a:t>
+              </a:r>
+              <a:endParaRPr lang="en-US" sz="1600" dirty="0">
+                <a:latin typeface="Calibri Light" panose="020F0302020204030204" pitchFamily="34" charset="0"/>
+                <a:cs typeface="Calibri Light" panose="020F0302020204030204" pitchFamily="34" charset="0"/>
+              </a:endParaRPr>
+            </a:p>
+          </p:txBody>
+        </p:sp>
+      </p:grpSp>
+      <p:sp>
+        <p:nvSpPr>
+          <p:cNvPr id="13" name="Title 1">
+            <a:extLst>
+              <a:ext uri="{FF2B5EF4-FFF2-40B4-BE49-F238E27FC236}">
+                <a16:creationId xmlns:a16="http://schemas.microsoft.com/office/drawing/2014/main" id="{C4A36E4D-886D-4174-A880-108CEBB73B4D}"/>
+              </a:ext>
+            </a:extLst>
+          </p:cNvPr>
+          <p:cNvSpPr txBox="1">
+            <a:spLocks/>
+          </p:cNvSpPr>
+          <p:nvPr/>
+        </p:nvSpPr>
+        <p:spPr>
+          <a:xfrm>
+            <a:off x="2879035" y="1832174"/>
+            <a:ext cx="4497356" cy="718579"/>
+          </a:xfrm>
+          <a:prstGeom prst="rect">
+            <a:avLst/>
+          </a:prstGeom>
+          <a:effectLst/>
+        </p:spPr>
+        <p:txBody>
+          <a:bodyPr vert="horz" lIns="91440" tIns="45720" rIns="91440" bIns="45720" rtlCol="0" anchor="b">
+            <a:noAutofit/>
+          </a:bodyPr>
+          <a:lstStyle>
+            <a:lvl1pPr algn="l" defTabSz="457200" rtl="0" eaLnBrk="1" latinLnBrk="0" hangingPunct="1">
+              <a:spcBef>
+                <a:spcPct val="0"/>
+              </a:spcBef>
+              <a:buNone/>
+              <a:defRPr sz="4800" kern="1200" cap="all">
+                <a:ln w="3175" cmpd="sng">
+                  <a:noFill/>
+                </a:ln>
+                <a:solidFill>
+                  <a:schemeClr val="tx1"/>
+                </a:solidFill>
+                <a:effectLst/>
+                <a:latin typeface="+mj-lt"/>
+                <a:ea typeface="+mj-ea"/>
+                <a:cs typeface="+mj-cs"/>
+              </a:defRPr>
+            </a:lvl1pPr>
+            <a:lvl2pPr eaLnBrk="1" hangingPunct="1">
+              <a:defRPr>
+                <a:solidFill>
+                  <a:schemeClr val="tx2"/>
+                </a:solidFill>
+              </a:defRPr>
+            </a:lvl2pPr>
+            <a:lvl3pPr eaLnBrk="1" hangingPunct="1">
+              <a:defRPr>
+                <a:solidFill>
+                  <a:schemeClr val="tx2"/>
+                </a:solidFill>
+              </a:defRPr>
+            </a:lvl3pPr>
+            <a:lvl4pPr eaLnBrk="1" hangingPunct="1">
+              <a:defRPr>
+                <a:solidFill>
+                  <a:schemeClr val="tx2"/>
+                </a:solidFill>
+              </a:defRPr>
+            </a:lvl4pPr>
+            <a:lvl5pPr eaLnBrk="1" hangingPunct="1">
+              <a:defRPr>
+                <a:solidFill>
+                  <a:schemeClr val="tx2"/>
+                </a:solidFill>
+              </a:defRPr>
+            </a:lvl5pPr>
+            <a:lvl6pPr eaLnBrk="1" hangingPunct="1">
+              <a:defRPr>
+                <a:solidFill>
+                  <a:schemeClr val="tx2"/>
+                </a:solidFill>
+              </a:defRPr>
+            </a:lvl6pPr>
+            <a:lvl7pPr eaLnBrk="1" hangingPunct="1">
+              <a:defRPr>
+                <a:solidFill>
+                  <a:schemeClr val="tx2"/>
+                </a:solidFill>
+              </a:defRPr>
+            </a:lvl7pPr>
+            <a:lvl8pPr eaLnBrk="1" hangingPunct="1">
+              <a:defRPr>
+                <a:solidFill>
+                  <a:schemeClr val="tx2"/>
+                </a:solidFill>
+              </a:defRPr>
+            </a:lvl8pPr>
+            <a:lvl9pPr eaLnBrk="1" hangingPunct="1">
+              <a:defRPr>
+                <a:solidFill>
+                  <a:schemeClr val="tx2"/>
+                </a:solidFill>
+              </a:defRPr>
+            </a:lvl9pPr>
+          </a:lstStyle>
+          <a:p>
+            <a:pPr algn="r"/>
+            <a:r>
+              <a:rPr lang="he-IL" sz="4000" dirty="0">
+                <a:latin typeface="Calibri Light" panose="020F0302020204030204" pitchFamily="34" charset="0"/>
+                <a:cs typeface="Calibri Light" panose="020F0302020204030204" pitchFamily="34" charset="0"/>
+              </a:rPr>
+              <a:t>חתום דיגיטלית</a:t>
+            </a:r>
+            <a:endParaRPr lang="en-US" sz="4000" dirty="0">
+              <a:latin typeface="Calibri Light" panose="020F0302020204030204" pitchFamily="34" charset="0"/>
+              <a:cs typeface="Calibri Light" panose="020F0302020204030204" pitchFamily="34" charset="0"/>
+            </a:endParaRPr>
+          </a:p>
+        </p:txBody>
+      </p:sp>
+      <p:sp>
+        <p:nvSpPr>
+          <p:cNvPr id="14" name="Title 1">
+            <a:extLst>
+              <a:ext uri="{FF2B5EF4-FFF2-40B4-BE49-F238E27FC236}">
+                <a16:creationId xmlns:a16="http://schemas.microsoft.com/office/drawing/2014/main" id="{9A3CB04B-D300-4F96-B614-A4F95DD8CE23}"/>
+              </a:ext>
+            </a:extLst>
+          </p:cNvPr>
+          <p:cNvSpPr txBox="1">
+            <a:spLocks/>
+          </p:cNvSpPr>
+          <p:nvPr/>
+        </p:nvSpPr>
+        <p:spPr>
+          <a:xfrm>
+            <a:off x="3193774" y="2729948"/>
+            <a:ext cx="4182617" cy="875164"/>
+          </a:xfrm>
+          <a:prstGeom prst="rect">
+            <a:avLst/>
+          </a:prstGeom>
+          <a:effectLst/>
+        </p:spPr>
+        <p:txBody>
+          <a:bodyPr vert="horz" lIns="91440" tIns="45720" rIns="91440" bIns="45720" rtlCol="0" anchor="b">
+            <a:noAutofit/>
+          </a:bodyPr>
+          <a:lstStyle>
+            <a:lvl1pPr algn="l" defTabSz="457200" rtl="0" eaLnBrk="1" latinLnBrk="0" hangingPunct="1">
+              <a:spcBef>
+                <a:spcPct val="0"/>
+              </a:spcBef>
+              <a:buNone/>
+              <a:defRPr sz="4800" kern="1200" cap="all">
+                <a:ln w="3175" cmpd="sng">
+                  <a:noFill/>
+                </a:ln>
+                <a:solidFill>
+                  <a:schemeClr val="tx1"/>
+                </a:solidFill>
+                <a:effectLst/>
+                <a:latin typeface="+mj-lt"/>
+                <a:ea typeface="+mj-ea"/>
+                <a:cs typeface="+mj-cs"/>
+              </a:defRPr>
+            </a:lvl1pPr>
+            <a:lvl2pPr eaLnBrk="1" hangingPunct="1">
+              <a:defRPr>
+                <a:solidFill>
+                  <a:schemeClr val="tx2"/>
+                </a:solidFill>
+              </a:defRPr>
+            </a:lvl2pPr>
+            <a:lvl3pPr eaLnBrk="1" hangingPunct="1">
+              <a:defRPr>
+                <a:solidFill>
+                  <a:schemeClr val="tx2"/>
+                </a:solidFill>
+              </a:defRPr>
+            </a:lvl3pPr>
+            <a:lvl4pPr eaLnBrk="1" hangingPunct="1">
+              <a:defRPr>
+                <a:solidFill>
+                  <a:schemeClr val="tx2"/>
+                </a:solidFill>
+              </a:defRPr>
+            </a:lvl4pPr>
+            <a:lvl5pPr eaLnBrk="1" hangingPunct="1">
+              <a:defRPr>
+                <a:solidFill>
+                  <a:schemeClr val="tx2"/>
+                </a:solidFill>
+              </a:defRPr>
+            </a:lvl5pPr>
+            <a:lvl6pPr eaLnBrk="1" hangingPunct="1">
+              <a:defRPr>
+                <a:solidFill>
+                  <a:schemeClr val="tx2"/>
+                </a:solidFill>
+              </a:defRPr>
+            </a:lvl6pPr>
+            <a:lvl7pPr eaLnBrk="1" hangingPunct="1">
+              <a:defRPr>
+                <a:solidFill>
+                  <a:schemeClr val="tx2"/>
+                </a:solidFill>
+              </a:defRPr>
+            </a:lvl7pPr>
+            <a:lvl8pPr eaLnBrk="1" hangingPunct="1">
+              <a:defRPr>
+                <a:solidFill>
+                  <a:schemeClr val="tx2"/>
+                </a:solidFill>
+              </a:defRPr>
+            </a:lvl8pPr>
+            <a:lvl9pPr eaLnBrk="1" hangingPunct="1">
+              <a:defRPr>
+                <a:solidFill>
+                  <a:schemeClr val="tx2"/>
+                </a:solidFill>
+              </a:defRPr>
+            </a:lvl9pPr>
+          </a:lstStyle>
+          <a:p>
+            <a:pPr algn="r" rtl="1"/>
+            <a:r>
+              <a:rPr lang="he-IL" sz="2000" dirty="0">
+                <a:latin typeface="Calibri Light" panose="020F0302020204030204" pitchFamily="34" charset="0"/>
+                <a:cs typeface="Calibri Light" panose="020F0302020204030204" pitchFamily="34" charset="0"/>
+              </a:rPr>
+              <a:t>המסמך נשלח אוטומטית ללקוח (העתק) ולסוכן (מקור) כמו גם לבעל המשרד</a:t>
+            </a:r>
+            <a:endParaRPr lang="en-US" sz="2000" dirty="0">
+              <a:latin typeface="Calibri Light" panose="020F0302020204030204" pitchFamily="34" charset="0"/>
+              <a:cs typeface="Calibri Light" panose="020F0302020204030204" pitchFamily="34" charset="0"/>
+            </a:endParaRPr>
+          </a:p>
+        </p:txBody>
+      </p:sp>
+      <p:sp>
+        <p:nvSpPr>
+          <p:cNvPr id="15" name="Title 1">
+            <a:extLst>
+              <a:ext uri="{FF2B5EF4-FFF2-40B4-BE49-F238E27FC236}">
+                <a16:creationId xmlns:a16="http://schemas.microsoft.com/office/drawing/2014/main" id="{A4DD7AA6-A9E9-4725-B683-FCF2AFC12722}"/>
+              </a:ext>
+            </a:extLst>
+          </p:cNvPr>
+          <p:cNvSpPr txBox="1">
+            <a:spLocks/>
+          </p:cNvSpPr>
+          <p:nvPr/>
+        </p:nvSpPr>
+        <p:spPr>
+          <a:xfrm>
+            <a:off x="3193773" y="3605112"/>
+            <a:ext cx="4182617" cy="875164"/>
+          </a:xfrm>
+          <a:prstGeom prst="rect">
+            <a:avLst/>
+          </a:prstGeom>
+          <a:effectLst/>
+        </p:spPr>
+        <p:txBody>
+          <a:bodyPr vert="horz" lIns="91440" tIns="45720" rIns="91440" bIns="45720" rtlCol="0" anchor="b">
+            <a:noAutofit/>
+          </a:bodyPr>
+          <a:lstStyle>
+            <a:lvl1pPr algn="l" defTabSz="457200" rtl="0" eaLnBrk="1" latinLnBrk="0" hangingPunct="1">
+              <a:spcBef>
+                <a:spcPct val="0"/>
+              </a:spcBef>
+              <a:buNone/>
+              <a:defRPr sz="4800" kern="1200" cap="all">
+                <a:ln w="3175" cmpd="sng">
+                  <a:noFill/>
+                </a:ln>
+                <a:solidFill>
+                  <a:schemeClr val="tx1"/>
+                </a:solidFill>
+                <a:effectLst/>
+                <a:latin typeface="+mj-lt"/>
+                <a:ea typeface="+mj-ea"/>
+                <a:cs typeface="+mj-cs"/>
+              </a:defRPr>
+            </a:lvl1pPr>
+            <a:lvl2pPr eaLnBrk="1" hangingPunct="1">
+              <a:defRPr>
+                <a:solidFill>
+                  <a:schemeClr val="tx2"/>
+                </a:solidFill>
+              </a:defRPr>
+            </a:lvl2pPr>
+            <a:lvl3pPr eaLnBrk="1" hangingPunct="1">
+              <a:defRPr>
+                <a:solidFill>
+                  <a:schemeClr val="tx2"/>
+                </a:solidFill>
+              </a:defRPr>
+            </a:lvl3pPr>
+            <a:lvl4pPr eaLnBrk="1" hangingPunct="1">
+              <a:defRPr>
+                <a:solidFill>
+                  <a:schemeClr val="tx2"/>
+                </a:solidFill>
+              </a:defRPr>
+            </a:lvl4pPr>
+            <a:lvl5pPr eaLnBrk="1" hangingPunct="1">
+              <a:defRPr>
+                <a:solidFill>
+                  <a:schemeClr val="tx2"/>
+                </a:solidFill>
+              </a:defRPr>
+            </a:lvl5pPr>
+            <a:lvl6pPr eaLnBrk="1" hangingPunct="1">
+              <a:defRPr>
+                <a:solidFill>
+                  <a:schemeClr val="tx2"/>
+                </a:solidFill>
+              </a:defRPr>
+            </a:lvl6pPr>
+            <a:lvl7pPr eaLnBrk="1" hangingPunct="1">
+              <a:defRPr>
+                <a:solidFill>
+                  <a:schemeClr val="tx2"/>
+                </a:solidFill>
+              </a:defRPr>
+            </a:lvl7pPr>
+            <a:lvl8pPr eaLnBrk="1" hangingPunct="1">
+              <a:defRPr>
+                <a:solidFill>
+                  <a:schemeClr val="tx2"/>
+                </a:solidFill>
+              </a:defRPr>
+            </a:lvl8pPr>
+            <a:lvl9pPr eaLnBrk="1" hangingPunct="1">
+              <a:defRPr>
+                <a:solidFill>
+                  <a:schemeClr val="tx2"/>
+                </a:solidFill>
+              </a:defRPr>
+            </a:lvl9pPr>
+          </a:lstStyle>
+          <a:p>
+            <a:pPr algn="r" rtl="1"/>
+            <a:r>
+              <a:rPr lang="he-IL" sz="2000" dirty="0">
+                <a:latin typeface="Calibri Light" panose="020F0302020204030204" pitchFamily="34" charset="0"/>
+                <a:cs typeface="Calibri Light" panose="020F0302020204030204" pitchFamily="34" charset="0"/>
+              </a:rPr>
+              <a:t>טופס מעוצב במבנה אחיד, אימייל ניתן להתאמה עם תוכן שיווקי</a:t>
+            </a:r>
+            <a:endParaRPr lang="en-US" sz="2000" dirty="0">
+              <a:latin typeface="Calibri Light" panose="020F0302020204030204" pitchFamily="34" charset="0"/>
+              <a:cs typeface="Calibri Light" panose="020F0302020204030204" pitchFamily="34" charset="0"/>
+            </a:endParaRPr>
+          </a:p>
+        </p:txBody>
+      </p:sp>
+      <p:sp>
+        <p:nvSpPr>
+          <p:cNvPr id="16" name="Title 1">
+            <a:extLst>
+              <a:ext uri="{FF2B5EF4-FFF2-40B4-BE49-F238E27FC236}">
+                <a16:creationId xmlns:a16="http://schemas.microsoft.com/office/drawing/2014/main" id="{2927A884-5D37-4132-9A84-14428EF7656D}"/>
+              </a:ext>
+            </a:extLst>
+          </p:cNvPr>
+          <p:cNvSpPr txBox="1">
+            <a:spLocks/>
+          </p:cNvSpPr>
+          <p:nvPr/>
+        </p:nvSpPr>
+        <p:spPr>
+          <a:xfrm>
+            <a:off x="3193772" y="4512234"/>
+            <a:ext cx="4182617" cy="875164"/>
+          </a:xfrm>
+          <a:prstGeom prst="rect">
+            <a:avLst/>
+          </a:prstGeom>
+          <a:effectLst/>
+        </p:spPr>
+        <p:txBody>
+          <a:bodyPr vert="horz" lIns="91440" tIns="45720" rIns="91440" bIns="45720" rtlCol="0" anchor="b">
+            <a:noAutofit/>
+          </a:bodyPr>
+          <a:lstStyle>
+            <a:lvl1pPr algn="l" defTabSz="457200" rtl="0" eaLnBrk="1" latinLnBrk="0" hangingPunct="1">
+              <a:spcBef>
+                <a:spcPct val="0"/>
+              </a:spcBef>
+              <a:buNone/>
+              <a:defRPr sz="4800" kern="1200" cap="all">
+                <a:ln w="3175" cmpd="sng">
+                  <a:noFill/>
+                </a:ln>
+                <a:solidFill>
+                  <a:schemeClr val="tx1"/>
+                </a:solidFill>
+                <a:effectLst/>
+                <a:latin typeface="+mj-lt"/>
+                <a:ea typeface="+mj-ea"/>
+                <a:cs typeface="+mj-cs"/>
+              </a:defRPr>
+            </a:lvl1pPr>
+            <a:lvl2pPr eaLnBrk="1" hangingPunct="1">
+              <a:defRPr>
+                <a:solidFill>
+                  <a:schemeClr val="tx2"/>
+                </a:solidFill>
+              </a:defRPr>
+            </a:lvl2pPr>
+            <a:lvl3pPr eaLnBrk="1" hangingPunct="1">
+              <a:defRPr>
+                <a:solidFill>
+                  <a:schemeClr val="tx2"/>
+                </a:solidFill>
+              </a:defRPr>
+            </a:lvl3pPr>
+            <a:lvl4pPr eaLnBrk="1" hangingPunct="1">
+              <a:defRPr>
+                <a:solidFill>
+                  <a:schemeClr val="tx2"/>
+                </a:solidFill>
+              </a:defRPr>
+            </a:lvl4pPr>
+            <a:lvl5pPr eaLnBrk="1" hangingPunct="1">
+              <a:defRPr>
+                <a:solidFill>
+                  <a:schemeClr val="tx2"/>
+                </a:solidFill>
+              </a:defRPr>
+            </a:lvl5pPr>
+            <a:lvl6pPr eaLnBrk="1" hangingPunct="1">
+              <a:defRPr>
+                <a:solidFill>
+                  <a:schemeClr val="tx2"/>
+                </a:solidFill>
+              </a:defRPr>
+            </a:lvl6pPr>
+            <a:lvl7pPr eaLnBrk="1" hangingPunct="1">
+              <a:defRPr>
+                <a:solidFill>
+                  <a:schemeClr val="tx2"/>
+                </a:solidFill>
+              </a:defRPr>
+            </a:lvl7pPr>
+            <a:lvl8pPr eaLnBrk="1" hangingPunct="1">
+              <a:defRPr>
+                <a:solidFill>
+                  <a:schemeClr val="tx2"/>
+                </a:solidFill>
+              </a:defRPr>
+            </a:lvl8pPr>
+            <a:lvl9pPr eaLnBrk="1" hangingPunct="1">
+              <a:defRPr>
+                <a:solidFill>
+                  <a:schemeClr val="tx2"/>
+                </a:solidFill>
+              </a:defRPr>
+            </a:lvl9pPr>
+          </a:lstStyle>
+          <a:p>
+            <a:pPr algn="r" rtl="1"/>
+            <a:r>
+              <a:rPr lang="he-IL" sz="2000" dirty="0">
+                <a:latin typeface="Calibri Light" panose="020F0302020204030204" pitchFamily="34" charset="0"/>
+                <a:cs typeface="Calibri Light" panose="020F0302020204030204" pitchFamily="34" charset="0"/>
+              </a:rPr>
+              <a:t>ניתן להחתים לקוח גם ללא קליטת רשת, המסמך ישלח אוטומטית בחיבור</a:t>
+            </a:r>
+            <a:endParaRPr lang="en-US" sz="2000" dirty="0">
+              <a:latin typeface="Calibri Light" panose="020F0302020204030204" pitchFamily="34" charset="0"/>
+              <a:cs typeface="Calibri Light" panose="020F0302020204030204" pitchFamily="34" charset="0"/>
+            </a:endParaRPr>
+          </a:p>
+        </p:txBody>
+      </p:sp>
       <p:pic>
         <p:nvPicPr>
-          <p:cNvPr id="8" name="Graphic 7">
+          <p:cNvPr id="7" name="Picture 6" descr="A screenshot of a cell phone&#10;&#10;Description generated with very high confidence">
             <a:extLst>
               <a:ext uri="{FF2B5EF4-FFF2-40B4-BE49-F238E27FC236}">
-                <a16:creationId xmlns:a16="http://schemas.microsoft.com/office/drawing/2014/main" id="{B16CA255-B6C1-4BE6-BCD3-F8F112A93C45}"/>
+                <a16:creationId xmlns:a16="http://schemas.microsoft.com/office/drawing/2014/main" id="{3A3ED71C-E14E-4C33-A3C0-4DD455D3E7D6}"/>
               </a:ext>
             </a:extLst>
           </p:cNvPr>
@@ -8193,34 +10629,421 @@
           </p:cNvPicPr>
           <p:nvPr/>
         </p:nvPicPr>
-        <p:blipFill>
-          <a:blip r:embed="rId4">
-            <a:extLst>
-              <a:ext uri="{96DAC541-7B7A-43D3-8B79-37D633B846F1}">
-                <asvg:svgBlip xmlns:asvg="http://schemas.microsoft.com/office/drawing/2016/SVG/main" r:embed="rId5"/>
-              </a:ext>
-            </a:extLst>
-          </a:blip>
-          <a:stretch>
-            <a:fillRect/>
-          </a:stretch>
+        <p:blipFill rotWithShape="1">
+          <a:blip r:embed="rId3"/>
+          <a:srcRect t="9302" b="9302"/>
+          <a:stretch/>
         </p:blipFill>
         <p:spPr>
           <a:xfrm>
-            <a:off x="412660" y="4138284"/>
-            <a:ext cx="1901710" cy="1901710"/>
+            <a:off x="8125609" y="637953"/>
+            <a:ext cx="3167180" cy="5582095"/>
           </a:xfrm>
           <a:prstGeom prst="rect">
             <a:avLst/>
           </a:prstGeom>
         </p:spPr>
       </p:pic>
-      <p:sp>
-        <p:nvSpPr>
-          <p:cNvPr id="19" name="Title 1">
+    </p:spTree>
+    <p:extLst>
+      <p:ext uri="{BB962C8B-B14F-4D97-AF65-F5344CB8AC3E}">
+        <p14:creationId xmlns:p14="http://schemas.microsoft.com/office/powerpoint/2010/main" val="2113557850"/>
+      </p:ext>
+    </p:extLst>
+  </p:cSld>
+  <p:clrMapOvr>
+    <a:masterClrMapping/>
+  </p:clrMapOvr>
+</p:sld>
+</file>
+
+<file path=ppt/slides/slide6.xml><?xml version="1.0" encoding="utf-8"?>
+<p:sld xmlns:a="http://schemas.openxmlformats.org/drawingml/2006/main" xmlns:r="http://schemas.openxmlformats.org/officeDocument/2006/relationships" xmlns:p="http://schemas.openxmlformats.org/presentationml/2006/main">
+  <p:cSld>
+    <p:bg>
+      <p:bgPr>
+        <a:gradFill rotWithShape="1">
+          <a:gsLst>
+            <a:gs pos="10000">
+              <a:srgbClr val="077BB0"/>
+            </a:gs>
+            <a:gs pos="100000">
+              <a:schemeClr val="bg2">
+                <a:shade val="96000"/>
+                <a:satMod val="120000"/>
+                <a:lumMod val="90000"/>
+              </a:schemeClr>
+            </a:gs>
+          </a:gsLst>
+          <a:lin ang="6120000" scaled="1"/>
+        </a:gradFill>
+        <a:effectLst/>
+      </p:bgPr>
+    </p:bg>
+    <p:spTree>
+      <p:nvGrpSpPr>
+        <p:cNvPr id="1" name=""/>
+        <p:cNvGrpSpPr/>
+        <p:nvPr/>
+      </p:nvGrpSpPr>
+      <p:grpSpPr>
+        <a:xfrm>
+          <a:off x="0" y="0"/>
+          <a:ext cx="0" cy="0"/>
+          <a:chOff x="0" y="0"/>
+          <a:chExt cx="0" cy="0"/>
+        </a:xfrm>
+      </p:grpSpPr>
+      <p:sp>
+        <p:nvSpPr>
+          <p:cNvPr id="2" name="Title 1">
             <a:extLst>
               <a:ext uri="{FF2B5EF4-FFF2-40B4-BE49-F238E27FC236}">
-                <a16:creationId xmlns:a16="http://schemas.microsoft.com/office/drawing/2014/main" id="{53DD961D-E2BC-4570-809C-03749E340F41}"/>
+                <a16:creationId xmlns:a16="http://schemas.microsoft.com/office/drawing/2014/main" id="{075139A1-47D1-4DFF-9ED2-090E7EA273ED}"/>
+              </a:ext>
+            </a:extLst>
+          </p:cNvPr>
+          <p:cNvSpPr>
+            <a:spLocks noGrp="1"/>
+          </p:cNvSpPr>
+          <p:nvPr>
+            <p:ph type="ctrTitle"/>
+          </p:nvPr>
+        </p:nvSpPr>
+        <p:spPr>
+          <a:xfrm>
+            <a:off x="899211" y="637953"/>
+            <a:ext cx="6477178" cy="1195838"/>
+          </a:xfrm>
+        </p:spPr>
+        <p:txBody>
+          <a:bodyPr>
+            <a:normAutofit/>
+          </a:bodyPr>
+          <a:lstStyle/>
+          <a:p>
+            <a:pPr algn="r" rtl="1"/>
+            <a:r>
+              <a:rPr lang="he-IL" sz="6600" dirty="0">
+                <a:latin typeface="Calibri Light" panose="020F0302020204030204" pitchFamily="34" charset="0"/>
+                <a:cs typeface="Calibri Light" panose="020F0302020204030204" pitchFamily="34" charset="0"/>
+              </a:rPr>
+              <a:t>מסמך מעוצב וממותג</a:t>
+            </a:r>
+            <a:endParaRPr lang="en-US" sz="6600" dirty="0">
+              <a:latin typeface="Calibri Light" panose="020F0302020204030204" pitchFamily="34" charset="0"/>
+              <a:cs typeface="Calibri Light" panose="020F0302020204030204" pitchFamily="34" charset="0"/>
+            </a:endParaRPr>
+          </a:p>
+        </p:txBody>
+      </p:sp>
+      <p:grpSp>
+        <p:nvGrpSpPr>
+          <p:cNvPr id="3" name="Group 2">
+            <a:extLst>
+              <a:ext uri="{FF2B5EF4-FFF2-40B4-BE49-F238E27FC236}">
+                <a16:creationId xmlns:a16="http://schemas.microsoft.com/office/drawing/2014/main" id="{3FB285A1-CBCE-43EA-9F14-4340E1273418}"/>
+              </a:ext>
+            </a:extLst>
+          </p:cNvPr>
+          <p:cNvGrpSpPr/>
+          <p:nvPr/>
+        </p:nvGrpSpPr>
+        <p:grpSpPr>
+          <a:xfrm>
+            <a:off x="0" y="5936848"/>
+            <a:ext cx="3966267" cy="930288"/>
+            <a:chOff x="0" y="5936848"/>
+            <a:chExt cx="3966267" cy="930288"/>
+          </a:xfrm>
+        </p:grpSpPr>
+        <p:sp>
+          <p:nvSpPr>
+            <p:cNvPr id="9" name="Title 1">
+              <a:extLst>
+                <a:ext uri="{FF2B5EF4-FFF2-40B4-BE49-F238E27FC236}">
+                  <a16:creationId xmlns:a16="http://schemas.microsoft.com/office/drawing/2014/main" id="{9DFCF825-1E80-4155-B89F-20352DDD42EE}"/>
+                </a:ext>
+              </a:extLst>
+            </p:cNvPr>
+            <p:cNvSpPr txBox="1">
+              <a:spLocks/>
+            </p:cNvSpPr>
+            <p:nvPr/>
+          </p:nvSpPr>
+          <p:spPr>
+            <a:xfrm>
+              <a:off x="679509" y="5936848"/>
+              <a:ext cx="3286758" cy="422754"/>
+            </a:xfrm>
+            <a:prstGeom prst="rect">
+              <a:avLst/>
+            </a:prstGeom>
+            <a:effectLst/>
+          </p:spPr>
+          <p:txBody>
+            <a:bodyPr vert="horz" lIns="91440" tIns="45720" rIns="91440" bIns="45720" rtlCol="0" anchor="b">
+              <a:noAutofit/>
+            </a:bodyPr>
+            <a:lstStyle>
+              <a:lvl1pPr algn="l" defTabSz="457200" rtl="0" eaLnBrk="1" latinLnBrk="0" hangingPunct="1">
+                <a:spcBef>
+                  <a:spcPct val="0"/>
+                </a:spcBef>
+                <a:buNone/>
+                <a:defRPr sz="4800" kern="1200" cap="all">
+                  <a:ln w="3175" cmpd="sng">
+                    <a:noFill/>
+                  </a:ln>
+                  <a:solidFill>
+                    <a:schemeClr val="tx1"/>
+                  </a:solidFill>
+                  <a:effectLst/>
+                  <a:latin typeface="+mj-lt"/>
+                  <a:ea typeface="+mj-ea"/>
+                  <a:cs typeface="+mj-cs"/>
+                </a:defRPr>
+              </a:lvl1pPr>
+              <a:lvl2pPr eaLnBrk="1" hangingPunct="1">
+                <a:defRPr>
+                  <a:solidFill>
+                    <a:schemeClr val="tx2"/>
+                  </a:solidFill>
+                </a:defRPr>
+              </a:lvl2pPr>
+              <a:lvl3pPr eaLnBrk="1" hangingPunct="1">
+                <a:defRPr>
+                  <a:solidFill>
+                    <a:schemeClr val="tx2"/>
+                  </a:solidFill>
+                </a:defRPr>
+              </a:lvl3pPr>
+              <a:lvl4pPr eaLnBrk="1" hangingPunct="1">
+                <a:defRPr>
+                  <a:solidFill>
+                    <a:schemeClr val="tx2"/>
+                  </a:solidFill>
+                </a:defRPr>
+              </a:lvl4pPr>
+              <a:lvl5pPr eaLnBrk="1" hangingPunct="1">
+                <a:defRPr>
+                  <a:solidFill>
+                    <a:schemeClr val="tx2"/>
+                  </a:solidFill>
+                </a:defRPr>
+              </a:lvl5pPr>
+              <a:lvl6pPr eaLnBrk="1" hangingPunct="1">
+                <a:defRPr>
+                  <a:solidFill>
+                    <a:schemeClr val="tx2"/>
+                  </a:solidFill>
+                </a:defRPr>
+              </a:lvl6pPr>
+              <a:lvl7pPr eaLnBrk="1" hangingPunct="1">
+                <a:defRPr>
+                  <a:solidFill>
+                    <a:schemeClr val="tx2"/>
+                  </a:solidFill>
+                </a:defRPr>
+              </a:lvl7pPr>
+              <a:lvl8pPr eaLnBrk="1" hangingPunct="1">
+                <a:defRPr>
+                  <a:solidFill>
+                    <a:schemeClr val="tx2"/>
+                  </a:solidFill>
+                </a:defRPr>
+              </a:lvl8pPr>
+              <a:lvl9pPr eaLnBrk="1" hangingPunct="1">
+                <a:defRPr>
+                  <a:solidFill>
+                    <a:schemeClr val="tx2"/>
+                  </a:solidFill>
+                </a:defRPr>
+              </a:lvl9pPr>
+            </a:lstStyle>
+            <a:p>
+              <a:pPr algn="r"/>
+              <a:r>
+                <a:rPr lang="he-IL" sz="2400" dirty="0">
+                  <a:latin typeface="Calibri Light" panose="020F0302020204030204" pitchFamily="34" charset="0"/>
+                  <a:cs typeface="Calibri Light" panose="020F0302020204030204" pitchFamily="34" charset="0"/>
+                </a:rPr>
+                <a:t>סרוק להורדת האפליקציה</a:t>
+              </a:r>
+              <a:endParaRPr lang="en-US" sz="2400" dirty="0">
+                <a:latin typeface="Calibri Light" panose="020F0302020204030204" pitchFamily="34" charset="0"/>
+                <a:cs typeface="Calibri Light" panose="020F0302020204030204" pitchFamily="34" charset="0"/>
+              </a:endParaRPr>
+            </a:p>
+          </p:txBody>
+        </p:sp>
+        <p:pic>
+          <p:nvPicPr>
+            <p:cNvPr id="10" name="Picture 9">
+              <a:extLst>
+                <a:ext uri="{FF2B5EF4-FFF2-40B4-BE49-F238E27FC236}">
+                  <a16:creationId xmlns:a16="http://schemas.microsoft.com/office/drawing/2014/main" id="{AE6F4AAB-65B4-4686-A5F0-2E862D57CFCC}"/>
+                </a:ext>
+              </a:extLst>
+            </p:cNvPr>
+            <p:cNvPicPr>
+              <a:picLocks noChangeAspect="1"/>
+            </p:cNvPicPr>
+            <p:nvPr/>
+          </p:nvPicPr>
+          <p:blipFill>
+            <a:blip r:embed="rId2"/>
+            <a:stretch>
+              <a:fillRect/>
+            </a:stretch>
+          </p:blipFill>
+          <p:spPr>
+            <a:xfrm>
+              <a:off x="0" y="6035355"/>
+              <a:ext cx="822645" cy="822645"/>
+            </a:xfrm>
+            <a:prstGeom prst="rect">
+              <a:avLst/>
+            </a:prstGeom>
+          </p:spPr>
+        </p:pic>
+        <p:sp>
+          <p:nvSpPr>
+            <p:cNvPr id="11" name="Title 1">
+              <a:extLst>
+                <a:ext uri="{FF2B5EF4-FFF2-40B4-BE49-F238E27FC236}">
+                  <a16:creationId xmlns:a16="http://schemas.microsoft.com/office/drawing/2014/main" id="{56D85B73-4236-4F21-AE55-ED4605F6634D}"/>
+                </a:ext>
+              </a:extLst>
+            </p:cNvPr>
+            <p:cNvSpPr txBox="1">
+              <a:spLocks/>
+            </p:cNvSpPr>
+            <p:nvPr/>
+          </p:nvSpPr>
+          <p:spPr>
+            <a:xfrm>
+              <a:off x="899211" y="6294521"/>
+              <a:ext cx="3067055" cy="572615"/>
+            </a:xfrm>
+            <a:prstGeom prst="rect">
+              <a:avLst/>
+            </a:prstGeom>
+            <a:effectLst/>
+          </p:spPr>
+          <p:txBody>
+            <a:bodyPr vert="horz" lIns="91440" tIns="45720" rIns="91440" bIns="45720" rtlCol="0" anchor="b">
+              <a:noAutofit/>
+            </a:bodyPr>
+            <a:lstStyle>
+              <a:lvl1pPr algn="l" defTabSz="457200" rtl="0" eaLnBrk="1" latinLnBrk="0" hangingPunct="1">
+                <a:spcBef>
+                  <a:spcPct val="0"/>
+                </a:spcBef>
+                <a:buNone/>
+                <a:defRPr sz="4800" kern="1200" cap="all">
+                  <a:ln w="3175" cmpd="sng">
+                    <a:noFill/>
+                  </a:ln>
+                  <a:solidFill>
+                    <a:schemeClr val="tx1"/>
+                  </a:solidFill>
+                  <a:effectLst/>
+                  <a:latin typeface="+mj-lt"/>
+                  <a:ea typeface="+mj-ea"/>
+                  <a:cs typeface="+mj-cs"/>
+                </a:defRPr>
+              </a:lvl1pPr>
+              <a:lvl2pPr eaLnBrk="1" hangingPunct="1">
+                <a:defRPr>
+                  <a:solidFill>
+                    <a:schemeClr val="tx2"/>
+                  </a:solidFill>
+                </a:defRPr>
+              </a:lvl2pPr>
+              <a:lvl3pPr eaLnBrk="1" hangingPunct="1">
+                <a:defRPr>
+                  <a:solidFill>
+                    <a:schemeClr val="tx2"/>
+                  </a:solidFill>
+                </a:defRPr>
+              </a:lvl3pPr>
+              <a:lvl4pPr eaLnBrk="1" hangingPunct="1">
+                <a:defRPr>
+                  <a:solidFill>
+                    <a:schemeClr val="tx2"/>
+                  </a:solidFill>
+                </a:defRPr>
+              </a:lvl4pPr>
+              <a:lvl5pPr eaLnBrk="1" hangingPunct="1">
+                <a:defRPr>
+                  <a:solidFill>
+                    <a:schemeClr val="tx2"/>
+                  </a:solidFill>
+                </a:defRPr>
+              </a:lvl5pPr>
+              <a:lvl6pPr eaLnBrk="1" hangingPunct="1">
+                <a:defRPr>
+                  <a:solidFill>
+                    <a:schemeClr val="tx2"/>
+                  </a:solidFill>
+                </a:defRPr>
+              </a:lvl6pPr>
+              <a:lvl7pPr eaLnBrk="1" hangingPunct="1">
+                <a:defRPr>
+                  <a:solidFill>
+                    <a:schemeClr val="tx2"/>
+                  </a:solidFill>
+                </a:defRPr>
+              </a:lvl7pPr>
+              <a:lvl8pPr eaLnBrk="1" hangingPunct="1">
+                <a:defRPr>
+                  <a:solidFill>
+                    <a:schemeClr val="tx2"/>
+                  </a:solidFill>
+                </a:defRPr>
+              </a:lvl8pPr>
+              <a:lvl9pPr eaLnBrk="1" hangingPunct="1">
+                <a:defRPr>
+                  <a:solidFill>
+                    <a:schemeClr val="tx2"/>
+                  </a:solidFill>
+                </a:defRPr>
+              </a:lvl9pPr>
+            </a:lstStyle>
+            <a:p>
+              <a:pPr algn="r"/>
+              <a:r>
+                <a:rPr lang="he-IL" sz="1600" dirty="0">
+                  <a:latin typeface="Calibri Light" panose="020F0302020204030204" pitchFamily="34" charset="0"/>
+                  <a:cs typeface="Calibri Light" panose="020F0302020204030204" pitchFamily="34" charset="0"/>
+                </a:rPr>
+                <a:t>10 החתמות חינם</a:t>
+              </a:r>
+            </a:p>
+            <a:p>
+              <a:pPr algn="r"/>
+              <a:r>
+                <a:rPr lang="he-IL" sz="1600" dirty="0">
+                  <a:latin typeface="Calibri Light" panose="020F0302020204030204" pitchFamily="34" charset="0"/>
+                  <a:cs typeface="Calibri Light" panose="020F0302020204030204" pitchFamily="34" charset="0"/>
+                </a:rPr>
+                <a:t>10% הנחה לנרשמים בכנס</a:t>
+              </a:r>
+              <a:endParaRPr lang="en-US" sz="1600" dirty="0">
+                <a:latin typeface="Calibri Light" panose="020F0302020204030204" pitchFamily="34" charset="0"/>
+                <a:cs typeface="Calibri Light" panose="020F0302020204030204" pitchFamily="34" charset="0"/>
+              </a:endParaRPr>
+            </a:p>
+          </p:txBody>
+        </p:sp>
+      </p:grpSp>
+      <p:sp>
+        <p:nvSpPr>
+          <p:cNvPr id="13" name="Title 1">
+            <a:extLst>
+              <a:ext uri="{FF2B5EF4-FFF2-40B4-BE49-F238E27FC236}">
+                <a16:creationId xmlns:a16="http://schemas.microsoft.com/office/drawing/2014/main" id="{C4A36E4D-886D-4174-A880-108CEBB73B4D}"/>
               </a:ext>
             </a:extLst>
           </p:cNvPr>
@@ -8231,8 +11054,8 @@
         </p:nvSpPr>
         <p:spPr>
           <a:xfrm>
-            <a:off x="4497354" y="3745695"/>
-            <a:ext cx="4930858" cy="718579"/>
+            <a:off x="2879035" y="1832174"/>
+            <a:ext cx="4497356" cy="718579"/>
           </a:xfrm>
           <a:prstGeom prst="rect">
             <a:avLst/>
@@ -8320,15 +11143,15 @@
             </a:lvl9pPr>
           </a:lstStyle>
           <a:p>
-            <a:pPr algn="ctr"/>
+            <a:pPr algn="r"/>
             <a:r>
-              <a:rPr lang="he-IL" sz="4400" dirty="0">
+              <a:rPr lang="he-IL" sz="4000" dirty="0">
                 <a:latin typeface="Calibri Light" panose="020F0302020204030204" pitchFamily="34" charset="0"/>
                 <a:cs typeface="Calibri Light" panose="020F0302020204030204" pitchFamily="34" charset="0"/>
               </a:rPr>
-              <a:t>דור חדש של לקוחות</a:t>
+              <a:t>חתום דיגיטלית</a:t>
             </a:r>
-            <a:endParaRPr lang="en-US" sz="4400" dirty="0">
+            <a:endParaRPr lang="en-US" sz="4000" dirty="0">
               <a:latin typeface="Calibri Light" panose="020F0302020204030204" pitchFamily="34" charset="0"/>
               <a:cs typeface="Calibri Light" panose="020F0302020204030204" pitchFamily="34" charset="0"/>
             </a:endParaRPr>
@@ -8337,10 +11160,10 @@
       </p:sp>
       <p:sp>
         <p:nvSpPr>
-          <p:cNvPr id="22" name="Title 1">
+          <p:cNvPr id="14" name="Title 1">
             <a:extLst>
               <a:ext uri="{FF2B5EF4-FFF2-40B4-BE49-F238E27FC236}">
-                <a16:creationId xmlns:a16="http://schemas.microsoft.com/office/drawing/2014/main" id="{2348A5AB-D424-46DF-8D45-E08F7EEBA50C}"/>
+                <a16:creationId xmlns:a16="http://schemas.microsoft.com/office/drawing/2014/main" id="{9A3CB04B-D300-4F96-B614-A4F95DD8CE23}"/>
               </a:ext>
             </a:extLst>
           </p:cNvPr>
@@ -8351,8 +11174,8 @@
         </p:nvSpPr>
         <p:spPr>
           <a:xfrm>
-            <a:off x="5412320" y="4537434"/>
-            <a:ext cx="3582390" cy="981199"/>
+            <a:off x="3193774" y="2729948"/>
+            <a:ext cx="4182617" cy="875164"/>
           </a:xfrm>
           <a:prstGeom prst="rect">
             <a:avLst/>
@@ -8440,13 +11263,13 @@
             </a:lvl9pPr>
           </a:lstStyle>
           <a:p>
-            <a:pPr algn="just" rtl="1"/>
+            <a:pPr algn="r" rtl="1"/>
             <a:r>
               <a:rPr lang="he-IL" sz="2000" dirty="0">
                 <a:latin typeface="Calibri Light" panose="020F0302020204030204" pitchFamily="34" charset="0"/>
                 <a:cs typeface="Calibri Light" panose="020F0302020204030204" pitchFamily="34" charset="0"/>
               </a:rPr>
-              <a:t>הזוגות הצעירים של המחר נולדו לעידן הסמארטפון. מי שלא יתקדם לדיגיטל לא וכל לתקשר איתם</a:t>
+              <a:t>המסמך נשלח אוטומטית ללקוח (העתק) ולסוכן (מקור) כמו גם לבעל המשרד</a:t>
             </a:r>
             <a:endParaRPr lang="en-US" sz="2000" dirty="0">
               <a:latin typeface="Calibri Light" panose="020F0302020204030204" pitchFamily="34" charset="0"/>
@@ -8455,10 +11278,279 @@
           </a:p>
         </p:txBody>
       </p:sp>
+      <p:sp>
+        <p:nvSpPr>
+          <p:cNvPr id="15" name="Title 1">
+            <a:extLst>
+              <a:ext uri="{FF2B5EF4-FFF2-40B4-BE49-F238E27FC236}">
+                <a16:creationId xmlns:a16="http://schemas.microsoft.com/office/drawing/2014/main" id="{A4DD7AA6-A9E9-4725-B683-FCF2AFC12722}"/>
+              </a:ext>
+            </a:extLst>
+          </p:cNvPr>
+          <p:cNvSpPr txBox="1">
+            <a:spLocks/>
+          </p:cNvSpPr>
+          <p:nvPr/>
+        </p:nvSpPr>
+        <p:spPr>
+          <a:xfrm>
+            <a:off x="3193773" y="3605112"/>
+            <a:ext cx="4182617" cy="875164"/>
+          </a:xfrm>
+          <a:prstGeom prst="rect">
+            <a:avLst/>
+          </a:prstGeom>
+          <a:effectLst/>
+        </p:spPr>
+        <p:txBody>
+          <a:bodyPr vert="horz" lIns="91440" tIns="45720" rIns="91440" bIns="45720" rtlCol="0" anchor="b">
+            <a:noAutofit/>
+          </a:bodyPr>
+          <a:lstStyle>
+            <a:lvl1pPr algn="l" defTabSz="457200" rtl="0" eaLnBrk="1" latinLnBrk="0" hangingPunct="1">
+              <a:spcBef>
+                <a:spcPct val="0"/>
+              </a:spcBef>
+              <a:buNone/>
+              <a:defRPr sz="4800" kern="1200" cap="all">
+                <a:ln w="3175" cmpd="sng">
+                  <a:noFill/>
+                </a:ln>
+                <a:solidFill>
+                  <a:schemeClr val="tx1"/>
+                </a:solidFill>
+                <a:effectLst/>
+                <a:latin typeface="+mj-lt"/>
+                <a:ea typeface="+mj-ea"/>
+                <a:cs typeface="+mj-cs"/>
+              </a:defRPr>
+            </a:lvl1pPr>
+            <a:lvl2pPr eaLnBrk="1" hangingPunct="1">
+              <a:defRPr>
+                <a:solidFill>
+                  <a:schemeClr val="tx2"/>
+                </a:solidFill>
+              </a:defRPr>
+            </a:lvl2pPr>
+            <a:lvl3pPr eaLnBrk="1" hangingPunct="1">
+              <a:defRPr>
+                <a:solidFill>
+                  <a:schemeClr val="tx2"/>
+                </a:solidFill>
+              </a:defRPr>
+            </a:lvl3pPr>
+            <a:lvl4pPr eaLnBrk="1" hangingPunct="1">
+              <a:defRPr>
+                <a:solidFill>
+                  <a:schemeClr val="tx2"/>
+                </a:solidFill>
+              </a:defRPr>
+            </a:lvl4pPr>
+            <a:lvl5pPr eaLnBrk="1" hangingPunct="1">
+              <a:defRPr>
+                <a:solidFill>
+                  <a:schemeClr val="tx2"/>
+                </a:solidFill>
+              </a:defRPr>
+            </a:lvl5pPr>
+            <a:lvl6pPr eaLnBrk="1" hangingPunct="1">
+              <a:defRPr>
+                <a:solidFill>
+                  <a:schemeClr val="tx2"/>
+                </a:solidFill>
+              </a:defRPr>
+            </a:lvl6pPr>
+            <a:lvl7pPr eaLnBrk="1" hangingPunct="1">
+              <a:defRPr>
+                <a:solidFill>
+                  <a:schemeClr val="tx2"/>
+                </a:solidFill>
+              </a:defRPr>
+            </a:lvl7pPr>
+            <a:lvl8pPr eaLnBrk="1" hangingPunct="1">
+              <a:defRPr>
+                <a:solidFill>
+                  <a:schemeClr val="tx2"/>
+                </a:solidFill>
+              </a:defRPr>
+            </a:lvl8pPr>
+            <a:lvl9pPr eaLnBrk="1" hangingPunct="1">
+              <a:defRPr>
+                <a:solidFill>
+                  <a:schemeClr val="tx2"/>
+                </a:solidFill>
+              </a:defRPr>
+            </a:lvl9pPr>
+          </a:lstStyle>
+          <a:p>
+            <a:pPr algn="r" rtl="1"/>
+            <a:r>
+              <a:rPr lang="he-IL" sz="2000" dirty="0">
+                <a:latin typeface="Calibri Light" panose="020F0302020204030204" pitchFamily="34" charset="0"/>
+                <a:cs typeface="Calibri Light" panose="020F0302020204030204" pitchFamily="34" charset="0"/>
+              </a:rPr>
+              <a:t>טופס מעוצב במבנה אחיד, אימייל ניתן להתאמה עם תוכן שיווקי</a:t>
+            </a:r>
+            <a:endParaRPr lang="en-US" sz="2000" dirty="0">
+              <a:latin typeface="Calibri Light" panose="020F0302020204030204" pitchFamily="34" charset="0"/>
+              <a:cs typeface="Calibri Light" panose="020F0302020204030204" pitchFamily="34" charset="0"/>
+            </a:endParaRPr>
+          </a:p>
+        </p:txBody>
+      </p:sp>
+      <p:sp>
+        <p:nvSpPr>
+          <p:cNvPr id="16" name="Title 1">
+            <a:extLst>
+              <a:ext uri="{FF2B5EF4-FFF2-40B4-BE49-F238E27FC236}">
+                <a16:creationId xmlns:a16="http://schemas.microsoft.com/office/drawing/2014/main" id="{2927A884-5D37-4132-9A84-14428EF7656D}"/>
+              </a:ext>
+            </a:extLst>
+          </p:cNvPr>
+          <p:cNvSpPr txBox="1">
+            <a:spLocks/>
+          </p:cNvSpPr>
+          <p:nvPr/>
+        </p:nvSpPr>
+        <p:spPr>
+          <a:xfrm>
+            <a:off x="3193772" y="4512234"/>
+            <a:ext cx="4182617" cy="875164"/>
+          </a:xfrm>
+          <a:prstGeom prst="rect">
+            <a:avLst/>
+          </a:prstGeom>
+          <a:effectLst/>
+        </p:spPr>
+        <p:txBody>
+          <a:bodyPr vert="horz" lIns="91440" tIns="45720" rIns="91440" bIns="45720" rtlCol="0" anchor="b">
+            <a:noAutofit/>
+          </a:bodyPr>
+          <a:lstStyle>
+            <a:lvl1pPr algn="l" defTabSz="457200" rtl="0" eaLnBrk="1" latinLnBrk="0" hangingPunct="1">
+              <a:spcBef>
+                <a:spcPct val="0"/>
+              </a:spcBef>
+              <a:buNone/>
+              <a:defRPr sz="4800" kern="1200" cap="all">
+                <a:ln w="3175" cmpd="sng">
+                  <a:noFill/>
+                </a:ln>
+                <a:solidFill>
+                  <a:schemeClr val="tx1"/>
+                </a:solidFill>
+                <a:effectLst/>
+                <a:latin typeface="+mj-lt"/>
+                <a:ea typeface="+mj-ea"/>
+                <a:cs typeface="+mj-cs"/>
+              </a:defRPr>
+            </a:lvl1pPr>
+            <a:lvl2pPr eaLnBrk="1" hangingPunct="1">
+              <a:defRPr>
+                <a:solidFill>
+                  <a:schemeClr val="tx2"/>
+                </a:solidFill>
+              </a:defRPr>
+            </a:lvl2pPr>
+            <a:lvl3pPr eaLnBrk="1" hangingPunct="1">
+              <a:defRPr>
+                <a:solidFill>
+                  <a:schemeClr val="tx2"/>
+                </a:solidFill>
+              </a:defRPr>
+            </a:lvl3pPr>
+            <a:lvl4pPr eaLnBrk="1" hangingPunct="1">
+              <a:defRPr>
+                <a:solidFill>
+                  <a:schemeClr val="tx2"/>
+                </a:solidFill>
+              </a:defRPr>
+            </a:lvl4pPr>
+            <a:lvl5pPr eaLnBrk="1" hangingPunct="1">
+              <a:defRPr>
+                <a:solidFill>
+                  <a:schemeClr val="tx2"/>
+                </a:solidFill>
+              </a:defRPr>
+            </a:lvl5pPr>
+            <a:lvl6pPr eaLnBrk="1" hangingPunct="1">
+              <a:defRPr>
+                <a:solidFill>
+                  <a:schemeClr val="tx2"/>
+                </a:solidFill>
+              </a:defRPr>
+            </a:lvl6pPr>
+            <a:lvl7pPr eaLnBrk="1" hangingPunct="1">
+              <a:defRPr>
+                <a:solidFill>
+                  <a:schemeClr val="tx2"/>
+                </a:solidFill>
+              </a:defRPr>
+            </a:lvl7pPr>
+            <a:lvl8pPr eaLnBrk="1" hangingPunct="1">
+              <a:defRPr>
+                <a:solidFill>
+                  <a:schemeClr val="tx2"/>
+                </a:solidFill>
+              </a:defRPr>
+            </a:lvl8pPr>
+            <a:lvl9pPr eaLnBrk="1" hangingPunct="1">
+              <a:defRPr>
+                <a:solidFill>
+                  <a:schemeClr val="tx2"/>
+                </a:solidFill>
+              </a:defRPr>
+            </a:lvl9pPr>
+          </a:lstStyle>
+          <a:p>
+            <a:pPr algn="r" rtl="1"/>
+            <a:r>
+              <a:rPr lang="he-IL" sz="2000" dirty="0">
+                <a:latin typeface="Calibri Light" panose="020F0302020204030204" pitchFamily="34" charset="0"/>
+                <a:cs typeface="Calibri Light" panose="020F0302020204030204" pitchFamily="34" charset="0"/>
+              </a:rPr>
+              <a:t>ניתן להחתים לקוח גם ללא קליטת רשת, המסמך ישלח אוטומטית בחיבור</a:t>
+            </a:r>
+            <a:endParaRPr lang="en-US" sz="2000" dirty="0">
+              <a:latin typeface="Calibri Light" panose="020F0302020204030204" pitchFamily="34" charset="0"/>
+              <a:cs typeface="Calibri Light" panose="020F0302020204030204" pitchFamily="34" charset="0"/>
+            </a:endParaRPr>
+          </a:p>
+        </p:txBody>
+      </p:sp>
+      <p:pic>
+        <p:nvPicPr>
+          <p:cNvPr id="7" name="Picture 6" descr="A screenshot of a cell phone&#10;&#10;Description generated with very high confidence">
+            <a:extLst>
+              <a:ext uri="{FF2B5EF4-FFF2-40B4-BE49-F238E27FC236}">
+                <a16:creationId xmlns:a16="http://schemas.microsoft.com/office/drawing/2014/main" id="{3A3ED71C-E14E-4C33-A3C0-4DD455D3E7D6}"/>
+              </a:ext>
+            </a:extLst>
+          </p:cNvPr>
+          <p:cNvPicPr>
+            <a:picLocks noChangeAspect="1"/>
+          </p:cNvPicPr>
+          <p:nvPr/>
+        </p:nvPicPr>
+        <p:blipFill rotWithShape="1">
+          <a:blip r:embed="rId3"/>
+          <a:srcRect t="9302" b="9302"/>
+          <a:stretch/>
+        </p:blipFill>
+        <p:spPr>
+          <a:xfrm>
+            <a:off x="8125609" y="637953"/>
+            <a:ext cx="3167180" cy="5582095"/>
+          </a:xfrm>
+          <a:prstGeom prst="rect">
+            <a:avLst/>
+          </a:prstGeom>
+        </p:spPr>
+      </p:pic>
     </p:spTree>
     <p:extLst>
       <p:ext uri="{BB962C8B-B14F-4D97-AF65-F5344CB8AC3E}">
-        <p14:creationId xmlns:p14="http://schemas.microsoft.com/office/powerpoint/2010/main" val="3144012772"/>
+        <p14:creationId xmlns:p14="http://schemas.microsoft.com/office/powerpoint/2010/main" val="1624614490"/>
       </p:ext>
     </p:extLst>
   </p:cSld>

--- a/redox.pptx
+++ b/redox.pptx
@@ -11,6 +11,7 @@
     <p:sldId id="258" r:id="rId5"/>
     <p:sldId id="260" r:id="rId6"/>
     <p:sldId id="261" r:id="rId7"/>
+    <p:sldId id="262" r:id="rId8"/>
   </p:sldIdLst>
   <p:sldSz cx="12192000" cy="6858000"/>
   <p:notesSz cx="6858000" cy="9144000"/>
@@ -363,6 +364,18 @@
   <p:clrMapOvr>
     <a:masterClrMapping/>
   </p:clrMapOvr>
+  <mc:AlternateContent xmlns:mc="http://schemas.openxmlformats.org/markup-compatibility/2006">
+    <mc:Choice xmlns:p159="http://schemas.microsoft.com/office/powerpoint/2015/09/main" Requires="p159">
+      <p:transition spd="slow" advTm="10000">
+        <p159:morph option="byObject"/>
+      </p:transition>
+    </mc:Choice>
+    <mc:Fallback>
+      <p:transition spd="slow" advTm="10000">
+        <p:fade/>
+      </p:transition>
+    </mc:Fallback>
+  </mc:AlternateContent>
 </p:sldLayout>
 </file>
 
@@ -621,6 +634,18 @@
   <p:clrMapOvr>
     <a:masterClrMapping/>
   </p:clrMapOvr>
+  <mc:AlternateContent xmlns:mc="http://schemas.openxmlformats.org/markup-compatibility/2006">
+    <mc:Choice xmlns:p159="http://schemas.microsoft.com/office/powerpoint/2015/09/main" Requires="p159">
+      <p:transition spd="slow" advTm="10000">
+        <p159:morph option="byObject"/>
+      </p:transition>
+    </mc:Choice>
+    <mc:Fallback>
+      <p:transition spd="slow" advTm="10000">
+        <p:fade/>
+      </p:transition>
+    </mc:Fallback>
+  </mc:AlternateContent>
 </p:sldLayout>
 </file>
 
@@ -868,6 +893,18 @@
   <p:clrMapOvr>
     <a:masterClrMapping/>
   </p:clrMapOvr>
+  <mc:AlternateContent xmlns:mc="http://schemas.openxmlformats.org/markup-compatibility/2006">
+    <mc:Choice xmlns:p159="http://schemas.microsoft.com/office/powerpoint/2015/09/main" Requires="p159">
+      <p:transition spd="slow" advTm="10000">
+        <p159:morph option="byObject"/>
+      </p:transition>
+    </mc:Choice>
+    <mc:Fallback>
+      <p:transition spd="slow" advTm="10000">
+        <p:fade/>
+      </p:transition>
+    </mc:Fallback>
+  </mc:AlternateContent>
 </p:sldLayout>
 </file>
 
@@ -1241,6 +1278,18 @@
   <p:clrMapOvr>
     <a:masterClrMapping/>
   </p:clrMapOvr>
+  <mc:AlternateContent xmlns:mc="http://schemas.openxmlformats.org/markup-compatibility/2006">
+    <mc:Choice xmlns:p159="http://schemas.microsoft.com/office/powerpoint/2015/09/main" Requires="p159">
+      <p:transition spd="slow" advTm="10000">
+        <p159:morph option="byObject"/>
+      </p:transition>
+    </mc:Choice>
+    <mc:Fallback>
+      <p:transition spd="slow" advTm="10000">
+        <p:fade/>
+      </p:transition>
+    </mc:Fallback>
+  </mc:AlternateContent>
 </p:sldLayout>
 </file>
 
@@ -1488,6 +1537,18 @@
   <p:clrMapOvr>
     <a:masterClrMapping/>
   </p:clrMapOvr>
+  <mc:AlternateContent xmlns:mc="http://schemas.openxmlformats.org/markup-compatibility/2006">
+    <mc:Choice xmlns:p159="http://schemas.microsoft.com/office/powerpoint/2015/09/main" Requires="p159">
+      <p:transition spd="slow" advTm="10000">
+        <p159:morph option="byObject"/>
+      </p:transition>
+    </mc:Choice>
+    <mc:Fallback>
+      <p:transition spd="slow" advTm="10000">
+        <p:fade/>
+      </p:transition>
+    </mc:Fallback>
+  </mc:AlternateContent>
 </p:sldLayout>
 </file>
 
@@ -1855,6 +1916,18 @@
   <p:clrMapOvr>
     <a:masterClrMapping/>
   </p:clrMapOvr>
+  <mc:AlternateContent xmlns:mc="http://schemas.openxmlformats.org/markup-compatibility/2006">
+    <mc:Choice xmlns:p159="http://schemas.microsoft.com/office/powerpoint/2015/09/main" Requires="p159">
+      <p:transition spd="slow" advTm="10000">
+        <p159:morph option="byObject"/>
+      </p:transition>
+    </mc:Choice>
+    <mc:Fallback>
+      <p:transition spd="slow" advTm="10000">
+        <p:fade/>
+      </p:transition>
+    </mc:Fallback>
+  </mc:AlternateContent>
 </p:sldLayout>
 </file>
 
@@ -2151,6 +2224,18 @@
   <p:clrMapOvr>
     <a:masterClrMapping/>
   </p:clrMapOvr>
+  <mc:AlternateContent xmlns:mc="http://schemas.openxmlformats.org/markup-compatibility/2006">
+    <mc:Choice xmlns:p159="http://schemas.microsoft.com/office/powerpoint/2015/09/main" Requires="p159">
+      <p:transition spd="slow" advTm="10000">
+        <p159:morph option="byObject"/>
+      </p:transition>
+    </mc:Choice>
+    <mc:Fallback>
+      <p:transition spd="slow" advTm="10000">
+        <p:fade/>
+      </p:transition>
+    </mc:Fallback>
+  </mc:AlternateContent>
 </p:sldLayout>
 </file>
 
@@ -2322,6 +2407,18 @@
   <p:clrMapOvr>
     <a:masterClrMapping/>
   </p:clrMapOvr>
+  <mc:AlternateContent xmlns:mc="http://schemas.openxmlformats.org/markup-compatibility/2006">
+    <mc:Choice xmlns:p159="http://schemas.microsoft.com/office/powerpoint/2015/09/main" Requires="p159">
+      <p:transition spd="slow" advTm="10000">
+        <p159:morph option="byObject"/>
+      </p:transition>
+    </mc:Choice>
+    <mc:Fallback>
+      <p:transition spd="slow" advTm="10000">
+        <p:fade/>
+      </p:transition>
+    </mc:Fallback>
+  </mc:AlternateContent>
 </p:sldLayout>
 </file>
 
@@ -2499,6 +2596,18 @@
   <p:clrMapOvr>
     <a:masterClrMapping/>
   </p:clrMapOvr>
+  <mc:AlternateContent xmlns:mc="http://schemas.openxmlformats.org/markup-compatibility/2006">
+    <mc:Choice xmlns:p159="http://schemas.microsoft.com/office/powerpoint/2015/09/main" Requires="p159">
+      <p:transition spd="slow" advTm="10000">
+        <p159:morph option="byObject"/>
+      </p:transition>
+    </mc:Choice>
+    <mc:Fallback>
+      <p:transition spd="slow" advTm="10000">
+        <p:fade/>
+      </p:transition>
+    </mc:Fallback>
+  </mc:AlternateContent>
 </p:sldLayout>
 </file>
 
@@ -2666,6 +2775,18 @@
   <p:clrMapOvr>
     <a:masterClrMapping/>
   </p:clrMapOvr>
+  <mc:AlternateContent xmlns:mc="http://schemas.openxmlformats.org/markup-compatibility/2006">
+    <mc:Choice xmlns:p159="http://schemas.microsoft.com/office/powerpoint/2015/09/main" Requires="p159">
+      <p:transition spd="slow" advTm="10000">
+        <p159:morph option="byObject"/>
+      </p:transition>
+    </mc:Choice>
+    <mc:Fallback>
+      <p:transition spd="slow" advTm="10000">
+        <p:fade/>
+      </p:transition>
+    </mc:Fallback>
+  </mc:AlternateContent>
 </p:sldLayout>
 </file>
 
@@ -2913,6 +3034,18 @@
   <p:clrMapOvr>
     <a:masterClrMapping/>
   </p:clrMapOvr>
+  <mc:AlternateContent xmlns:mc="http://schemas.openxmlformats.org/markup-compatibility/2006">
+    <mc:Choice xmlns:p159="http://schemas.microsoft.com/office/powerpoint/2015/09/main" Requires="p159">
+      <p:transition spd="slow" advTm="10000">
+        <p159:morph option="byObject"/>
+      </p:transition>
+    </mc:Choice>
+    <mc:Fallback>
+      <p:transition spd="slow" advTm="10000">
+        <p:fade/>
+      </p:transition>
+    </mc:Fallback>
+  </mc:AlternateContent>
 </p:sldLayout>
 </file>
 
@@ -3146,6 +3279,18 @@
   <p:clrMapOvr>
     <a:masterClrMapping/>
   </p:clrMapOvr>
+  <mc:AlternateContent xmlns:mc="http://schemas.openxmlformats.org/markup-compatibility/2006">
+    <mc:Choice xmlns:p159="http://schemas.microsoft.com/office/powerpoint/2015/09/main" Requires="p159">
+      <p:transition spd="slow" advTm="10000">
+        <p159:morph option="byObject"/>
+      </p:transition>
+    </mc:Choice>
+    <mc:Fallback>
+      <p:transition spd="slow" advTm="10000">
+        <p:fade/>
+      </p:transition>
+    </mc:Fallback>
+  </mc:AlternateContent>
 </p:sldLayout>
 </file>
 
@@ -3525,6 +3670,18 @@
   <p:clrMapOvr>
     <a:masterClrMapping/>
   </p:clrMapOvr>
+  <mc:AlternateContent xmlns:mc="http://schemas.openxmlformats.org/markup-compatibility/2006">
+    <mc:Choice xmlns:p159="http://schemas.microsoft.com/office/powerpoint/2015/09/main" Requires="p159">
+      <p:transition spd="slow" advTm="10000">
+        <p159:morph option="byObject"/>
+      </p:transition>
+    </mc:Choice>
+    <mc:Fallback>
+      <p:transition spd="slow" advTm="10000">
+        <p:fade/>
+      </p:transition>
+    </mc:Fallback>
+  </mc:AlternateContent>
 </p:sldLayout>
 </file>
 
@@ -3640,6 +3797,18 @@
   <p:clrMapOvr>
     <a:masterClrMapping/>
   </p:clrMapOvr>
+  <mc:AlternateContent xmlns:mc="http://schemas.openxmlformats.org/markup-compatibility/2006">
+    <mc:Choice xmlns:p159="http://schemas.microsoft.com/office/powerpoint/2015/09/main" Requires="p159">
+      <p:transition spd="slow" advTm="10000">
+        <p159:morph option="byObject"/>
+      </p:transition>
+    </mc:Choice>
+    <mc:Fallback>
+      <p:transition spd="slow" advTm="10000">
+        <p:fade/>
+      </p:transition>
+    </mc:Fallback>
+  </mc:AlternateContent>
 </p:sldLayout>
 </file>
 
@@ -3732,6 +3901,18 @@
   <p:clrMapOvr>
     <a:masterClrMapping/>
   </p:clrMapOvr>
+  <mc:AlternateContent xmlns:mc="http://schemas.openxmlformats.org/markup-compatibility/2006">
+    <mc:Choice xmlns:p159="http://schemas.microsoft.com/office/powerpoint/2015/09/main" Requires="p159">
+      <p:transition spd="slow" advTm="10000">
+        <p159:morph option="byObject"/>
+      </p:transition>
+    </mc:Choice>
+    <mc:Fallback>
+      <p:transition spd="slow" advTm="10000">
+        <p:fade/>
+      </p:transition>
+    </mc:Fallback>
+  </mc:AlternateContent>
 </p:sldLayout>
 </file>
 
@@ -3984,6 +4165,18 @@
   <p:clrMapOvr>
     <a:masterClrMapping/>
   </p:clrMapOvr>
+  <mc:AlternateContent xmlns:mc="http://schemas.openxmlformats.org/markup-compatibility/2006">
+    <mc:Choice xmlns:p159="http://schemas.microsoft.com/office/powerpoint/2015/09/main" Requires="p159">
+      <p:transition spd="slow" advTm="10000">
+        <p159:morph option="byObject"/>
+      </p:transition>
+    </mc:Choice>
+    <mc:Fallback>
+      <p:transition spd="slow" advTm="10000">
+        <p:fade/>
+      </p:transition>
+    </mc:Fallback>
+  </mc:AlternateContent>
 </p:sldLayout>
 </file>
 
@@ -4264,6 +4457,18 @@
   <p:clrMapOvr>
     <a:masterClrMapping/>
   </p:clrMapOvr>
+  <mc:AlternateContent xmlns:mc="http://schemas.openxmlformats.org/markup-compatibility/2006">
+    <mc:Choice xmlns:p159="http://schemas.microsoft.com/office/powerpoint/2015/09/main" Requires="p159">
+      <p:transition spd="slow" advTm="10000">
+        <p159:morph option="byObject"/>
+      </p:transition>
+    </mc:Choice>
+    <mc:Fallback>
+      <p:transition spd="slow" advTm="10000">
+        <p:fade/>
+      </p:transition>
+    </mc:Fallback>
+  </mc:AlternateContent>
 </p:sldLayout>
 </file>
 
@@ -4724,6 +4929,18 @@
     <p:sldLayoutId id="2147483658" r:id="rId16"/>
     <p:sldLayoutId id="2147483659" r:id="rId17"/>
   </p:sldLayoutIdLst>
+  <mc:AlternateContent xmlns:mc="http://schemas.openxmlformats.org/markup-compatibility/2006">
+    <mc:Choice xmlns:p159="http://schemas.microsoft.com/office/powerpoint/2015/09/main" Requires="p159">
+      <p:transition spd="slow" advTm="10000">
+        <p159:morph option="byObject"/>
+      </p:transition>
+    </mc:Choice>
+    <mc:Fallback>
+      <p:transition spd="slow" advTm="10000">
+        <p:fade/>
+      </p:transition>
+    </mc:Fallback>
+  </mc:AlternateContent>
   <p:txStyles>
     <p:titleStyle>
       <a:lvl1pPr algn="l" defTabSz="457200" rtl="0" eaLnBrk="1" latinLnBrk="0" hangingPunct="1">
@@ -6297,6 +6514,18 @@
   <p:clrMapOvr>
     <a:masterClrMapping/>
   </p:clrMapOvr>
+  <mc:AlternateContent xmlns:mc="http://schemas.openxmlformats.org/markup-compatibility/2006">
+    <mc:Choice xmlns:p159="http://schemas.microsoft.com/office/powerpoint/2015/09/main" Requires="p159">
+      <p:transition spd="slow" advTm="10000">
+        <p159:morph option="byObject"/>
+      </p:transition>
+    </mc:Choice>
+    <mc:Fallback>
+      <p:transition spd="slow" advTm="10000">
+        <p:fade/>
+      </p:transition>
+    </mc:Fallback>
+  </mc:AlternateContent>
 </p:sld>
 </file>
 
@@ -7363,6 +7592,18 @@
   <p:clrMapOvr>
     <a:masterClrMapping/>
   </p:clrMapOvr>
+  <mc:AlternateContent xmlns:mc="http://schemas.openxmlformats.org/markup-compatibility/2006">
+    <mc:Choice xmlns:p159="http://schemas.microsoft.com/office/powerpoint/2015/09/main" Requires="p159">
+      <p:transition spd="slow" advTm="10000">
+        <p159:morph option="byObject"/>
+      </p:transition>
+    </mc:Choice>
+    <mc:Fallback>
+      <p:transition spd="slow" advTm="10000">
+        <p:fade/>
+      </p:transition>
+    </mc:Fallback>
+  </mc:AlternateContent>
 </p:sld>
 </file>
 
@@ -8848,6 +9089,18 @@
   <p:clrMapOvr>
     <a:masterClrMapping/>
   </p:clrMapOvr>
+  <mc:AlternateContent xmlns:mc="http://schemas.openxmlformats.org/markup-compatibility/2006">
+    <mc:Choice xmlns:p159="http://schemas.microsoft.com/office/powerpoint/2015/09/main" Requires="p159">
+      <p:transition spd="slow" advTm="10000">
+        <p159:morph option="byObject"/>
+      </p:transition>
+    </mc:Choice>
+    <mc:Fallback>
+      <p:transition spd="slow" advTm="10000">
+        <p:fade/>
+      </p:transition>
+    </mc:Fallback>
+  </mc:AlternateContent>
 </p:sld>
 </file>
 
@@ -9751,6 +10004,18 @@
   <p:clrMapOvr>
     <a:masterClrMapping/>
   </p:clrMapOvr>
+  <mc:AlternateContent xmlns:mc="http://schemas.openxmlformats.org/markup-compatibility/2006">
+    <mc:Choice xmlns:p159="http://schemas.microsoft.com/office/powerpoint/2015/09/main" Requires="p159">
+      <p:transition spd="slow" advTm="10000">
+        <p159:morph option="byObject"/>
+      </p:transition>
+    </mc:Choice>
+    <mc:Fallback>
+      <p:transition spd="slow" advTm="10000">
+        <p:fade/>
+      </p:transition>
+    </mc:Fallback>
+  </mc:AlternateContent>
 </p:sld>
 </file>
 
@@ -9809,7 +10074,7 @@
         </p:nvSpPr>
         <p:spPr>
           <a:xfrm>
-            <a:off x="899211" y="637953"/>
+            <a:off x="5433211" y="625396"/>
             <a:ext cx="6477178" cy="1195838"/>
           </a:xfrm>
         </p:spPr>
@@ -10151,7 +10416,7 @@
         </p:nvSpPr>
         <p:spPr>
           <a:xfrm>
-            <a:off x="2879035" y="1832174"/>
+            <a:off x="7413035" y="1880643"/>
             <a:ext cx="4497356" cy="718579"/>
           </a:xfrm>
           <a:prstGeom prst="rect">
@@ -10271,7 +10536,7 @@
         </p:nvSpPr>
         <p:spPr>
           <a:xfrm>
-            <a:off x="3193774" y="2729948"/>
+            <a:off x="7727774" y="2778417"/>
             <a:ext cx="4182617" cy="875164"/>
           </a:xfrm>
           <a:prstGeom prst="rect">
@@ -10391,7 +10656,7 @@
         </p:nvSpPr>
         <p:spPr>
           <a:xfrm>
-            <a:off x="3193773" y="3605112"/>
+            <a:off x="7727773" y="3653581"/>
             <a:ext cx="4182617" cy="875164"/>
           </a:xfrm>
           <a:prstGeom prst="rect">
@@ -10511,7 +10776,7 @@
         </p:nvSpPr>
         <p:spPr>
           <a:xfrm>
-            <a:off x="3193772" y="4512234"/>
+            <a:off x="7727772" y="4560703"/>
             <a:ext cx="4182617" cy="875164"/>
           </a:xfrm>
           <a:prstGeom prst="rect">
@@ -10617,10 +10882,10 @@
       </p:sp>
       <p:pic>
         <p:nvPicPr>
-          <p:cNvPr id="7" name="Picture 6" descr="A screenshot of a cell phone&#10;&#10;Description generated with very high confidence">
+          <p:cNvPr id="4" name="Picture 3">
             <a:extLst>
               <a:ext uri="{FF2B5EF4-FFF2-40B4-BE49-F238E27FC236}">
-                <a16:creationId xmlns:a16="http://schemas.microsoft.com/office/drawing/2014/main" id="{3A3ED71C-E14E-4C33-A3C0-4DD455D3E7D6}"/>
+                <a16:creationId xmlns:a16="http://schemas.microsoft.com/office/drawing/2014/main" id="{48B65D15-391B-4A2A-B567-197571BBB9FA}"/>
               </a:ext>
             </a:extLst>
           </p:cNvPr>
@@ -10629,15 +10894,16 @@
           </p:cNvPicPr>
           <p:nvPr/>
         </p:nvPicPr>
-        <p:blipFill rotWithShape="1">
+        <p:blipFill>
           <a:blip r:embed="rId3"/>
-          <a:srcRect t="9302" b="9302"/>
-          <a:stretch/>
+          <a:stretch>
+            <a:fillRect/>
+          </a:stretch>
         </p:blipFill>
         <p:spPr>
           <a:xfrm>
-            <a:off x="8125609" y="637953"/>
-            <a:ext cx="3167180" cy="5582095"/>
+            <a:off x="157459" y="1979150"/>
+            <a:ext cx="6928452" cy="3559536"/>
           </a:xfrm>
           <a:prstGeom prst="rect">
             <a:avLst/>
@@ -10654,6 +10920,18 @@
   <p:clrMapOvr>
     <a:masterClrMapping/>
   </p:clrMapOvr>
+  <mc:AlternateContent xmlns:mc="http://schemas.openxmlformats.org/markup-compatibility/2006">
+    <mc:Choice xmlns:p159="http://schemas.microsoft.com/office/powerpoint/2015/09/main" Requires="p159">
+      <p:transition spd="slow" advTm="10000">
+        <p159:morph option="byObject"/>
+      </p:transition>
+    </mc:Choice>
+    <mc:Fallback>
+      <p:transition spd="slow" advTm="10000">
+        <p:fade/>
+      </p:transition>
+    </mc:Fallback>
+  </mc:AlternateContent>
 </p:sld>
 </file>
 
@@ -10728,7 +11006,7 @@
                 <a:latin typeface="Calibri Light" panose="020F0302020204030204" pitchFamily="34" charset="0"/>
                 <a:cs typeface="Calibri Light" panose="020F0302020204030204" pitchFamily="34" charset="0"/>
               </a:rPr>
-              <a:t>מסמך מעוצב וממותג</a:t>
+              <a:t>אוטמציה ושיתוף</a:t>
             </a:r>
             <a:endParaRPr lang="en-US" sz="6600" dirty="0">
               <a:latin typeface="Calibri Light" panose="020F0302020204030204" pitchFamily="34" charset="0"/>
@@ -11149,7 +11427,7 @@
                 <a:latin typeface="Calibri Light" panose="020F0302020204030204" pitchFamily="34" charset="0"/>
                 <a:cs typeface="Calibri Light" panose="020F0302020204030204" pitchFamily="34" charset="0"/>
               </a:rPr>
-              <a:t>חתום דיגיטלית</a:t>
+              <a:t>ההסכם זמין בכל מדיה</a:t>
             </a:r>
             <a:endParaRPr lang="en-US" sz="4000" dirty="0">
               <a:latin typeface="Calibri Light" panose="020F0302020204030204" pitchFamily="34" charset="0"/>
@@ -11269,7 +11547,7 @@
                 <a:latin typeface="Calibri Light" panose="020F0302020204030204" pitchFamily="34" charset="0"/>
                 <a:cs typeface="Calibri Light" panose="020F0302020204030204" pitchFamily="34" charset="0"/>
               </a:rPr>
-              <a:t>המסמך נשלח אוטומטית ללקוח (העתק) ולסוכן (מקור) כמו גם לבעל המשרד</a:t>
+              <a:t>שליחת המסמך המוכן לאתרי הלוחות ללא צורך בסריקה והכנה סזיפית</a:t>
             </a:r>
             <a:endParaRPr lang="en-US" sz="2000" dirty="0">
               <a:latin typeface="Calibri Light" panose="020F0302020204030204" pitchFamily="34" charset="0"/>
@@ -11389,12 +11667,29 @@
                 <a:latin typeface="Calibri Light" panose="020F0302020204030204" pitchFamily="34" charset="0"/>
                 <a:cs typeface="Calibri Light" panose="020F0302020204030204" pitchFamily="34" charset="0"/>
               </a:rPr>
-              <a:t>טופס מעוצב במבנה אחיד, אימייל ניתן להתאמה עם תוכן שיווקי</a:t>
+              <a:t>שיתוף קל ומהיר ישירות מהסמארטפון – ב-</a:t>
             </a:r>
-            <a:endParaRPr lang="en-US" sz="2000" dirty="0">
-              <a:latin typeface="Calibri Light" panose="020F0302020204030204" pitchFamily="34" charset="0"/>
-              <a:cs typeface="Calibri Light" panose="020F0302020204030204" pitchFamily="34" charset="0"/>
-            </a:endParaRPr>
+            <a:r>
+              <a:rPr lang="en-US" sz="2000" dirty="0" err="1">
+                <a:latin typeface="Calibri Light" panose="020F0302020204030204" pitchFamily="34" charset="0"/>
+                <a:cs typeface="Calibri Light" panose="020F0302020204030204" pitchFamily="34" charset="0"/>
+              </a:rPr>
+              <a:t>Whatsapp</a:t>
+            </a:r>
+            <a:r>
+              <a:rPr lang="he-IL" sz="2000" dirty="0">
+                <a:latin typeface="Calibri Light" panose="020F0302020204030204" pitchFamily="34" charset="0"/>
+                <a:cs typeface="Calibri Light" panose="020F0302020204030204" pitchFamily="34" charset="0"/>
+              </a:rPr>
+              <a:t>, מייל או </a:t>
+            </a:r>
+            <a:r>
+              <a:rPr lang="en-US" sz="2000" dirty="0">
+                <a:latin typeface="Calibri Light" panose="020F0302020204030204" pitchFamily="34" charset="0"/>
+                <a:cs typeface="Calibri Light" panose="020F0302020204030204" pitchFamily="34" charset="0"/>
+              </a:rPr>
+              <a:t>SMS</a:t>
+            </a:r>
           </a:p>
         </p:txBody>
       </p:sp>
@@ -11509,7 +11804,7 @@
                 <a:latin typeface="Calibri Light" panose="020F0302020204030204" pitchFamily="34" charset="0"/>
                 <a:cs typeface="Calibri Light" panose="020F0302020204030204" pitchFamily="34" charset="0"/>
               </a:rPr>
-              <a:t>ניתן להחתים לקוח גם ללא קליטת רשת, המסמך ישלח אוטומטית בחיבור</a:t>
+              <a:t>יצירת גיבוי עצמאית לכלל הנתונים בכל רגע – כל המסמכים, נכסים, לקוחות</a:t>
             </a:r>
             <a:endParaRPr lang="en-US" sz="2000" dirty="0">
               <a:latin typeface="Calibri Light" panose="020F0302020204030204" pitchFamily="34" charset="0"/>
@@ -11520,7 +11815,7 @@
       </p:sp>
       <p:pic>
         <p:nvPicPr>
-          <p:cNvPr id="7" name="Picture 6" descr="A screenshot of a cell phone&#10;&#10;Description generated with very high confidence">
+          <p:cNvPr id="7" name="Picture 6">
             <a:extLst>
               <a:ext uri="{FF2B5EF4-FFF2-40B4-BE49-F238E27FC236}">
                 <a16:creationId xmlns:a16="http://schemas.microsoft.com/office/drawing/2014/main" id="{3A3ED71C-E14E-4C33-A3C0-4DD455D3E7D6}"/>
@@ -11534,13 +11829,13 @@
         </p:nvPicPr>
         <p:blipFill rotWithShape="1">
           <a:blip r:embed="rId3"/>
-          <a:srcRect t="9302" b="9302"/>
+          <a:srcRect t="12312" b="8632"/>
           <a:stretch/>
         </p:blipFill>
         <p:spPr>
           <a:xfrm>
-            <a:off x="8125609" y="637953"/>
-            <a:ext cx="3167180" cy="5582095"/>
+            <a:off x="8225735" y="1008805"/>
+            <a:ext cx="2959100" cy="5059182"/>
           </a:xfrm>
           <a:prstGeom prst="rect">
             <a:avLst/>
@@ -11557,6 +11852,453 @@
   <p:clrMapOvr>
     <a:masterClrMapping/>
   </p:clrMapOvr>
+  <mc:AlternateContent xmlns:mc="http://schemas.openxmlformats.org/markup-compatibility/2006">
+    <mc:Choice xmlns:p159="http://schemas.microsoft.com/office/powerpoint/2015/09/main" Requires="p159">
+      <p:transition spd="slow" advTm="10000">
+        <p159:morph option="byObject"/>
+      </p:transition>
+    </mc:Choice>
+    <mc:Fallback>
+      <p:transition spd="slow" advTm="10000">
+        <p:fade/>
+      </p:transition>
+    </mc:Fallback>
+  </mc:AlternateContent>
+</p:sld>
+</file>
+
+<file path=ppt/slides/slide7.xml><?xml version="1.0" encoding="utf-8"?>
+<p:sld xmlns:a="http://schemas.openxmlformats.org/drawingml/2006/main" xmlns:r="http://schemas.openxmlformats.org/officeDocument/2006/relationships" xmlns:p="http://schemas.openxmlformats.org/presentationml/2006/main">
+  <p:cSld>
+    <p:bg>
+      <p:bgPr>
+        <a:gradFill rotWithShape="1">
+          <a:gsLst>
+            <a:gs pos="10000">
+              <a:srgbClr val="077BB0"/>
+            </a:gs>
+            <a:gs pos="100000">
+              <a:schemeClr val="bg2">
+                <a:shade val="96000"/>
+                <a:satMod val="120000"/>
+                <a:lumMod val="90000"/>
+              </a:schemeClr>
+            </a:gs>
+          </a:gsLst>
+          <a:lin ang="6120000" scaled="1"/>
+        </a:gradFill>
+        <a:effectLst/>
+      </p:bgPr>
+    </p:bg>
+    <p:spTree>
+      <p:nvGrpSpPr>
+        <p:cNvPr id="1" name=""/>
+        <p:cNvGrpSpPr/>
+        <p:nvPr/>
+      </p:nvGrpSpPr>
+      <p:grpSpPr>
+        <a:xfrm>
+          <a:off x="0" y="0"/>
+          <a:ext cx="0" cy="0"/>
+          <a:chOff x="0" y="0"/>
+          <a:chExt cx="0" cy="0"/>
+        </a:xfrm>
+      </p:grpSpPr>
+      <p:sp>
+        <p:nvSpPr>
+          <p:cNvPr id="2" name="Title 1">
+            <a:extLst>
+              <a:ext uri="{FF2B5EF4-FFF2-40B4-BE49-F238E27FC236}">
+                <a16:creationId xmlns:a16="http://schemas.microsoft.com/office/drawing/2014/main" id="{075139A1-47D1-4DFF-9ED2-090E7EA273ED}"/>
+              </a:ext>
+            </a:extLst>
+          </p:cNvPr>
+          <p:cNvSpPr>
+            <a:spLocks noGrp="1"/>
+          </p:cNvSpPr>
+          <p:nvPr>
+            <p:ph type="ctrTitle"/>
+          </p:nvPr>
+        </p:nvSpPr>
+        <p:spPr>
+          <a:xfrm>
+            <a:off x="213049" y="2664913"/>
+            <a:ext cx="11765902" cy="2062066"/>
+          </a:xfrm>
+        </p:spPr>
+        <p:txBody>
+          <a:bodyPr>
+            <a:normAutofit fontScale="90000"/>
+          </a:bodyPr>
+          <a:lstStyle/>
+          <a:p>
+            <a:r>
+              <a:rPr lang="he-IL" sz="8800" dirty="0">
+                <a:latin typeface="Calibri Light" panose="020F0302020204030204" pitchFamily="34" charset="0"/>
+                <a:cs typeface="Calibri Light" panose="020F0302020204030204" pitchFamily="34" charset="0"/>
+              </a:rPr>
+              <a:t>	יותר עסקאות פחות התעסקות</a:t>
+            </a:r>
+            <a:endParaRPr lang="en-US" sz="8800" dirty="0">
+              <a:latin typeface="Calibri Light" panose="020F0302020204030204" pitchFamily="34" charset="0"/>
+              <a:cs typeface="Calibri Light" panose="020F0302020204030204" pitchFamily="34" charset="0"/>
+            </a:endParaRPr>
+          </a:p>
+        </p:txBody>
+      </p:sp>
+      <p:grpSp>
+        <p:nvGrpSpPr>
+          <p:cNvPr id="26" name="Group 25">
+            <a:extLst>
+              <a:ext uri="{FF2B5EF4-FFF2-40B4-BE49-F238E27FC236}">
+                <a16:creationId xmlns:a16="http://schemas.microsoft.com/office/drawing/2014/main" id="{8C3D42B2-987C-4873-8E8F-C26C55E7BA82}"/>
+              </a:ext>
+            </a:extLst>
+          </p:cNvPr>
+          <p:cNvGrpSpPr/>
+          <p:nvPr/>
+        </p:nvGrpSpPr>
+        <p:grpSpPr>
+          <a:xfrm>
+            <a:off x="0" y="5936848"/>
+            <a:ext cx="3966267" cy="930288"/>
+            <a:chOff x="0" y="5936848"/>
+            <a:chExt cx="3966267" cy="930288"/>
+          </a:xfrm>
+        </p:grpSpPr>
+        <p:sp>
+          <p:nvSpPr>
+            <p:cNvPr id="28" name="Title 1">
+              <a:extLst>
+                <a:ext uri="{FF2B5EF4-FFF2-40B4-BE49-F238E27FC236}">
+                  <a16:creationId xmlns:a16="http://schemas.microsoft.com/office/drawing/2014/main" id="{47FADB26-7933-4A49-AEF4-F49BDBB2DB9A}"/>
+                </a:ext>
+              </a:extLst>
+            </p:cNvPr>
+            <p:cNvSpPr txBox="1">
+              <a:spLocks/>
+            </p:cNvSpPr>
+            <p:nvPr/>
+          </p:nvSpPr>
+          <p:spPr>
+            <a:xfrm>
+              <a:off x="679509" y="5936848"/>
+              <a:ext cx="3286758" cy="422754"/>
+            </a:xfrm>
+            <a:prstGeom prst="rect">
+              <a:avLst/>
+            </a:prstGeom>
+            <a:effectLst/>
+          </p:spPr>
+          <p:txBody>
+            <a:bodyPr vert="horz" lIns="91440" tIns="45720" rIns="91440" bIns="45720" rtlCol="0" anchor="b">
+              <a:noAutofit/>
+            </a:bodyPr>
+            <a:lstStyle>
+              <a:lvl1pPr algn="l" defTabSz="457200" rtl="0" eaLnBrk="1" latinLnBrk="0" hangingPunct="1">
+                <a:spcBef>
+                  <a:spcPct val="0"/>
+                </a:spcBef>
+                <a:buNone/>
+                <a:defRPr sz="4800" kern="1200" cap="all">
+                  <a:ln w="3175" cmpd="sng">
+                    <a:noFill/>
+                  </a:ln>
+                  <a:solidFill>
+                    <a:schemeClr val="tx1"/>
+                  </a:solidFill>
+                  <a:effectLst/>
+                  <a:latin typeface="+mj-lt"/>
+                  <a:ea typeface="+mj-ea"/>
+                  <a:cs typeface="+mj-cs"/>
+                </a:defRPr>
+              </a:lvl1pPr>
+              <a:lvl2pPr eaLnBrk="1" hangingPunct="1">
+                <a:defRPr>
+                  <a:solidFill>
+                    <a:schemeClr val="tx2"/>
+                  </a:solidFill>
+                </a:defRPr>
+              </a:lvl2pPr>
+              <a:lvl3pPr eaLnBrk="1" hangingPunct="1">
+                <a:defRPr>
+                  <a:solidFill>
+                    <a:schemeClr val="tx2"/>
+                  </a:solidFill>
+                </a:defRPr>
+              </a:lvl3pPr>
+              <a:lvl4pPr eaLnBrk="1" hangingPunct="1">
+                <a:defRPr>
+                  <a:solidFill>
+                    <a:schemeClr val="tx2"/>
+                  </a:solidFill>
+                </a:defRPr>
+              </a:lvl4pPr>
+              <a:lvl5pPr eaLnBrk="1" hangingPunct="1">
+                <a:defRPr>
+                  <a:solidFill>
+                    <a:schemeClr val="tx2"/>
+                  </a:solidFill>
+                </a:defRPr>
+              </a:lvl5pPr>
+              <a:lvl6pPr eaLnBrk="1" hangingPunct="1">
+                <a:defRPr>
+                  <a:solidFill>
+                    <a:schemeClr val="tx2"/>
+                  </a:solidFill>
+                </a:defRPr>
+              </a:lvl6pPr>
+              <a:lvl7pPr eaLnBrk="1" hangingPunct="1">
+                <a:defRPr>
+                  <a:solidFill>
+                    <a:schemeClr val="tx2"/>
+                  </a:solidFill>
+                </a:defRPr>
+              </a:lvl7pPr>
+              <a:lvl8pPr eaLnBrk="1" hangingPunct="1">
+                <a:defRPr>
+                  <a:solidFill>
+                    <a:schemeClr val="tx2"/>
+                  </a:solidFill>
+                </a:defRPr>
+              </a:lvl8pPr>
+              <a:lvl9pPr eaLnBrk="1" hangingPunct="1">
+                <a:defRPr>
+                  <a:solidFill>
+                    <a:schemeClr val="tx2"/>
+                  </a:solidFill>
+                </a:defRPr>
+              </a:lvl9pPr>
+            </a:lstStyle>
+            <a:p>
+              <a:pPr algn="r"/>
+              <a:r>
+                <a:rPr lang="he-IL" sz="2400" dirty="0">
+                  <a:latin typeface="Calibri Light" panose="020F0302020204030204" pitchFamily="34" charset="0"/>
+                  <a:cs typeface="Calibri Light" panose="020F0302020204030204" pitchFamily="34" charset="0"/>
+                </a:rPr>
+                <a:t>סרוק להורדת האפליקציה</a:t>
+              </a:r>
+              <a:endParaRPr lang="en-US" sz="2400" dirty="0">
+                <a:latin typeface="Calibri Light" panose="020F0302020204030204" pitchFamily="34" charset="0"/>
+                <a:cs typeface="Calibri Light" panose="020F0302020204030204" pitchFamily="34" charset="0"/>
+              </a:endParaRPr>
+            </a:p>
+          </p:txBody>
+        </p:sp>
+        <p:pic>
+          <p:nvPicPr>
+            <p:cNvPr id="29" name="Picture 28">
+              <a:extLst>
+                <a:ext uri="{FF2B5EF4-FFF2-40B4-BE49-F238E27FC236}">
+                  <a16:creationId xmlns:a16="http://schemas.microsoft.com/office/drawing/2014/main" id="{9C62EEA0-5725-40DA-8E23-32FD139F171A}"/>
+                </a:ext>
+              </a:extLst>
+            </p:cNvPr>
+            <p:cNvPicPr>
+              <a:picLocks noChangeAspect="1"/>
+            </p:cNvPicPr>
+            <p:nvPr/>
+          </p:nvPicPr>
+          <p:blipFill>
+            <a:blip r:embed="rId2"/>
+            <a:stretch>
+              <a:fillRect/>
+            </a:stretch>
+          </p:blipFill>
+          <p:spPr>
+            <a:xfrm>
+              <a:off x="0" y="6035355"/>
+              <a:ext cx="822645" cy="822645"/>
+            </a:xfrm>
+            <a:prstGeom prst="rect">
+              <a:avLst/>
+            </a:prstGeom>
+          </p:spPr>
+        </p:pic>
+        <p:sp>
+          <p:nvSpPr>
+            <p:cNvPr id="30" name="Title 1">
+              <a:extLst>
+                <a:ext uri="{FF2B5EF4-FFF2-40B4-BE49-F238E27FC236}">
+                  <a16:creationId xmlns:a16="http://schemas.microsoft.com/office/drawing/2014/main" id="{0BBB4781-FC99-4044-B10D-83DBD3D0D5A4}"/>
+                </a:ext>
+              </a:extLst>
+            </p:cNvPr>
+            <p:cNvSpPr txBox="1">
+              <a:spLocks/>
+            </p:cNvSpPr>
+            <p:nvPr/>
+          </p:nvSpPr>
+          <p:spPr>
+            <a:xfrm>
+              <a:off x="899211" y="6294521"/>
+              <a:ext cx="3067055" cy="572615"/>
+            </a:xfrm>
+            <a:prstGeom prst="rect">
+              <a:avLst/>
+            </a:prstGeom>
+            <a:effectLst/>
+          </p:spPr>
+          <p:txBody>
+            <a:bodyPr vert="horz" lIns="91440" tIns="45720" rIns="91440" bIns="45720" rtlCol="0" anchor="b">
+              <a:noAutofit/>
+            </a:bodyPr>
+            <a:lstStyle>
+              <a:lvl1pPr algn="l" defTabSz="457200" rtl="0" eaLnBrk="1" latinLnBrk="0" hangingPunct="1">
+                <a:spcBef>
+                  <a:spcPct val="0"/>
+                </a:spcBef>
+                <a:buNone/>
+                <a:defRPr sz="4800" kern="1200" cap="all">
+                  <a:ln w="3175" cmpd="sng">
+                    <a:noFill/>
+                  </a:ln>
+                  <a:solidFill>
+                    <a:schemeClr val="tx1"/>
+                  </a:solidFill>
+                  <a:effectLst/>
+                  <a:latin typeface="+mj-lt"/>
+                  <a:ea typeface="+mj-ea"/>
+                  <a:cs typeface="+mj-cs"/>
+                </a:defRPr>
+              </a:lvl1pPr>
+              <a:lvl2pPr eaLnBrk="1" hangingPunct="1">
+                <a:defRPr>
+                  <a:solidFill>
+                    <a:schemeClr val="tx2"/>
+                  </a:solidFill>
+                </a:defRPr>
+              </a:lvl2pPr>
+              <a:lvl3pPr eaLnBrk="1" hangingPunct="1">
+                <a:defRPr>
+                  <a:solidFill>
+                    <a:schemeClr val="tx2"/>
+                  </a:solidFill>
+                </a:defRPr>
+              </a:lvl3pPr>
+              <a:lvl4pPr eaLnBrk="1" hangingPunct="1">
+                <a:defRPr>
+                  <a:solidFill>
+                    <a:schemeClr val="tx2"/>
+                  </a:solidFill>
+                </a:defRPr>
+              </a:lvl4pPr>
+              <a:lvl5pPr eaLnBrk="1" hangingPunct="1">
+                <a:defRPr>
+                  <a:solidFill>
+                    <a:schemeClr val="tx2"/>
+                  </a:solidFill>
+                </a:defRPr>
+              </a:lvl5pPr>
+              <a:lvl6pPr eaLnBrk="1" hangingPunct="1">
+                <a:defRPr>
+                  <a:solidFill>
+                    <a:schemeClr val="tx2"/>
+                  </a:solidFill>
+                </a:defRPr>
+              </a:lvl6pPr>
+              <a:lvl7pPr eaLnBrk="1" hangingPunct="1">
+                <a:defRPr>
+                  <a:solidFill>
+                    <a:schemeClr val="tx2"/>
+                  </a:solidFill>
+                </a:defRPr>
+              </a:lvl7pPr>
+              <a:lvl8pPr eaLnBrk="1" hangingPunct="1">
+                <a:defRPr>
+                  <a:solidFill>
+                    <a:schemeClr val="tx2"/>
+                  </a:solidFill>
+                </a:defRPr>
+              </a:lvl8pPr>
+              <a:lvl9pPr eaLnBrk="1" hangingPunct="1">
+                <a:defRPr>
+                  <a:solidFill>
+                    <a:schemeClr val="tx2"/>
+                  </a:solidFill>
+                </a:defRPr>
+              </a:lvl9pPr>
+            </a:lstStyle>
+            <a:p>
+              <a:pPr algn="r"/>
+              <a:r>
+                <a:rPr lang="he-IL" sz="1600" dirty="0">
+                  <a:latin typeface="Calibri Light" panose="020F0302020204030204" pitchFamily="34" charset="0"/>
+                  <a:cs typeface="Calibri Light" panose="020F0302020204030204" pitchFamily="34" charset="0"/>
+                </a:rPr>
+                <a:t>10 החתמות חינם</a:t>
+              </a:r>
+            </a:p>
+            <a:p>
+              <a:pPr algn="r"/>
+              <a:r>
+                <a:rPr lang="he-IL" sz="1600" dirty="0">
+                  <a:latin typeface="Calibri Light" panose="020F0302020204030204" pitchFamily="34" charset="0"/>
+                  <a:cs typeface="Calibri Light" panose="020F0302020204030204" pitchFamily="34" charset="0"/>
+                </a:rPr>
+                <a:t>10% הנחה לנרשמים בכנס</a:t>
+              </a:r>
+              <a:endParaRPr lang="en-US" sz="1600" dirty="0">
+                <a:latin typeface="Calibri Light" panose="020F0302020204030204" pitchFamily="34" charset="0"/>
+                <a:cs typeface="Calibri Light" panose="020F0302020204030204" pitchFamily="34" charset="0"/>
+              </a:endParaRPr>
+            </a:p>
+          </p:txBody>
+        </p:sp>
+      </p:grpSp>
+      <p:pic>
+        <p:nvPicPr>
+          <p:cNvPr id="7" name="Picture 6">
+            <a:extLst>
+              <a:ext uri="{FF2B5EF4-FFF2-40B4-BE49-F238E27FC236}">
+                <a16:creationId xmlns:a16="http://schemas.microsoft.com/office/drawing/2014/main" id="{08FCE55B-24FE-4D99-8D74-AE1EE273C8B8}"/>
+              </a:ext>
+            </a:extLst>
+          </p:cNvPr>
+          <p:cNvPicPr>
+            <a:picLocks noChangeAspect="1"/>
+          </p:cNvPicPr>
+          <p:nvPr/>
+        </p:nvPicPr>
+        <p:blipFill>
+          <a:blip r:embed="rId3"/>
+          <a:stretch>
+            <a:fillRect/>
+          </a:stretch>
+        </p:blipFill>
+        <p:spPr>
+          <a:xfrm>
+            <a:off x="2322888" y="1600429"/>
+            <a:ext cx="7212698" cy="1828571"/>
+          </a:xfrm>
+          <a:prstGeom prst="rect">
+            <a:avLst/>
+          </a:prstGeom>
+        </p:spPr>
+      </p:pic>
+    </p:spTree>
+    <p:extLst>
+      <p:ext uri="{BB962C8B-B14F-4D97-AF65-F5344CB8AC3E}">
+        <p14:creationId xmlns:p14="http://schemas.microsoft.com/office/powerpoint/2010/main" val="2255700704"/>
+      </p:ext>
+    </p:extLst>
+  </p:cSld>
+  <p:clrMapOvr>
+    <a:masterClrMapping/>
+  </p:clrMapOvr>
+  <mc:AlternateContent xmlns:mc="http://schemas.openxmlformats.org/markup-compatibility/2006">
+    <mc:Choice xmlns:p159="http://schemas.microsoft.com/office/powerpoint/2015/09/main" Requires="p159">
+      <p:transition spd="slow" advTm="10000">
+        <p159:morph option="byObject"/>
+      </p:transition>
+    </mc:Choice>
+    <mc:Fallback>
+      <p:transition spd="slow" advTm="10000">
+        <p:fade/>
+      </p:transition>
+    </mc:Fallback>
+  </mc:AlternateContent>
 </p:sld>
 </file>
 

--- a/redox.pptx
+++ b/redox.pptx
@@ -12,6 +12,7 @@
     <p:sldId id="260" r:id="rId6"/>
     <p:sldId id="261" r:id="rId7"/>
     <p:sldId id="262" r:id="rId8"/>
+    <p:sldId id="263" r:id="rId9"/>
   </p:sldIdLst>
   <p:sldSz cx="12192000" cy="6858000"/>
   <p:notesSz cx="6858000" cy="9144000"/>
@@ -11922,8 +11923,8 @@
         </p:nvSpPr>
         <p:spPr>
           <a:xfrm>
-            <a:off x="213049" y="2664913"/>
-            <a:ext cx="11765902" cy="2062066"/>
+            <a:off x="6521104" y="172904"/>
+            <a:ext cx="5419125" cy="860165"/>
           </a:xfrm>
         </p:spPr>
         <p:txBody>
@@ -11932,12 +11933,13 @@
           </a:bodyPr>
           <a:lstStyle/>
           <a:p>
+            <a:pPr algn="r"/>
             <a:r>
               <a:rPr lang="he-IL" sz="8800" dirty="0">
                 <a:latin typeface="Calibri Light" panose="020F0302020204030204" pitchFamily="34" charset="0"/>
                 <a:cs typeface="Calibri Light" panose="020F0302020204030204" pitchFamily="34" charset="0"/>
               </a:rPr>
-              <a:t>	יותר עסקאות פחות התעסקות</a:t>
+              <a:t>בין לקוחותינו</a:t>
             </a:r>
             <a:endParaRPr lang="en-US" sz="8800" dirty="0">
               <a:latin typeface="Calibri Light" panose="020F0302020204030204" pitchFamily="34" charset="0"/>
@@ -12249,6 +12251,846 @@
       </p:grpSp>
       <p:pic>
         <p:nvPicPr>
+          <p:cNvPr id="10" name="Picture 9">
+            <a:extLst>
+              <a:ext uri="{FF2B5EF4-FFF2-40B4-BE49-F238E27FC236}">
+                <a16:creationId xmlns:a16="http://schemas.microsoft.com/office/drawing/2014/main" id="{4E72DF07-662F-40A5-9098-22C754E82B58}"/>
+              </a:ext>
+            </a:extLst>
+          </p:cNvPr>
+          <p:cNvPicPr>
+            <a:picLocks noChangeAspect="1"/>
+          </p:cNvPicPr>
+          <p:nvPr/>
+        </p:nvPicPr>
+        <p:blipFill rotWithShape="1">
+          <a:blip r:embed="rId3"/>
+          <a:srcRect t="22223" b="21713"/>
+          <a:stretch/>
+        </p:blipFill>
+        <p:spPr>
+          <a:xfrm>
+            <a:off x="6140067" y="2692926"/>
+            <a:ext cx="2389572" cy="1097280"/>
+          </a:xfrm>
+          <a:prstGeom prst="rect">
+            <a:avLst/>
+          </a:prstGeom>
+        </p:spPr>
+      </p:pic>
+      <p:pic>
+        <p:nvPicPr>
+          <p:cNvPr id="14" name="Picture 13" descr="A close up of a sign&#10;&#10;Description generated with very high confidence">
+            <a:extLst>
+              <a:ext uri="{FF2B5EF4-FFF2-40B4-BE49-F238E27FC236}">
+                <a16:creationId xmlns:a16="http://schemas.microsoft.com/office/drawing/2014/main" id="{12AB22A8-201F-49DE-9486-D6A53B9BC817}"/>
+              </a:ext>
+            </a:extLst>
+          </p:cNvPr>
+          <p:cNvPicPr>
+            <a:picLocks noChangeAspect="1"/>
+          </p:cNvPicPr>
+          <p:nvPr/>
+        </p:nvPicPr>
+        <p:blipFill>
+          <a:blip r:embed="rId4"/>
+          <a:stretch>
+            <a:fillRect/>
+          </a:stretch>
+        </p:blipFill>
+        <p:spPr>
+          <a:xfrm>
+            <a:off x="3011132" y="1309082"/>
+            <a:ext cx="1097280" cy="1097280"/>
+          </a:xfrm>
+          <a:prstGeom prst="rect">
+            <a:avLst/>
+          </a:prstGeom>
+        </p:spPr>
+      </p:pic>
+      <p:pic>
+        <p:nvPicPr>
+          <p:cNvPr id="16" name="Picture 15">
+            <a:extLst>
+              <a:ext uri="{FF2B5EF4-FFF2-40B4-BE49-F238E27FC236}">
+                <a16:creationId xmlns:a16="http://schemas.microsoft.com/office/drawing/2014/main" id="{24A69B3A-9D61-411A-9C46-510F60A61DB8}"/>
+              </a:ext>
+            </a:extLst>
+          </p:cNvPr>
+          <p:cNvPicPr>
+            <a:picLocks noChangeAspect="1"/>
+          </p:cNvPicPr>
+          <p:nvPr/>
+        </p:nvPicPr>
+        <p:blipFill>
+          <a:blip r:embed="rId5"/>
+          <a:stretch>
+            <a:fillRect/>
+          </a:stretch>
+        </p:blipFill>
+        <p:spPr>
+          <a:xfrm>
+            <a:off x="1733124" y="2630365"/>
+            <a:ext cx="1093170" cy="1097280"/>
+          </a:xfrm>
+          <a:prstGeom prst="rect">
+            <a:avLst/>
+          </a:prstGeom>
+        </p:spPr>
+      </p:pic>
+      <p:pic>
+        <p:nvPicPr>
+          <p:cNvPr id="22" name="Picture 21">
+            <a:extLst>
+              <a:ext uri="{FF2B5EF4-FFF2-40B4-BE49-F238E27FC236}">
+                <a16:creationId xmlns:a16="http://schemas.microsoft.com/office/drawing/2014/main" id="{A804BFFE-0205-4F51-B0B6-23FFDCB9097F}"/>
+              </a:ext>
+            </a:extLst>
+          </p:cNvPr>
+          <p:cNvPicPr>
+            <a:picLocks noChangeAspect="1"/>
+          </p:cNvPicPr>
+          <p:nvPr/>
+        </p:nvPicPr>
+        <p:blipFill rotWithShape="1">
+          <a:blip r:embed="rId6"/>
+          <a:srcRect l="30121" r="30328"/>
+          <a:stretch/>
+        </p:blipFill>
+        <p:spPr>
+          <a:xfrm>
+            <a:off x="1733124" y="1309082"/>
+            <a:ext cx="1097280" cy="1097280"/>
+          </a:xfrm>
+          <a:prstGeom prst="rect">
+            <a:avLst/>
+          </a:prstGeom>
+        </p:spPr>
+      </p:pic>
+      <p:pic>
+        <p:nvPicPr>
+          <p:cNvPr id="32" name="Picture 31">
+            <a:extLst>
+              <a:ext uri="{FF2B5EF4-FFF2-40B4-BE49-F238E27FC236}">
+                <a16:creationId xmlns:a16="http://schemas.microsoft.com/office/drawing/2014/main" id="{ADB77649-29F4-4D6F-9434-8994ADC705DE}"/>
+              </a:ext>
+            </a:extLst>
+          </p:cNvPr>
+          <p:cNvPicPr>
+            <a:picLocks noChangeAspect="1"/>
+          </p:cNvPicPr>
+          <p:nvPr/>
+        </p:nvPicPr>
+        <p:blipFill>
+          <a:blip r:embed="rId7"/>
+          <a:stretch>
+            <a:fillRect/>
+          </a:stretch>
+        </p:blipFill>
+        <p:spPr>
+          <a:xfrm>
+            <a:off x="3011132" y="2643099"/>
+            <a:ext cx="1097280" cy="1097280"/>
+          </a:xfrm>
+          <a:prstGeom prst="rect">
+            <a:avLst/>
+          </a:prstGeom>
+        </p:spPr>
+      </p:pic>
+      <p:grpSp>
+        <p:nvGrpSpPr>
+          <p:cNvPr id="40" name="Group 39">
+            <a:extLst>
+              <a:ext uri="{FF2B5EF4-FFF2-40B4-BE49-F238E27FC236}">
+                <a16:creationId xmlns:a16="http://schemas.microsoft.com/office/drawing/2014/main" id="{3C4485A0-C53F-47C4-853E-7CC437775BFD}"/>
+              </a:ext>
+            </a:extLst>
+          </p:cNvPr>
+          <p:cNvGrpSpPr/>
+          <p:nvPr/>
+        </p:nvGrpSpPr>
+        <p:grpSpPr>
+          <a:xfrm>
+            <a:off x="4257677" y="3969355"/>
+            <a:ext cx="4271962" cy="1445469"/>
+            <a:chOff x="7586663" y="1125812"/>
+            <a:chExt cx="4605337" cy="2286000"/>
+          </a:xfrm>
+        </p:grpSpPr>
+        <p:sp>
+          <p:nvSpPr>
+            <p:cNvPr id="39" name="Rectangle 38">
+              <a:extLst>
+                <a:ext uri="{FF2B5EF4-FFF2-40B4-BE49-F238E27FC236}">
+                  <a16:creationId xmlns:a16="http://schemas.microsoft.com/office/drawing/2014/main" id="{64486618-0F7B-4139-AA83-63259D3FF9F6}"/>
+                </a:ext>
+              </a:extLst>
+            </p:cNvPr>
+            <p:cNvSpPr/>
+            <p:nvPr/>
+          </p:nvSpPr>
+          <p:spPr>
+            <a:xfrm>
+              <a:off x="7736853" y="1125812"/>
+              <a:ext cx="4455147" cy="2201889"/>
+            </a:xfrm>
+            <a:prstGeom prst="rect">
+              <a:avLst/>
+            </a:prstGeom>
+            <a:solidFill>
+              <a:schemeClr val="tx1"/>
+            </a:solidFill>
+            <a:ln>
+              <a:noFill/>
+            </a:ln>
+          </p:spPr>
+          <p:style>
+            <a:lnRef idx="2">
+              <a:schemeClr val="accent1">
+                <a:shade val="50000"/>
+              </a:schemeClr>
+            </a:lnRef>
+            <a:fillRef idx="1">
+              <a:schemeClr val="accent1"/>
+            </a:fillRef>
+            <a:effectRef idx="0">
+              <a:schemeClr val="accent1"/>
+            </a:effectRef>
+            <a:fontRef idx="minor">
+              <a:schemeClr val="lt1"/>
+            </a:fontRef>
+          </p:style>
+          <p:txBody>
+            <a:bodyPr rtlCol="0" anchor="ctr"/>
+            <a:lstStyle/>
+            <a:p>
+              <a:pPr algn="ctr"/>
+              <a:endParaRPr lang="en-US"/>
+            </a:p>
+          </p:txBody>
+        </p:sp>
+        <p:pic>
+          <p:nvPicPr>
+            <p:cNvPr id="34" name="Picture 33" descr="A close up of a sign&#10;&#10;Description generated with high confidence">
+              <a:extLst>
+                <a:ext uri="{FF2B5EF4-FFF2-40B4-BE49-F238E27FC236}">
+                  <a16:creationId xmlns:a16="http://schemas.microsoft.com/office/drawing/2014/main" id="{7AB7B4B1-271C-44A1-A145-7EE78CC70505}"/>
+                </a:ext>
+              </a:extLst>
+            </p:cNvPr>
+            <p:cNvPicPr>
+              <a:picLocks noChangeAspect="1"/>
+            </p:cNvPicPr>
+            <p:nvPr/>
+          </p:nvPicPr>
+          <p:blipFill>
+            <a:blip r:embed="rId8"/>
+            <a:stretch>
+              <a:fillRect/>
+            </a:stretch>
+          </p:blipFill>
+          <p:spPr>
+            <a:xfrm>
+              <a:off x="7586663" y="1125812"/>
+              <a:ext cx="4605337" cy="2286000"/>
+            </a:xfrm>
+            <a:prstGeom prst="rect">
+              <a:avLst/>
+            </a:prstGeom>
+          </p:spPr>
+        </p:pic>
+      </p:grpSp>
+      <p:pic>
+        <p:nvPicPr>
+          <p:cNvPr id="36" name="Picture 35" descr="A close up of a sign&#10;&#10;Description generated with very high confidence">
+            <a:extLst>
+              <a:ext uri="{FF2B5EF4-FFF2-40B4-BE49-F238E27FC236}">
+                <a16:creationId xmlns:a16="http://schemas.microsoft.com/office/drawing/2014/main" id="{9ABB3703-C41C-401C-A639-E75374AF9A29}"/>
+              </a:ext>
+            </a:extLst>
+          </p:cNvPr>
+          <p:cNvPicPr>
+            <a:picLocks noChangeAspect="1"/>
+          </p:cNvPicPr>
+          <p:nvPr/>
+        </p:nvPicPr>
+        <p:blipFill>
+          <a:blip r:embed="rId9"/>
+          <a:stretch>
+            <a:fillRect/>
+          </a:stretch>
+        </p:blipFill>
+        <p:spPr>
+          <a:xfrm>
+            <a:off x="1733125" y="3977115"/>
+            <a:ext cx="2375288" cy="1384524"/>
+          </a:xfrm>
+          <a:prstGeom prst="rect">
+            <a:avLst/>
+          </a:prstGeom>
+        </p:spPr>
+      </p:pic>
+      <p:pic>
+        <p:nvPicPr>
+          <p:cNvPr id="38" name="Picture 37">
+            <a:extLst>
+              <a:ext uri="{FF2B5EF4-FFF2-40B4-BE49-F238E27FC236}">
+                <a16:creationId xmlns:a16="http://schemas.microsoft.com/office/drawing/2014/main" id="{BDFDE24D-35FC-42F4-BE53-A5B35F0DBD30}"/>
+              </a:ext>
+            </a:extLst>
+          </p:cNvPr>
+          <p:cNvPicPr>
+            <a:picLocks noChangeAspect="1"/>
+          </p:cNvPicPr>
+          <p:nvPr/>
+        </p:nvPicPr>
+        <p:blipFill>
+          <a:blip r:embed="rId10" cstate="email">
+            <a:extLst>
+              <a:ext uri="{28A0092B-C50C-407E-A947-70E740481C1C}">
+                <a14:useLocalDpi xmlns:a14="http://schemas.microsoft.com/office/drawing/2010/main"/>
+              </a:ext>
+            </a:extLst>
+          </a:blip>
+          <a:stretch>
+            <a:fillRect/>
+          </a:stretch>
+        </p:blipFill>
+        <p:spPr>
+          <a:xfrm>
+            <a:off x="4418497" y="1304394"/>
+            <a:ext cx="1108709" cy="1097280"/>
+          </a:xfrm>
+          <a:prstGeom prst="rect">
+            <a:avLst/>
+          </a:prstGeom>
+        </p:spPr>
+      </p:pic>
+      <p:pic>
+        <p:nvPicPr>
+          <p:cNvPr id="42" name="Picture 41">
+            <a:extLst>
+              <a:ext uri="{FF2B5EF4-FFF2-40B4-BE49-F238E27FC236}">
+                <a16:creationId xmlns:a16="http://schemas.microsoft.com/office/drawing/2014/main" id="{2CAEA3F5-7A8A-448B-833B-BB1C0722DAFE}"/>
+              </a:ext>
+            </a:extLst>
+          </p:cNvPr>
+          <p:cNvPicPr>
+            <a:picLocks noChangeAspect="1"/>
+          </p:cNvPicPr>
+          <p:nvPr/>
+        </p:nvPicPr>
+        <p:blipFill rotWithShape="1">
+          <a:blip r:embed="rId11"/>
+          <a:srcRect l="14568" t="31064" r="20357" b="35833"/>
+          <a:stretch/>
+        </p:blipFill>
+        <p:spPr>
+          <a:xfrm>
+            <a:off x="4418497" y="2692926"/>
+            <a:ext cx="1539391" cy="1097280"/>
+          </a:xfrm>
+          <a:prstGeom prst="rect">
+            <a:avLst/>
+          </a:prstGeom>
+        </p:spPr>
+      </p:pic>
+      <p:pic>
+        <p:nvPicPr>
+          <p:cNvPr id="44" name="Picture 43" descr="A close up of a logo&#10;&#10;Description generated with very high confidence">
+            <a:extLst>
+              <a:ext uri="{FF2B5EF4-FFF2-40B4-BE49-F238E27FC236}">
+                <a16:creationId xmlns:a16="http://schemas.microsoft.com/office/drawing/2014/main" id="{0D874A68-8277-4B7F-830B-4A3A69B2E468}"/>
+              </a:ext>
+            </a:extLst>
+          </p:cNvPr>
+          <p:cNvPicPr>
+            <a:picLocks noChangeAspect="1"/>
+          </p:cNvPicPr>
+          <p:nvPr/>
+        </p:nvPicPr>
+        <p:blipFill>
+          <a:blip r:embed="rId12"/>
+          <a:stretch>
+            <a:fillRect/>
+          </a:stretch>
+        </p:blipFill>
+        <p:spPr>
+          <a:xfrm>
+            <a:off x="5726146" y="1304394"/>
+            <a:ext cx="1426138" cy="1097280"/>
+          </a:xfrm>
+          <a:prstGeom prst="rect">
+            <a:avLst/>
+          </a:prstGeom>
+        </p:spPr>
+      </p:pic>
+      <p:pic>
+        <p:nvPicPr>
+          <p:cNvPr id="46" name="Picture 45" descr="A screenshot of a cell phone&#10;&#10;Description generated with high confidence">
+            <a:extLst>
+              <a:ext uri="{FF2B5EF4-FFF2-40B4-BE49-F238E27FC236}">
+                <a16:creationId xmlns:a16="http://schemas.microsoft.com/office/drawing/2014/main" id="{FEC49FF4-88E7-455E-B412-B57FDDA082CE}"/>
+              </a:ext>
+            </a:extLst>
+          </p:cNvPr>
+          <p:cNvPicPr>
+            <a:picLocks noChangeAspect="1"/>
+          </p:cNvPicPr>
+          <p:nvPr/>
+        </p:nvPicPr>
+        <p:blipFill rotWithShape="1">
+          <a:blip r:embed="rId13"/>
+          <a:srcRect l="27958" t="7267" r="29770" b="33542"/>
+          <a:stretch/>
+        </p:blipFill>
+        <p:spPr>
+          <a:xfrm>
+            <a:off x="8711818" y="2692926"/>
+            <a:ext cx="1539391" cy="2668713"/>
+          </a:xfrm>
+          <a:prstGeom prst="rect">
+            <a:avLst/>
+          </a:prstGeom>
+        </p:spPr>
+      </p:pic>
+      <p:pic>
+        <p:nvPicPr>
+          <p:cNvPr id="48" name="Picture 47">
+            <a:extLst>
+              <a:ext uri="{FF2B5EF4-FFF2-40B4-BE49-F238E27FC236}">
+                <a16:creationId xmlns:a16="http://schemas.microsoft.com/office/drawing/2014/main" id="{D3C62D3E-C951-4642-B33B-6D931902422F}"/>
+              </a:ext>
+            </a:extLst>
+          </p:cNvPr>
+          <p:cNvPicPr>
+            <a:picLocks noChangeAspect="1"/>
+          </p:cNvPicPr>
+          <p:nvPr/>
+        </p:nvPicPr>
+        <p:blipFill>
+          <a:blip r:embed="rId14"/>
+          <a:stretch>
+            <a:fillRect/>
+          </a:stretch>
+        </p:blipFill>
+        <p:spPr>
+          <a:xfrm>
+            <a:off x="7362677" y="1298708"/>
+            <a:ext cx="2888531" cy="1099722"/>
+          </a:xfrm>
+          <a:prstGeom prst="rect">
+            <a:avLst/>
+          </a:prstGeom>
+        </p:spPr>
+      </p:pic>
+    </p:spTree>
+    <p:extLst>
+      <p:ext uri="{BB962C8B-B14F-4D97-AF65-F5344CB8AC3E}">
+        <p14:creationId xmlns:p14="http://schemas.microsoft.com/office/powerpoint/2010/main" val="2255700704"/>
+      </p:ext>
+    </p:extLst>
+  </p:cSld>
+  <p:clrMapOvr>
+    <a:masterClrMapping/>
+  </p:clrMapOvr>
+  <mc:AlternateContent xmlns:mc="http://schemas.openxmlformats.org/markup-compatibility/2006">
+    <mc:Choice xmlns:p159="http://schemas.microsoft.com/office/powerpoint/2015/09/main" Requires="p159">
+      <p:transition spd="slow" advTm="10000">
+        <p159:morph option="byObject"/>
+      </p:transition>
+    </mc:Choice>
+    <mc:Fallback>
+      <p:transition spd="slow" advTm="10000">
+        <p:fade/>
+      </p:transition>
+    </mc:Fallback>
+  </mc:AlternateContent>
+</p:sld>
+</file>
+
+<file path=ppt/slides/slide8.xml><?xml version="1.0" encoding="utf-8"?>
+<p:sld xmlns:a="http://schemas.openxmlformats.org/drawingml/2006/main" xmlns:r="http://schemas.openxmlformats.org/officeDocument/2006/relationships" xmlns:p="http://schemas.openxmlformats.org/presentationml/2006/main">
+  <p:cSld>
+    <p:bg>
+      <p:bgPr>
+        <a:gradFill rotWithShape="1">
+          <a:gsLst>
+            <a:gs pos="10000">
+              <a:srgbClr val="077BB0"/>
+            </a:gs>
+            <a:gs pos="100000">
+              <a:schemeClr val="bg2">
+                <a:shade val="96000"/>
+                <a:satMod val="120000"/>
+                <a:lumMod val="90000"/>
+              </a:schemeClr>
+            </a:gs>
+          </a:gsLst>
+          <a:lin ang="6120000" scaled="1"/>
+        </a:gradFill>
+        <a:effectLst/>
+      </p:bgPr>
+    </p:bg>
+    <p:spTree>
+      <p:nvGrpSpPr>
+        <p:cNvPr id="1" name=""/>
+        <p:cNvGrpSpPr/>
+        <p:nvPr/>
+      </p:nvGrpSpPr>
+      <p:grpSpPr>
+        <a:xfrm>
+          <a:off x="0" y="0"/>
+          <a:ext cx="0" cy="0"/>
+          <a:chOff x="0" y="0"/>
+          <a:chExt cx="0" cy="0"/>
+        </a:xfrm>
+      </p:grpSpPr>
+      <p:sp>
+        <p:nvSpPr>
+          <p:cNvPr id="2" name="Title 1">
+            <a:extLst>
+              <a:ext uri="{FF2B5EF4-FFF2-40B4-BE49-F238E27FC236}">
+                <a16:creationId xmlns:a16="http://schemas.microsoft.com/office/drawing/2014/main" id="{075139A1-47D1-4DFF-9ED2-090E7EA273ED}"/>
+              </a:ext>
+            </a:extLst>
+          </p:cNvPr>
+          <p:cNvSpPr>
+            <a:spLocks noGrp="1"/>
+          </p:cNvSpPr>
+          <p:nvPr>
+            <p:ph type="ctrTitle"/>
+          </p:nvPr>
+        </p:nvSpPr>
+        <p:spPr>
+          <a:xfrm>
+            <a:off x="213049" y="2664913"/>
+            <a:ext cx="11765902" cy="2062066"/>
+          </a:xfrm>
+        </p:spPr>
+        <p:txBody>
+          <a:bodyPr>
+            <a:normAutofit fontScale="90000"/>
+          </a:bodyPr>
+          <a:lstStyle/>
+          <a:p>
+            <a:r>
+              <a:rPr lang="he-IL" sz="8800" dirty="0">
+                <a:latin typeface="Calibri Light" panose="020F0302020204030204" pitchFamily="34" charset="0"/>
+                <a:cs typeface="Calibri Light" panose="020F0302020204030204" pitchFamily="34" charset="0"/>
+              </a:rPr>
+              <a:t>	יותר עסקאות פחות התעסקות</a:t>
+            </a:r>
+            <a:endParaRPr lang="en-US" sz="8800" dirty="0">
+              <a:latin typeface="Calibri Light" panose="020F0302020204030204" pitchFamily="34" charset="0"/>
+              <a:cs typeface="Calibri Light" panose="020F0302020204030204" pitchFamily="34" charset="0"/>
+            </a:endParaRPr>
+          </a:p>
+        </p:txBody>
+      </p:sp>
+      <p:grpSp>
+        <p:nvGrpSpPr>
+          <p:cNvPr id="26" name="Group 25">
+            <a:extLst>
+              <a:ext uri="{FF2B5EF4-FFF2-40B4-BE49-F238E27FC236}">
+                <a16:creationId xmlns:a16="http://schemas.microsoft.com/office/drawing/2014/main" id="{8C3D42B2-987C-4873-8E8F-C26C55E7BA82}"/>
+              </a:ext>
+            </a:extLst>
+          </p:cNvPr>
+          <p:cNvGrpSpPr/>
+          <p:nvPr/>
+        </p:nvGrpSpPr>
+        <p:grpSpPr>
+          <a:xfrm>
+            <a:off x="0" y="5936848"/>
+            <a:ext cx="3966267" cy="930288"/>
+            <a:chOff x="0" y="5936848"/>
+            <a:chExt cx="3966267" cy="930288"/>
+          </a:xfrm>
+        </p:grpSpPr>
+        <p:sp>
+          <p:nvSpPr>
+            <p:cNvPr id="28" name="Title 1">
+              <a:extLst>
+                <a:ext uri="{FF2B5EF4-FFF2-40B4-BE49-F238E27FC236}">
+                  <a16:creationId xmlns:a16="http://schemas.microsoft.com/office/drawing/2014/main" id="{47FADB26-7933-4A49-AEF4-F49BDBB2DB9A}"/>
+                </a:ext>
+              </a:extLst>
+            </p:cNvPr>
+            <p:cNvSpPr txBox="1">
+              <a:spLocks/>
+            </p:cNvSpPr>
+            <p:nvPr/>
+          </p:nvSpPr>
+          <p:spPr>
+            <a:xfrm>
+              <a:off x="679509" y="5936848"/>
+              <a:ext cx="3286758" cy="422754"/>
+            </a:xfrm>
+            <a:prstGeom prst="rect">
+              <a:avLst/>
+            </a:prstGeom>
+            <a:effectLst/>
+          </p:spPr>
+          <p:txBody>
+            <a:bodyPr vert="horz" lIns="91440" tIns="45720" rIns="91440" bIns="45720" rtlCol="0" anchor="b">
+              <a:noAutofit/>
+            </a:bodyPr>
+            <a:lstStyle>
+              <a:lvl1pPr algn="l" defTabSz="457200" rtl="0" eaLnBrk="1" latinLnBrk="0" hangingPunct="1">
+                <a:spcBef>
+                  <a:spcPct val="0"/>
+                </a:spcBef>
+                <a:buNone/>
+                <a:defRPr sz="4800" kern="1200" cap="all">
+                  <a:ln w="3175" cmpd="sng">
+                    <a:noFill/>
+                  </a:ln>
+                  <a:solidFill>
+                    <a:schemeClr val="tx1"/>
+                  </a:solidFill>
+                  <a:effectLst/>
+                  <a:latin typeface="+mj-lt"/>
+                  <a:ea typeface="+mj-ea"/>
+                  <a:cs typeface="+mj-cs"/>
+                </a:defRPr>
+              </a:lvl1pPr>
+              <a:lvl2pPr eaLnBrk="1" hangingPunct="1">
+                <a:defRPr>
+                  <a:solidFill>
+                    <a:schemeClr val="tx2"/>
+                  </a:solidFill>
+                </a:defRPr>
+              </a:lvl2pPr>
+              <a:lvl3pPr eaLnBrk="1" hangingPunct="1">
+                <a:defRPr>
+                  <a:solidFill>
+                    <a:schemeClr val="tx2"/>
+                  </a:solidFill>
+                </a:defRPr>
+              </a:lvl3pPr>
+              <a:lvl4pPr eaLnBrk="1" hangingPunct="1">
+                <a:defRPr>
+                  <a:solidFill>
+                    <a:schemeClr val="tx2"/>
+                  </a:solidFill>
+                </a:defRPr>
+              </a:lvl4pPr>
+              <a:lvl5pPr eaLnBrk="1" hangingPunct="1">
+                <a:defRPr>
+                  <a:solidFill>
+                    <a:schemeClr val="tx2"/>
+                  </a:solidFill>
+                </a:defRPr>
+              </a:lvl5pPr>
+              <a:lvl6pPr eaLnBrk="1" hangingPunct="1">
+                <a:defRPr>
+                  <a:solidFill>
+                    <a:schemeClr val="tx2"/>
+                  </a:solidFill>
+                </a:defRPr>
+              </a:lvl6pPr>
+              <a:lvl7pPr eaLnBrk="1" hangingPunct="1">
+                <a:defRPr>
+                  <a:solidFill>
+                    <a:schemeClr val="tx2"/>
+                  </a:solidFill>
+                </a:defRPr>
+              </a:lvl7pPr>
+              <a:lvl8pPr eaLnBrk="1" hangingPunct="1">
+                <a:defRPr>
+                  <a:solidFill>
+                    <a:schemeClr val="tx2"/>
+                  </a:solidFill>
+                </a:defRPr>
+              </a:lvl8pPr>
+              <a:lvl9pPr eaLnBrk="1" hangingPunct="1">
+                <a:defRPr>
+                  <a:solidFill>
+                    <a:schemeClr val="tx2"/>
+                  </a:solidFill>
+                </a:defRPr>
+              </a:lvl9pPr>
+            </a:lstStyle>
+            <a:p>
+              <a:pPr algn="r"/>
+              <a:r>
+                <a:rPr lang="he-IL" sz="2400" dirty="0">
+                  <a:latin typeface="Calibri Light" panose="020F0302020204030204" pitchFamily="34" charset="0"/>
+                  <a:cs typeface="Calibri Light" panose="020F0302020204030204" pitchFamily="34" charset="0"/>
+                </a:rPr>
+                <a:t>סרוק להורדת האפליקציה</a:t>
+              </a:r>
+              <a:endParaRPr lang="en-US" sz="2400" dirty="0">
+                <a:latin typeface="Calibri Light" panose="020F0302020204030204" pitchFamily="34" charset="0"/>
+                <a:cs typeface="Calibri Light" panose="020F0302020204030204" pitchFamily="34" charset="0"/>
+              </a:endParaRPr>
+            </a:p>
+          </p:txBody>
+        </p:sp>
+        <p:pic>
+          <p:nvPicPr>
+            <p:cNvPr id="29" name="Picture 28">
+              <a:extLst>
+                <a:ext uri="{FF2B5EF4-FFF2-40B4-BE49-F238E27FC236}">
+                  <a16:creationId xmlns:a16="http://schemas.microsoft.com/office/drawing/2014/main" id="{9C62EEA0-5725-40DA-8E23-32FD139F171A}"/>
+                </a:ext>
+              </a:extLst>
+            </p:cNvPr>
+            <p:cNvPicPr>
+              <a:picLocks noChangeAspect="1"/>
+            </p:cNvPicPr>
+            <p:nvPr/>
+          </p:nvPicPr>
+          <p:blipFill>
+            <a:blip r:embed="rId2"/>
+            <a:stretch>
+              <a:fillRect/>
+            </a:stretch>
+          </p:blipFill>
+          <p:spPr>
+            <a:xfrm>
+              <a:off x="0" y="6035355"/>
+              <a:ext cx="822645" cy="822645"/>
+            </a:xfrm>
+            <a:prstGeom prst="rect">
+              <a:avLst/>
+            </a:prstGeom>
+          </p:spPr>
+        </p:pic>
+        <p:sp>
+          <p:nvSpPr>
+            <p:cNvPr id="30" name="Title 1">
+              <a:extLst>
+                <a:ext uri="{FF2B5EF4-FFF2-40B4-BE49-F238E27FC236}">
+                  <a16:creationId xmlns:a16="http://schemas.microsoft.com/office/drawing/2014/main" id="{0BBB4781-FC99-4044-B10D-83DBD3D0D5A4}"/>
+                </a:ext>
+              </a:extLst>
+            </p:cNvPr>
+            <p:cNvSpPr txBox="1">
+              <a:spLocks/>
+            </p:cNvSpPr>
+            <p:nvPr/>
+          </p:nvSpPr>
+          <p:spPr>
+            <a:xfrm>
+              <a:off x="899211" y="6294521"/>
+              <a:ext cx="3067055" cy="572615"/>
+            </a:xfrm>
+            <a:prstGeom prst="rect">
+              <a:avLst/>
+            </a:prstGeom>
+            <a:effectLst/>
+          </p:spPr>
+          <p:txBody>
+            <a:bodyPr vert="horz" lIns="91440" tIns="45720" rIns="91440" bIns="45720" rtlCol="0" anchor="b">
+              <a:noAutofit/>
+            </a:bodyPr>
+            <a:lstStyle>
+              <a:lvl1pPr algn="l" defTabSz="457200" rtl="0" eaLnBrk="1" latinLnBrk="0" hangingPunct="1">
+                <a:spcBef>
+                  <a:spcPct val="0"/>
+                </a:spcBef>
+                <a:buNone/>
+                <a:defRPr sz="4800" kern="1200" cap="all">
+                  <a:ln w="3175" cmpd="sng">
+                    <a:noFill/>
+                  </a:ln>
+                  <a:solidFill>
+                    <a:schemeClr val="tx1"/>
+                  </a:solidFill>
+                  <a:effectLst/>
+                  <a:latin typeface="+mj-lt"/>
+                  <a:ea typeface="+mj-ea"/>
+                  <a:cs typeface="+mj-cs"/>
+                </a:defRPr>
+              </a:lvl1pPr>
+              <a:lvl2pPr eaLnBrk="1" hangingPunct="1">
+                <a:defRPr>
+                  <a:solidFill>
+                    <a:schemeClr val="tx2"/>
+                  </a:solidFill>
+                </a:defRPr>
+              </a:lvl2pPr>
+              <a:lvl3pPr eaLnBrk="1" hangingPunct="1">
+                <a:defRPr>
+                  <a:solidFill>
+                    <a:schemeClr val="tx2"/>
+                  </a:solidFill>
+                </a:defRPr>
+              </a:lvl3pPr>
+              <a:lvl4pPr eaLnBrk="1" hangingPunct="1">
+                <a:defRPr>
+                  <a:solidFill>
+                    <a:schemeClr val="tx2"/>
+                  </a:solidFill>
+                </a:defRPr>
+              </a:lvl4pPr>
+              <a:lvl5pPr eaLnBrk="1" hangingPunct="1">
+                <a:defRPr>
+                  <a:solidFill>
+                    <a:schemeClr val="tx2"/>
+                  </a:solidFill>
+                </a:defRPr>
+              </a:lvl5pPr>
+              <a:lvl6pPr eaLnBrk="1" hangingPunct="1">
+                <a:defRPr>
+                  <a:solidFill>
+                    <a:schemeClr val="tx2"/>
+                  </a:solidFill>
+                </a:defRPr>
+              </a:lvl6pPr>
+              <a:lvl7pPr eaLnBrk="1" hangingPunct="1">
+                <a:defRPr>
+                  <a:solidFill>
+                    <a:schemeClr val="tx2"/>
+                  </a:solidFill>
+                </a:defRPr>
+              </a:lvl7pPr>
+              <a:lvl8pPr eaLnBrk="1" hangingPunct="1">
+                <a:defRPr>
+                  <a:solidFill>
+                    <a:schemeClr val="tx2"/>
+                  </a:solidFill>
+                </a:defRPr>
+              </a:lvl8pPr>
+              <a:lvl9pPr eaLnBrk="1" hangingPunct="1">
+                <a:defRPr>
+                  <a:solidFill>
+                    <a:schemeClr val="tx2"/>
+                  </a:solidFill>
+                </a:defRPr>
+              </a:lvl9pPr>
+            </a:lstStyle>
+            <a:p>
+              <a:pPr algn="r"/>
+              <a:r>
+                <a:rPr lang="he-IL" sz="1600" dirty="0">
+                  <a:latin typeface="Calibri Light" panose="020F0302020204030204" pitchFamily="34" charset="0"/>
+                  <a:cs typeface="Calibri Light" panose="020F0302020204030204" pitchFamily="34" charset="0"/>
+                </a:rPr>
+                <a:t>10 החתמות חינם</a:t>
+              </a:r>
+            </a:p>
+            <a:p>
+              <a:pPr algn="r"/>
+              <a:r>
+                <a:rPr lang="he-IL" sz="1600" dirty="0">
+                  <a:latin typeface="Calibri Light" panose="020F0302020204030204" pitchFamily="34" charset="0"/>
+                  <a:cs typeface="Calibri Light" panose="020F0302020204030204" pitchFamily="34" charset="0"/>
+                </a:rPr>
+                <a:t>10% הנחה לנרשמים בכנס</a:t>
+              </a:r>
+              <a:endParaRPr lang="en-US" sz="1600" dirty="0">
+                <a:latin typeface="Calibri Light" panose="020F0302020204030204" pitchFamily="34" charset="0"/>
+                <a:cs typeface="Calibri Light" panose="020F0302020204030204" pitchFamily="34" charset="0"/>
+              </a:endParaRPr>
+            </a:p>
+          </p:txBody>
+        </p:sp>
+      </p:grpSp>
+      <p:pic>
+        <p:nvPicPr>
           <p:cNvPr id="7" name="Picture 6">
             <a:extLst>
               <a:ext uri="{FF2B5EF4-FFF2-40B4-BE49-F238E27FC236}">
@@ -12280,7 +13122,7 @@
     </p:spTree>
     <p:extLst>
       <p:ext uri="{BB962C8B-B14F-4D97-AF65-F5344CB8AC3E}">
-        <p14:creationId xmlns:p14="http://schemas.microsoft.com/office/powerpoint/2010/main" val="2255700704"/>
+        <p14:creationId xmlns:p14="http://schemas.microsoft.com/office/powerpoint/2010/main" val="700797232"/>
       </p:ext>
     </p:extLst>
   </p:cSld>
